--- a/docs/presentation_sex.pptx
+++ b/docs/presentation_sex.pptx
@@ -159,7 +159,7 @@
               <c:strCache>
                 <c:ptCount val="1"/>
                 <c:pt idx="0">
-                  <c:v>Joueur 1</c:v>
+                  <c:v>Chris</c:v>
                 </c:pt>
               </c:strCache>
             </c:strRef>
@@ -189,7 +189,7 @@
               <a:lstStyle/>
               <a:p>
                 <a:pPr>
-                  <a:defRPr lang="fr-FR" sz="1197" b="0" i="0" u="none" strike="noStrike" kern="1200" baseline="0" noProof="0">
+                  <a:defRPr lang="fr-FR" sz="1600" b="0" i="0" u="none" strike="noStrike" kern="1200" baseline="0" noProof="0">
                     <a:solidFill>
                       <a:schemeClr val="tx1">
                         <a:lumMod val="75000"/>
@@ -233,41 +233,53 @@
           </c:dLbls>
           <c:cat>
             <c:strRef>
-              <c:f>Sheet1!$A$2:$A$5</c:f>
+              <c:f>Sheet1!$A$2:$A$7</c:f>
               <c:strCache>
-                <c:ptCount val="4"/>
+                <c:ptCount val="6"/>
                 <c:pt idx="0">
-                  <c:v>proba 1</c:v>
+                  <c:v>Proba (dé=1) </c:v>
                 </c:pt>
                 <c:pt idx="1">
-                  <c:v>proba 2</c:v>
+                  <c:v>Proba (dé=2) </c:v>
                 </c:pt>
                 <c:pt idx="2">
-                  <c:v>proba 3</c:v>
+                  <c:v>Proba (dé=3) </c:v>
                 </c:pt>
                 <c:pt idx="3">
-                  <c:v>proba 4</c:v>
+                  <c:v>Proba (dé=4) </c:v>
+                </c:pt>
+                <c:pt idx="4">
+                  <c:v>Proba (dé=5) </c:v>
+                </c:pt>
+                <c:pt idx="5">
+                  <c:v>Proba (dé=6) </c:v>
                 </c:pt>
               </c:strCache>
             </c:strRef>
           </c:cat>
           <c:val>
             <c:numRef>
-              <c:f>Sheet1!$B$2:$B$5</c:f>
+              <c:f>Sheet1!$B$2:$B$7</c:f>
               <c:numCache>
                 <c:formatCode>General</c:formatCode>
-                <c:ptCount val="4"/>
+                <c:ptCount val="6"/>
                 <c:pt idx="0">
-                  <c:v>0.5</c:v>
+                  <c:v>0.16</c:v>
                 </c:pt>
                 <c:pt idx="1">
-                  <c:v>0.5</c:v>
+                  <c:v>0.25</c:v>
                 </c:pt>
                 <c:pt idx="2">
-                  <c:v>0.5</c:v>
+                  <c:v>0.15</c:v>
                 </c:pt>
                 <c:pt idx="3">
-                  <c:v>0.5</c:v>
+                  <c:v>0.12</c:v>
+                </c:pt>
+                <c:pt idx="4">
+                  <c:v>0.14000000000000001</c:v>
+                </c:pt>
+                <c:pt idx="5">
+                  <c:v>0.18</c:v>
                 </c:pt>
               </c:numCache>
             </c:numRef>
@@ -287,7 +299,7 @@
               <c:strCache>
                 <c:ptCount val="1"/>
                 <c:pt idx="0">
-                  <c:v>Joueur  2</c:v>
+                  <c:v>Lilian</c:v>
                 </c:pt>
               </c:strCache>
             </c:strRef>
@@ -317,7 +329,7 @@
               <a:lstStyle/>
               <a:p>
                 <a:pPr>
-                  <a:defRPr lang="fr-FR" sz="1197" b="0" i="0" u="none" strike="noStrike" kern="1200" baseline="0" noProof="0">
+                  <a:defRPr lang="fr-FR" sz="1600" b="0" i="0" u="none" strike="noStrike" kern="1200" baseline="0" noProof="0">
                     <a:solidFill>
                       <a:schemeClr val="tx1">
                         <a:lumMod val="75000"/>
@@ -361,41 +373,53 @@
           </c:dLbls>
           <c:cat>
             <c:strRef>
-              <c:f>Sheet1!$A$2:$A$5</c:f>
+              <c:f>Sheet1!$A$2:$A$7</c:f>
               <c:strCache>
-                <c:ptCount val="4"/>
+                <c:ptCount val="6"/>
                 <c:pt idx="0">
-                  <c:v>proba 1</c:v>
+                  <c:v>Proba (dé=1) </c:v>
                 </c:pt>
                 <c:pt idx="1">
-                  <c:v>proba 2</c:v>
+                  <c:v>Proba (dé=2) </c:v>
                 </c:pt>
                 <c:pt idx="2">
-                  <c:v>proba 3</c:v>
+                  <c:v>Proba (dé=3) </c:v>
                 </c:pt>
                 <c:pt idx="3">
-                  <c:v>proba 4</c:v>
+                  <c:v>Proba (dé=4) </c:v>
+                </c:pt>
+                <c:pt idx="4">
+                  <c:v>Proba (dé=5) </c:v>
+                </c:pt>
+                <c:pt idx="5">
+                  <c:v>Proba (dé=6) </c:v>
                 </c:pt>
               </c:strCache>
             </c:strRef>
           </c:cat>
           <c:val>
             <c:numRef>
-              <c:f>Sheet1!$C$2:$C$5</c:f>
+              <c:f>Sheet1!$C$2:$C$7</c:f>
               <c:numCache>
                 <c:formatCode>General</c:formatCode>
-                <c:ptCount val="4"/>
+                <c:ptCount val="6"/>
                 <c:pt idx="0">
-                  <c:v>0.5</c:v>
+                  <c:v>0.23</c:v>
                 </c:pt>
                 <c:pt idx="1">
-                  <c:v>0.5</c:v>
+                  <c:v>0.15</c:v>
                 </c:pt>
                 <c:pt idx="2">
-                  <c:v>0.5</c:v>
+                  <c:v>0.13</c:v>
                 </c:pt>
                 <c:pt idx="3">
-                  <c:v>0.5</c:v>
+                  <c:v>0.15</c:v>
+                </c:pt>
+                <c:pt idx="4">
+                  <c:v>0.17</c:v>
+                </c:pt>
+                <c:pt idx="5">
+                  <c:v>0.16</c:v>
                 </c:pt>
               </c:numCache>
             </c:numRef>
@@ -415,7 +439,7 @@
               <c:strCache>
                 <c:ptCount val="1"/>
                 <c:pt idx="0">
-                  <c:v>Joueur 3</c:v>
+                  <c:v>Neymar Jr</c:v>
                 </c:pt>
               </c:strCache>
             </c:strRef>
@@ -445,7 +469,7 @@
               <a:lstStyle/>
               <a:p>
                 <a:pPr>
-                  <a:defRPr lang="fr-FR" sz="1197" b="0" i="0" u="none" strike="noStrike" kern="1200" baseline="0" noProof="0">
+                  <a:defRPr lang="fr-FR" sz="1600" b="0" i="0" u="none" strike="noStrike" kern="1200" baseline="0" noProof="0">
                     <a:solidFill>
                       <a:schemeClr val="tx1">
                         <a:lumMod val="75000"/>
@@ -489,41 +513,53 @@
           </c:dLbls>
           <c:cat>
             <c:strRef>
-              <c:f>Sheet1!$A$2:$A$5</c:f>
+              <c:f>Sheet1!$A$2:$A$7</c:f>
               <c:strCache>
-                <c:ptCount val="4"/>
+                <c:ptCount val="6"/>
                 <c:pt idx="0">
-                  <c:v>proba 1</c:v>
+                  <c:v>Proba (dé=1) </c:v>
                 </c:pt>
                 <c:pt idx="1">
-                  <c:v>proba 2</c:v>
+                  <c:v>Proba (dé=2) </c:v>
                 </c:pt>
                 <c:pt idx="2">
-                  <c:v>proba 3</c:v>
+                  <c:v>Proba (dé=3) </c:v>
                 </c:pt>
                 <c:pt idx="3">
-                  <c:v>proba 4</c:v>
+                  <c:v>Proba (dé=4) </c:v>
+                </c:pt>
+                <c:pt idx="4">
+                  <c:v>Proba (dé=5) </c:v>
+                </c:pt>
+                <c:pt idx="5">
+                  <c:v>Proba (dé=6) </c:v>
                 </c:pt>
               </c:strCache>
             </c:strRef>
           </c:cat>
           <c:val>
             <c:numRef>
-              <c:f>Sheet1!$D$2:$D$5</c:f>
+              <c:f>Sheet1!$D$2:$D$7</c:f>
               <c:numCache>
                 <c:formatCode>General</c:formatCode>
-                <c:ptCount val="4"/>
+                <c:ptCount val="6"/>
                 <c:pt idx="0">
-                  <c:v>0.5</c:v>
+                  <c:v>0.25</c:v>
                 </c:pt>
                 <c:pt idx="1">
-                  <c:v>0.5</c:v>
+                  <c:v>0.16</c:v>
                 </c:pt>
                 <c:pt idx="2">
-                  <c:v>0.5</c:v>
+                  <c:v>0.19</c:v>
                 </c:pt>
                 <c:pt idx="3">
-                  <c:v>0.5</c:v>
+                  <c:v>0.2</c:v>
+                </c:pt>
+                <c:pt idx="4">
+                  <c:v>0.21</c:v>
+                </c:pt>
+                <c:pt idx="5">
+                  <c:v>0.14000000000000001</c:v>
                 </c:pt>
               </c:numCache>
             </c:numRef>
@@ -542,7 +578,7 @@
           <c:showPercent val="0"/>
           <c:showBubbleSize val="0"/>
         </c:dLbls>
-        <c:gapWidth val="150"/>
+        <c:gapWidth val="69"/>
         <c:overlap val="-25"/>
         <c:axId val="391884040"/>
         <c:axId val="391883648"/>
@@ -576,7 +612,7 @@
           <a:lstStyle/>
           <a:p>
             <a:pPr>
-              <a:defRPr lang="fr-FR" sz="1197" b="0" i="0" u="none" strike="noStrike" kern="1200" baseline="0" noProof="0">
+              <a:defRPr lang="fr-FR" sz="2000" b="0" i="0" u="none" strike="noStrike" kern="1200" baseline="0" noProof="0">
                 <a:solidFill>
                   <a:schemeClr val="tx1">
                     <a:lumMod val="65000"/>
@@ -623,6 +659,85 @@
     </c:plotArea>
     <c:legend>
       <c:legendPos val="t"/>
+      <c:legendEntry>
+        <c:idx val="0"/>
+        <c:txPr>
+          <a:bodyPr rot="0" spcFirstLastPara="1" vertOverflow="ellipsis" vert="horz" wrap="square" anchor="ctr" anchorCtr="1"/>
+          <a:lstStyle/>
+          <a:p>
+            <a:pPr>
+              <a:defRPr lang="fr-FR" sz="2000" b="0" i="0" u="none" strike="noStrike" kern="1200" baseline="0" noProof="0">
+                <a:solidFill>
+                  <a:schemeClr val="tx1">
+                    <a:lumMod val="65000"/>
+                    <a:lumOff val="35000"/>
+                  </a:schemeClr>
+                </a:solidFill>
+                <a:latin typeface="+mn-lt"/>
+                <a:ea typeface="+mn-ea"/>
+                <a:cs typeface="+mn-cs"/>
+              </a:defRPr>
+            </a:pPr>
+            <a:endParaRPr lang="fr-FR"/>
+          </a:p>
+        </c:txPr>
+      </c:legendEntry>
+      <c:legendEntry>
+        <c:idx val="1"/>
+        <c:txPr>
+          <a:bodyPr rot="0" spcFirstLastPara="1" vertOverflow="ellipsis" vert="horz" wrap="square" anchor="ctr" anchorCtr="1"/>
+          <a:lstStyle/>
+          <a:p>
+            <a:pPr>
+              <a:defRPr lang="fr-FR" sz="2000" b="0" i="0" u="none" strike="noStrike" kern="1200" baseline="0" noProof="0">
+                <a:solidFill>
+                  <a:schemeClr val="tx1">
+                    <a:lumMod val="65000"/>
+                    <a:lumOff val="35000"/>
+                  </a:schemeClr>
+                </a:solidFill>
+                <a:latin typeface="+mn-lt"/>
+                <a:ea typeface="+mn-ea"/>
+                <a:cs typeface="+mn-cs"/>
+              </a:defRPr>
+            </a:pPr>
+            <a:endParaRPr lang="fr-FR"/>
+          </a:p>
+        </c:txPr>
+      </c:legendEntry>
+      <c:legendEntry>
+        <c:idx val="2"/>
+        <c:txPr>
+          <a:bodyPr rot="0" spcFirstLastPara="1" vertOverflow="ellipsis" vert="horz" wrap="square" anchor="ctr" anchorCtr="1"/>
+          <a:lstStyle/>
+          <a:p>
+            <a:pPr>
+              <a:defRPr lang="fr-FR" sz="2000" b="0" i="0" u="none" strike="noStrike" kern="1200" baseline="0" noProof="0">
+                <a:solidFill>
+                  <a:schemeClr val="tx1">
+                    <a:lumMod val="65000"/>
+                    <a:lumOff val="35000"/>
+                  </a:schemeClr>
+                </a:solidFill>
+                <a:latin typeface="+mn-lt"/>
+                <a:ea typeface="+mn-ea"/>
+                <a:cs typeface="+mn-cs"/>
+              </a:defRPr>
+            </a:pPr>
+            <a:endParaRPr lang="fr-FR"/>
+          </a:p>
+        </c:txPr>
+      </c:legendEntry>
+      <c:layout>
+        <c:manualLayout>
+          <c:xMode val="edge"/>
+          <c:yMode val="edge"/>
+          <c:x val="0.2121222578659149"/>
+          <c:y val="1.4705882352941176E-2"/>
+          <c:w val="0.49962363500858686"/>
+          <c:h val="0.1505741469816273"/>
+        </c:manualLayout>
+      </c:layout>
       <c:overlay val="0"/>
       <c:spPr>
         <a:noFill/>
@@ -1306,7 +1421,7 @@
             <a:pPr rtl="0"/>
             <a:fld id="{FF166DAF-1FD7-49A0-916A-AC65B1661C02}" type="datetime1">
               <a:rPr lang="fr-FR" smtClean="0"/>
-              <a:t>20/12/2019</a:t>
+              <a:t>21/12/2019</a:t>
             </a:fld>
             <a:endParaRPr lang="fr-FR" dirty="0"/>
           </a:p>
@@ -1475,7 +1590,7 @@
             <a:fld id="{A8943EBA-850C-42A3-A69E-C2E98F19DE12}" type="datetime1">
               <a:rPr lang="fr-FR" smtClean="0"/>
               <a:pPr/>
-              <a:t>20/12/2019</a:t>
+              <a:t>21/12/2019</a:t>
             </a:fld>
             <a:endParaRPr lang="fr-FR" dirty="0"/>
           </a:p>
@@ -2299,6 +2414,50 @@
           <a:bodyPr/>
           <a:lstStyle/>
           <a:p>
+            <a:r>
+              <a:rPr lang="fr-FR" dirty="0"/>
+              <a:t>Ité3:</a:t>
+            </a:r>
+          </a:p>
+          <a:p>
+            <a:r>
+              <a:rPr lang="fr-FR" dirty="0"/>
+              <a:t>Chrono : </a:t>
+            </a:r>
+          </a:p>
+          <a:p>
+            <a:pPr marL="0" indent="0">
+              <a:buFont typeface="Arial" panose="020B0604020202020204" pitchFamily="34" charset="0"/>
+              <a:buNone/>
+            </a:pPr>
+            <a:r>
+              <a:rPr lang="fr-FR" dirty="0"/>
+              <a:t>-total du temp de jeu seulement</a:t>
+            </a:r>
+          </a:p>
+          <a:p>
+            <a:pPr marL="0" indent="0">
+              <a:buFont typeface="Arial" panose="020B0604020202020204" pitchFamily="34" charset="0"/>
+              <a:buNone/>
+            </a:pPr>
+            <a:r>
+              <a:rPr lang="fr-FR" dirty="0"/>
+              <a:t>-pas de temps de jeu personnelle, ni d’activation du chrono sur demande</a:t>
+            </a:r>
+          </a:p>
+          <a:p>
+            <a:r>
+              <a:rPr lang="fr-FR" dirty="0"/>
+              <a:t>Pas d’affichage du lancer de dés grâce à des LED (oublié) </a:t>
+            </a:r>
+          </a:p>
+          <a:p>
+            <a:r>
+              <a:rPr lang="fr-FR" dirty="0"/>
+              <a:t>Statistique non personnalisable</a:t>
+            </a:r>
+          </a:p>
+          <a:p>
             <a:endParaRPr lang="fr-FR" dirty="0"/>
           </a:p>
         </p:txBody>
@@ -2469,6 +2628,10 @@
           <a:bodyPr/>
           <a:lstStyle/>
           <a:p>
+            <a:r>
+              <a:rPr lang="fr-FR" sz="1200" dirty="0"/>
+              <a:t>le nombre de fois que 1 est sortit sur le nombre de lancers effectués depuis le début de la partie.</a:t>
+            </a:r>
             <a:endParaRPr lang="fr-FR" dirty="0"/>
           </a:p>
         </p:txBody>
@@ -2811,7 +2974,7 @@
             <a:pPr rtl="0"/>
             <a:fld id="{5FE44BC8-8C30-47A0-9C3D-6F595C44DBF1}" type="datetime1">
               <a:rPr lang="fr-FR" noProof="0" smtClean="0"/>
-              <a:t>20/12/2019</a:t>
+              <a:t>21/12/2019</a:t>
             </a:fld>
             <a:endParaRPr lang="fr-FR" noProof="0" dirty="0"/>
           </a:p>
@@ -3010,7 +3173,7 @@
             <a:pPr rtl="0"/>
             <a:fld id="{41EDCC16-ABC4-454E-A7F5-BA436A235111}" type="datetime1">
               <a:rPr lang="fr-FR" noProof="0" smtClean="0"/>
-              <a:t>20/12/2019</a:t>
+              <a:t>21/12/2019</a:t>
             </a:fld>
             <a:endParaRPr lang="fr-FR" noProof="0" dirty="0"/>
           </a:p>
@@ -3199,7 +3362,7 @@
             <a:pPr rtl="0"/>
             <a:fld id="{33DEA163-D3B5-4581-9849-77D58C91657A}" type="datetime1">
               <a:rPr lang="fr-FR" noProof="0" smtClean="0"/>
-              <a:t>20/12/2019</a:t>
+              <a:t>21/12/2019</a:t>
             </a:fld>
             <a:endParaRPr lang="fr-FR" noProof="0" dirty="0"/>
           </a:p>
@@ -3469,7 +3632,7 @@
             <a:pPr rtl="0"/>
             <a:fld id="{04DC317B-F889-4156-9F41-585E9802B909}" type="datetime1">
               <a:rPr lang="fr-FR" noProof="0" smtClean="0"/>
-              <a:t>20/12/2019</a:t>
+              <a:t>21/12/2019</a:t>
             </a:fld>
             <a:endParaRPr lang="fr-FR" noProof="0" dirty="0"/>
           </a:p>
@@ -3720,7 +3883,7 @@
             <a:pPr rtl="0"/>
             <a:fld id="{AC9DA7A1-59FF-42C1-B1B3-89C10FE1A32E}" type="datetime1">
               <a:rPr lang="fr-FR" noProof="0" smtClean="0"/>
-              <a:t>20/12/2019</a:t>
+              <a:t>21/12/2019</a:t>
             </a:fld>
             <a:endParaRPr lang="fr-FR" noProof="0" dirty="0"/>
           </a:p>
@@ -4115,7 +4278,7 @@
             <a:pPr rtl="0"/>
             <a:fld id="{2530A04F-E001-41EA-BD6A-6B97D81F7AF9}" type="datetime1">
               <a:rPr lang="fr-FR" noProof="0" smtClean="0"/>
-              <a:t>20/12/2019</a:t>
+              <a:t>21/12/2019</a:t>
             </a:fld>
             <a:endParaRPr lang="fr-FR" noProof="0" dirty="0"/>
           </a:p>
@@ -4252,7 +4415,7 @@
             <a:pPr rtl="0"/>
             <a:fld id="{9905C288-8C2C-4322-A2EE-047060414380}" type="datetime1">
               <a:rPr lang="fr-FR" noProof="0" smtClean="0"/>
-              <a:t>20/12/2019</a:t>
+              <a:t>21/12/2019</a:t>
             </a:fld>
             <a:endParaRPr lang="fr-FR" noProof="0" dirty="0"/>
           </a:p>
@@ -4365,7 +4528,7 @@
             <a:pPr rtl="0"/>
             <a:fld id="{90E0DD5E-4909-46F3-81FF-2C4D7CA0DD8B}" type="datetime1">
               <a:rPr lang="fr-FR" noProof="0" smtClean="0"/>
-              <a:t>20/12/2019</a:t>
+              <a:t>21/12/2019</a:t>
             </a:fld>
             <a:endParaRPr lang="fr-FR" noProof="0" dirty="0"/>
           </a:p>
@@ -5170,7 +5333,7 @@
             <a:pPr rtl="0"/>
             <a:fld id="{0AC7BACE-A426-4839-AC27-C7B080690890}" type="datetime1">
               <a:rPr lang="fr-FR" noProof="0" smtClean="0"/>
-              <a:t>20/12/2019</a:t>
+              <a:t>21/12/2019</a:t>
             </a:fld>
             <a:endParaRPr lang="fr-FR" noProof="0" dirty="0"/>
           </a:p>
@@ -5588,14 +5751,14 @@
           <a:p>
             <a:pPr rtl="0"/>
             <a:r>
-              <a:rPr lang="fr-FR" dirty="0"/>
+              <a:rPr lang="fr-FR" sz="8800" dirty="0"/>
               <a:t>Roll The </a:t>
             </a:r>
             <a:r>
-              <a:rPr lang="fr-FR" dirty="0" err="1"/>
-              <a:t>Dicc</a:t>
-            </a:r>
-            <a:endParaRPr lang="fr-FR" dirty="0"/>
+              <a:rPr lang="fr-FR" sz="8800" dirty="0" err="1"/>
+              <a:t>Dice</a:t>
+            </a:r>
+            <a:endParaRPr lang="fr-FR" sz="8800" dirty="0"/>
           </a:p>
         </p:txBody>
       </p:sp>
@@ -5612,57 +5775,44 @@
         <p:spPr/>
         <p:txBody>
           <a:bodyPr rtlCol="0">
-            <a:normAutofit fontScale="92500"/>
+            <a:noAutofit/>
           </a:bodyPr>
           <a:lstStyle/>
           <a:p>
             <a:pPr rtl="0"/>
             <a:r>
-              <a:rPr lang="fr-FR" dirty="0" err="1"/>
-              <a:t>Playing</a:t>
-            </a:r>
-            <a:r>
-              <a:rPr lang="fr-FR" dirty="0"/>
+              <a:rPr lang="fr-FR" sz="3200" dirty="0"/>
+              <a:t>Jouons au Yam en ligne </a:t>
+            </a:r>
+            <a:br>
+              <a:rPr lang="fr-FR" sz="3200" dirty="0"/>
+            </a:br>
+            <a:r>
+              <a:rPr lang="fr-FR" sz="3200" dirty="0"/>
+              <a:t>Avec  </a:t>
+            </a:r>
+            <a:r>
+              <a:rPr lang="fr-FR" sz="3200" dirty="0" err="1"/>
+              <a:t>LilIan</a:t>
+            </a:r>
+            <a:r>
+              <a:rPr lang="fr-FR" sz="3200" dirty="0"/>
               <a:t> </a:t>
             </a:r>
             <a:r>
-              <a:rPr lang="fr-FR" dirty="0" err="1"/>
-              <a:t>Yams</a:t>
-            </a:r>
-            <a:r>
-              <a:rPr lang="fr-FR" dirty="0"/>
-              <a:t>  on Network </a:t>
-            </a:r>
-            <a:r>
-              <a:rPr lang="fr-FR" dirty="0" err="1"/>
-              <a:t>with</a:t>
-            </a:r>
-            <a:r>
-              <a:rPr lang="fr-FR" dirty="0"/>
-              <a:t> </a:t>
-            </a:r>
-            <a:r>
-              <a:rPr lang="fr-FR" dirty="0" err="1"/>
-              <a:t>LilIan</a:t>
-            </a:r>
-            <a:r>
-              <a:rPr lang="fr-FR" dirty="0"/>
-              <a:t> </a:t>
-            </a:r>
-            <a:r>
-              <a:rPr lang="fr-FR" dirty="0" err="1"/>
+              <a:rPr lang="fr-FR" sz="3200" dirty="0" err="1"/>
               <a:t>Elisei</a:t>
             </a:r>
             <a:r>
-              <a:rPr lang="fr-FR" dirty="0"/>
+              <a:rPr lang="fr-FR" sz="3200" dirty="0"/>
               <a:t>, Christopher </a:t>
             </a:r>
             <a:r>
-              <a:rPr lang="fr-FR" dirty="0" err="1"/>
+              <a:rPr lang="fr-FR" sz="3200" dirty="0" err="1"/>
               <a:t>Cabantous</a:t>
             </a:r>
             <a:r>
-              <a:rPr lang="fr-FR" dirty="0"/>
+              <a:rPr lang="fr-FR" sz="3200" dirty="0"/>
               <a:t> and Neymar Jr</a:t>
             </a:r>
           </a:p>
@@ -5820,7 +5970,7 @@
         </p:nvSpPr>
         <p:spPr>
           <a:xfrm>
-            <a:off x="4943872" y="3810000"/>
+            <a:off x="4912307" y="3790122"/>
             <a:ext cx="216024" cy="319844"/>
           </a:xfrm>
           <a:prstGeom prst="ellipse">
@@ -5912,8 +6062,8 @@
         </p:nvSpPr>
         <p:spPr>
           <a:xfrm>
-            <a:off x="3602478" y="2594856"/>
-            <a:ext cx="288032" cy="338506"/>
+            <a:off x="3781272" y="2156940"/>
+            <a:ext cx="276998" cy="294063"/>
           </a:xfrm>
           <a:prstGeom prst="ellipse">
             <a:avLst/>
@@ -6004,7 +6154,7 @@
         </p:nvSpPr>
         <p:spPr>
           <a:xfrm>
-            <a:off x="3824980" y="2165582"/>
+            <a:off x="3645773" y="2614066"/>
             <a:ext cx="279276" cy="301453"/>
           </a:xfrm>
           <a:prstGeom prst="ellipse">
@@ -6142,7 +6292,7 @@
         </p:nvSpPr>
         <p:spPr>
           <a:xfrm>
-            <a:off x="4871864" y="3429000"/>
+            <a:off x="4830315" y="3429000"/>
             <a:ext cx="216024" cy="304800"/>
           </a:xfrm>
           <a:prstGeom prst="ellipse">
@@ -6320,71 +6470,47 @@
         </p:nvSpPr>
         <p:spPr>
           <a:xfrm>
-            <a:off x="7961413" y="1844824"/>
+            <a:off x="7783353" y="1988772"/>
             <a:ext cx="3657600" cy="2133600"/>
           </a:xfrm>
         </p:spPr>
         <p:txBody>
           <a:bodyPr rtlCol="0">
-            <a:normAutofit fontScale="90000"/>
+            <a:noAutofit/>
           </a:bodyPr>
           <a:lstStyle/>
           <a:p>
             <a:pPr rtl="0"/>
             <a:r>
-              <a:rPr lang="fr-FR" dirty="0"/>
-              <a:t>A Strong spirit of team lead us </a:t>
-            </a:r>
-            <a:r>
-              <a:rPr lang="fr-FR" dirty="0" err="1"/>
-              <a:t>through</a:t>
-            </a:r>
-            <a:r>
-              <a:rPr lang="fr-FR" dirty="0"/>
-              <a:t> the </a:t>
-            </a:r>
-            <a:r>
-              <a:rPr lang="fr-FR" dirty="0" err="1"/>
-              <a:t>project</a:t>
-            </a:r>
-            <a:r>
-              <a:rPr lang="fr-FR" dirty="0"/>
-              <a:t> </a:t>
-            </a:r>
-            <a:r>
-              <a:rPr lang="fr-FR" dirty="0" err="1"/>
-              <a:t>planned</a:t>
-            </a:r>
-            <a:r>
-              <a:rPr lang="fr-FR" dirty="0"/>
-              <a:t> </a:t>
+              <a:rPr lang="fr-FR" dirty="0">
+                <a:latin typeface="Bahnschrift Condensed" panose="020B0502040204020203" pitchFamily="34" charset="0"/>
+              </a:rPr>
+              <a:t>L’Esprit d’Equipe est notre Force qui nous a Guidé tout le long de ce Projet</a:t>
             </a:r>
             <a:br>
-              <a:rPr lang="fr-FR" dirty="0"/>
+              <a:rPr lang="fr-FR" dirty="0">
+                <a:latin typeface="Bahnschrift Condensed" panose="020B0502040204020203" pitchFamily="34" charset="0"/>
+              </a:rPr>
             </a:br>
             <a:br>
-              <a:rPr lang="fr-FR" dirty="0"/>
+              <a:rPr lang="fr-FR" dirty="0">
+                <a:latin typeface="Bahnschrift Condensed" panose="020B0502040204020203" pitchFamily="34" charset="0"/>
+              </a:rPr>
             </a:br>
             <a:r>
-              <a:rPr lang="fr-FR" dirty="0" err="1"/>
-              <a:t>What’s</a:t>
-            </a:r>
-            <a:r>
-              <a:rPr lang="fr-FR" dirty="0"/>
-              <a:t> plan for us </a:t>
-            </a:r>
-            <a:r>
-              <a:rPr lang="fr-FR" dirty="0" err="1"/>
-              <a:t>today</a:t>
-            </a:r>
-            <a:r>
-              <a:rPr lang="fr-FR" dirty="0"/>
-              <a:t>?</a:t>
+              <a:rPr lang="fr-FR" dirty="0">
+                <a:latin typeface="Bahnschrift Condensed" panose="020B0502040204020203" pitchFamily="34" charset="0"/>
+              </a:rPr>
+              <a:t>Qu’avons-nous de Prévu aujourd’hui?</a:t>
             </a:r>
             <a:br>
-              <a:rPr lang="fr-FR" dirty="0"/>
+              <a:rPr lang="fr-FR" dirty="0">
+                <a:latin typeface="Bahnschrift Condensed" panose="020B0502040204020203" pitchFamily="34" charset="0"/>
+              </a:rPr>
             </a:br>
-            <a:endParaRPr lang="fr-FR" dirty="0"/>
+            <a:endParaRPr lang="fr-FR" dirty="0">
+              <a:latin typeface="Bahnschrift Condensed" panose="020B0502040204020203" pitchFamily="34" charset="0"/>
+            </a:endParaRPr>
           </a:p>
         </p:txBody>
       </p:sp>
@@ -6409,7 +6535,12 @@
           <a:srcRect/>
           <a:stretch/>
         </p:blipFill>
-        <p:spPr/>
+        <p:spPr>
+          <a:xfrm>
+            <a:off x="0" y="0"/>
+            <a:ext cx="7239000" cy="6858000"/>
+          </a:xfrm>
+        </p:spPr>
       </p:pic>
       <p:sp>
         <p:nvSpPr>
@@ -6423,12 +6554,14 @@
         </p:nvSpPr>
         <p:spPr>
           <a:xfrm>
-            <a:off x="7680176" y="3762400"/>
-            <a:ext cx="3657600" cy="2895600"/>
+            <a:off x="7768073" y="3637756"/>
+            <a:ext cx="4392488" cy="3084984"/>
           </a:xfrm>
         </p:spPr>
         <p:txBody>
-          <a:bodyPr rtlCol="0"/>
+          <a:bodyPr rtlCol="0">
+            <a:normAutofit/>
+          </a:bodyPr>
           <a:lstStyle/>
           <a:p>
             <a:pPr marL="457200" lvl="0" indent="-457200">
@@ -6436,8 +6569,10 @@
               <a:buAutoNum type="arabicPeriod"/>
             </a:pPr>
             <a:r>
-              <a:rPr lang="fr-FR" dirty="0"/>
-              <a:t>Game Description</a:t>
+              <a:rPr lang="fr-FR" sz="4000" dirty="0">
+                <a:latin typeface="Bahnschrift Condensed" panose="020B0502040204020203" pitchFamily="34" charset="0"/>
+              </a:rPr>
+              <a:t>Description du Jeu</a:t>
             </a:r>
           </a:p>
           <a:p>
@@ -6445,7 +6580,12 @@
               <a:buFont typeface="+mj-lt"/>
               <a:buAutoNum type="arabicPeriod"/>
             </a:pPr>
-            <a:endParaRPr lang="fr-FR" dirty="0"/>
+            <a:r>
+              <a:rPr lang="fr-FR" sz="4000" dirty="0">
+                <a:latin typeface="Bahnschrift Condensed" panose="020B0502040204020203" pitchFamily="34" charset="0"/>
+              </a:rPr>
+              <a:t>Planification du Projet</a:t>
+            </a:r>
           </a:p>
           <a:p>
             <a:pPr marL="457200" lvl="0" indent="-457200">
@@ -6453,43 +6593,11 @@
               <a:buAutoNum type="arabicPeriod"/>
             </a:pPr>
             <a:r>
-              <a:rPr lang="fr-FR" dirty="0"/>
-              <a:t>Road </a:t>
-            </a:r>
-            <a:r>
-              <a:rPr lang="fr-FR" dirty="0" err="1"/>
-              <a:t>Map</a:t>
-            </a:r>
-            <a:r>
-              <a:rPr lang="fr-FR" dirty="0"/>
-              <a:t> Project</a:t>
-            </a:r>
-          </a:p>
-          <a:p>
-            <a:pPr marL="457200" lvl="0" indent="-457200">
-              <a:buFont typeface="+mj-lt"/>
-              <a:buAutoNum type="arabicPeriod"/>
-            </a:pPr>
-            <a:endParaRPr lang="fr-FR" dirty="0"/>
-          </a:p>
-          <a:p>
-            <a:pPr marL="457200" lvl="0" indent="-457200">
-              <a:buFont typeface="+mj-lt"/>
-              <a:buAutoNum type="arabicPeriod"/>
-            </a:pPr>
-            <a:r>
-              <a:rPr lang="fr-FR" dirty="0" err="1"/>
-              <a:t>Difficulties</a:t>
-            </a:r>
-            <a:r>
-              <a:rPr lang="fr-FR" dirty="0"/>
-              <a:t> </a:t>
-            </a:r>
-            <a:r>
-              <a:rPr lang="fr-FR" dirty="0" err="1"/>
-              <a:t>encountered</a:t>
-            </a:r>
-            <a:endParaRPr lang="fr-FR" dirty="0"/>
+              <a:rPr lang="fr-FR" sz="4000" dirty="0">
+                <a:latin typeface="Bahnschrift Condensed" panose="020B0502040204020203" pitchFamily="34" charset="0"/>
+              </a:rPr>
+              <a:t>Difficultés Rencontrées </a:t>
+            </a:r>
           </a:p>
         </p:txBody>
       </p:sp>
@@ -6691,6 +6799,213 @@
                 <a:cs typeface="Arial" pitchFamily="34" charset="0"/>
               </a:rPr>
               <a:t> image.</a:t>
+            </a:r>
+          </a:p>
+        </p:txBody>
+      </p:sp>
+      <p:pic>
+        <p:nvPicPr>
+          <p:cNvPr id="7" name="Image 6">
+            <a:extLst>
+              <a:ext uri="{FF2B5EF4-FFF2-40B4-BE49-F238E27FC236}">
+                <a16:creationId xmlns:a16="http://schemas.microsoft.com/office/drawing/2014/main" id="{51014A31-DAD7-46AD-B280-D249D10FAD5B}"/>
+              </a:ext>
+            </a:extLst>
+          </p:cNvPr>
+          <p:cNvPicPr>
+            <a:picLocks noChangeAspect="1"/>
+          </p:cNvPicPr>
+          <p:nvPr/>
+        </p:nvPicPr>
+        <p:blipFill rotWithShape="1">
+          <a:blip r:embed="rId4">
+            <a:extLst>
+              <a:ext uri="{28A0092B-C50C-407E-A947-70E740481C1C}">
+                <a14:useLocalDpi xmlns:a14="http://schemas.microsoft.com/office/drawing/2010/main" val="0"/>
+              </a:ext>
+            </a:extLst>
+          </a:blip>
+          <a:srcRect l="40436" t="28267" r="47847" b="46886"/>
+          <a:stretch/>
+        </p:blipFill>
+        <p:spPr>
+          <a:xfrm>
+            <a:off x="3252337" y="765102"/>
+            <a:ext cx="1080807" cy="1527947"/>
+          </a:xfrm>
+          <a:prstGeom prst="rect">
+            <a:avLst/>
+          </a:prstGeom>
+        </p:spPr>
+      </p:pic>
+      <p:pic>
+        <p:nvPicPr>
+          <p:cNvPr id="9" name="Image 8">
+            <a:extLst>
+              <a:ext uri="{FF2B5EF4-FFF2-40B4-BE49-F238E27FC236}">
+                <a16:creationId xmlns:a16="http://schemas.microsoft.com/office/drawing/2014/main" id="{5C8FA681-388B-4679-8A59-88CD412380F6}"/>
+              </a:ext>
+            </a:extLst>
+          </p:cNvPr>
+          <p:cNvPicPr>
+            <a:picLocks noChangeAspect="1"/>
+          </p:cNvPicPr>
+          <p:nvPr/>
+        </p:nvPicPr>
+        <p:blipFill rotWithShape="1">
+          <a:blip r:embed="rId5">
+            <a:extLst>
+              <a:ext uri="{28A0092B-C50C-407E-A947-70E740481C1C}">
+                <a14:useLocalDpi xmlns:a14="http://schemas.microsoft.com/office/drawing/2010/main" val="0"/>
+              </a:ext>
+            </a:extLst>
+          </a:blip>
+          <a:srcRect l="29441" t="17921" r="56101" b="54338"/>
+          <a:stretch/>
+        </p:blipFill>
+        <p:spPr>
+          <a:xfrm>
+            <a:off x="5318307" y="765104"/>
+            <a:ext cx="1080807" cy="1527945"/>
+          </a:xfrm>
+          <a:prstGeom prst="rect">
+            <a:avLst/>
+          </a:prstGeom>
+        </p:spPr>
+      </p:pic>
+      <p:pic>
+        <p:nvPicPr>
+          <p:cNvPr id="11" name="Image 10">
+            <a:extLst>
+              <a:ext uri="{FF2B5EF4-FFF2-40B4-BE49-F238E27FC236}">
+                <a16:creationId xmlns:a16="http://schemas.microsoft.com/office/drawing/2014/main" id="{21969793-A53D-4FEB-8F68-54DA97E4865C}"/>
+              </a:ext>
+            </a:extLst>
+          </p:cNvPr>
+          <p:cNvPicPr>
+            <a:picLocks noChangeAspect="1"/>
+          </p:cNvPicPr>
+          <p:nvPr/>
+        </p:nvPicPr>
+        <p:blipFill rotWithShape="1">
+          <a:blip r:embed="rId6" cstate="print">
+            <a:extLst>
+              <a:ext uri="{28A0092B-C50C-407E-A947-70E740481C1C}">
+                <a14:useLocalDpi xmlns:a14="http://schemas.microsoft.com/office/drawing/2010/main" val="0"/>
+              </a:ext>
+            </a:extLst>
+          </a:blip>
+          <a:srcRect l="19478" t="1220" r="50333" b="34259"/>
+          <a:stretch/>
+        </p:blipFill>
+        <p:spPr>
+          <a:xfrm>
+            <a:off x="1196587" y="765103"/>
+            <a:ext cx="1080807" cy="1527946"/>
+          </a:xfrm>
+          <a:prstGeom prst="rect">
+            <a:avLst/>
+          </a:prstGeom>
+        </p:spPr>
+      </p:pic>
+      <p:sp>
+        <p:nvSpPr>
+          <p:cNvPr id="12" name="ZoneTexte 11">
+            <a:extLst>
+              <a:ext uri="{FF2B5EF4-FFF2-40B4-BE49-F238E27FC236}">
+                <a16:creationId xmlns:a16="http://schemas.microsoft.com/office/drawing/2014/main" id="{B73E607F-4587-4289-965B-443FCF60735F}"/>
+              </a:ext>
+            </a:extLst>
+          </p:cNvPr>
+          <p:cNvSpPr txBox="1"/>
+          <p:nvPr/>
+        </p:nvSpPr>
+        <p:spPr>
+          <a:xfrm>
+            <a:off x="641375" y="2580"/>
+            <a:ext cx="6781464" cy="369332"/>
+          </a:xfrm>
+          <a:prstGeom prst="rect">
+            <a:avLst/>
+          </a:prstGeom>
+          <a:noFill/>
+        </p:spPr>
+        <p:txBody>
+          <a:bodyPr wrap="square" rtlCol="0">
+            <a:spAutoFit/>
+          </a:bodyPr>
+          <a:lstStyle/>
+          <a:p>
+            <a:r>
+              <a:rPr lang="fr-FR" dirty="0">
+                <a:solidFill>
+                  <a:schemeClr val="bg1"/>
+                </a:solidFill>
+              </a:rPr>
+              <a:t>  EYMARD VIRGILE        LILIAN ELISEI   CHRISTOPHER CABANTOUS</a:t>
+            </a:r>
+          </a:p>
+        </p:txBody>
+      </p:sp>
+      <p:sp>
+        <p:nvSpPr>
+          <p:cNvPr id="13" name="ZoneTexte 12">
+            <a:extLst>
+              <a:ext uri="{FF2B5EF4-FFF2-40B4-BE49-F238E27FC236}">
+                <a16:creationId xmlns:a16="http://schemas.microsoft.com/office/drawing/2014/main" id="{C60F5392-2008-4CC1-8698-504012E6D3B8}"/>
+              </a:ext>
+            </a:extLst>
+          </p:cNvPr>
+          <p:cNvSpPr txBox="1"/>
+          <p:nvPr/>
+        </p:nvSpPr>
+        <p:spPr>
+          <a:xfrm>
+            <a:off x="669231" y="2492896"/>
+            <a:ext cx="6781464" cy="646331"/>
+          </a:xfrm>
+          <a:prstGeom prst="rect">
+            <a:avLst/>
+          </a:prstGeom>
+          <a:noFill/>
+        </p:spPr>
+        <p:txBody>
+          <a:bodyPr wrap="square" rtlCol="0">
+            <a:spAutoFit/>
+          </a:bodyPr>
+          <a:lstStyle/>
+          <a:p>
+            <a:r>
+              <a:rPr lang="fr-FR" dirty="0">
+                <a:solidFill>
+                  <a:schemeClr val="bg1"/>
+                </a:solidFill>
+              </a:rPr>
+              <a:t>  </a:t>
+            </a:r>
+            <a:r>
+              <a:rPr lang="fr-FR" b="1" dirty="0">
+                <a:solidFill>
+                  <a:schemeClr val="accent3">
+                    <a:lumMod val="20000"/>
+                    <a:lumOff val="80000"/>
+                  </a:schemeClr>
+                </a:solidFill>
+              </a:rPr>
+              <a:t>RESP. MARKETING      Administrateur 	RESP. ARCHI</a:t>
+            </a:r>
+          </a:p>
+          <a:p>
+            <a:r>
+              <a:rPr lang="fr-FR" b="1" dirty="0">
+                <a:solidFill>
+                  <a:schemeClr val="accent3">
+                    <a:lumMod val="20000"/>
+                    <a:lumOff val="80000"/>
+                  </a:schemeClr>
+                </a:solidFill>
+              </a:rPr>
+              <a:t>       &amp; PROJET                     SYSTEM		    SOFT</a:t>
             </a:r>
           </a:p>
         </p:txBody>
@@ -6763,7 +7078,7 @@
             </a:pPr>
             <a:r>
               <a:rPr lang="fr-FR" dirty="0"/>
-              <a:t>Game Description</a:t>
+              <a:t>Description du Jeu</a:t>
             </a:r>
           </a:p>
         </p:txBody>
@@ -6780,58 +7095,71 @@
         </p:nvSpPr>
         <p:spPr>
           <a:xfrm>
-            <a:off x="292290" y="1448648"/>
+            <a:off x="335360" y="1723787"/>
             <a:ext cx="4165104" cy="4343400"/>
           </a:xfrm>
         </p:spPr>
         <p:txBody>
           <a:bodyPr rtlCol="0">
-            <a:normAutofit/>
+            <a:normAutofit lnSpcReduction="10000"/>
           </a:bodyPr>
           <a:lstStyle/>
           <a:p>
             <a:pPr lvl="1"/>
             <a:r>
-              <a:rPr lang="fr-FR" sz="2800" dirty="0"/>
-              <a:t>Game Rules</a:t>
+              <a:rPr lang="fr-FR" sz="3600" dirty="0" err="1">
+                <a:solidFill>
+                  <a:schemeClr val="bg1"/>
+                </a:solidFill>
+                <a:highlight>
+                  <a:srgbClr val="FFFF00"/>
+                </a:highlight>
+              </a:rPr>
+              <a:t>Regle</a:t>
+            </a:r>
+            <a:r>
+              <a:rPr lang="fr-FR" sz="3600" dirty="0">
+                <a:solidFill>
+                  <a:schemeClr val="bg1"/>
+                </a:solidFill>
+                <a:highlight>
+                  <a:srgbClr val="FFFF00"/>
+                </a:highlight>
+              </a:rPr>
+              <a:t> du Jeu</a:t>
             </a:r>
           </a:p>
           <a:p>
             <a:pPr lvl="1"/>
-            <a:endParaRPr lang="fr-FR" sz="2800" dirty="0"/>
+            <a:endParaRPr lang="fr-FR" sz="3600" dirty="0"/>
           </a:p>
           <a:p>
             <a:pPr lvl="1"/>
             <a:r>
-              <a:rPr lang="fr-FR" sz="2800" dirty="0"/>
-              <a:t>Game </a:t>
-            </a:r>
-            <a:r>
-              <a:rPr lang="fr-FR" sz="2800" dirty="0" err="1"/>
-              <a:t>Functionnality</a:t>
-            </a:r>
-            <a:endParaRPr lang="fr-FR" sz="2800" dirty="0"/>
+              <a:rPr lang="fr-FR" sz="3600" dirty="0"/>
+              <a:t>Fonctionnalités</a:t>
+            </a:r>
           </a:p>
           <a:p>
             <a:pPr lvl="1"/>
-            <a:endParaRPr lang="fr-FR" sz="2800" dirty="0"/>
+            <a:endParaRPr lang="fr-FR" sz="3600" dirty="0"/>
           </a:p>
           <a:p>
             <a:pPr lvl="1"/>
             <a:r>
-              <a:rPr lang="fr-FR" sz="2800" dirty="0"/>
-              <a:t>Processus List</a:t>
+              <a:rPr lang="fr-FR" sz="3600" dirty="0"/>
+              <a:t>Processus</a:t>
             </a:r>
           </a:p>
           <a:p>
             <a:pPr lvl="1"/>
-            <a:endParaRPr lang="fr-FR" sz="2800" dirty="0"/>
+            <a:endParaRPr lang="fr-FR" sz="3600" dirty="0"/>
           </a:p>
           <a:p>
             <a:pPr lvl="1"/>
             <a:r>
-              <a:rPr lang="fr-FR" sz="2800" dirty="0"/>
-              <a:t>Menu</a:t>
+              <a:rPr lang="fr-FR" sz="3600" dirty="0"/>
+              <a:t> Architecture</a:t>
             </a:r>
           </a:p>
         </p:txBody>
@@ -6850,8 +7178,8 @@
         </p:nvSpPr>
         <p:spPr>
           <a:xfrm>
-            <a:off x="5418990" y="692696"/>
-            <a:ext cx="6480720" cy="6524863"/>
+            <a:off x="5447928" y="571500"/>
+            <a:ext cx="8256240" cy="6647974"/>
           </a:xfrm>
           <a:prstGeom prst="rect">
             <a:avLst/>
@@ -6865,16 +7193,7 @@
           <a:lstStyle/>
           <a:p>
             <a:r>
-              <a:rPr lang="fr-FR" sz="1900" dirty="0"/>
-              <a:t>GAME RULES : </a:t>
-            </a:r>
-          </a:p>
-          <a:p>
-            <a:endParaRPr lang="fr-FR" sz="1900" dirty="0"/>
-          </a:p>
-          <a:p>
-            <a:r>
-              <a:rPr lang="fr-FR" sz="1900" dirty="0">
+              <a:rPr lang="fr-FR" sz="2400" dirty="0">
                 <a:highlight>
                   <a:srgbClr val="008080"/>
                 </a:highlight>
@@ -6884,20 +7203,20 @@
           </a:p>
           <a:p>
             <a:r>
-              <a:rPr lang="fr-FR" sz="1900" dirty="0"/>
+              <a:rPr lang="fr-FR" sz="2400" dirty="0"/>
               <a:t>-3 lancé de 5 dé maximum</a:t>
             </a:r>
             <a:br>
-              <a:rPr lang="fr-FR" sz="1900" dirty="0"/>
+              <a:rPr lang="fr-FR" sz="2400" dirty="0"/>
             </a:br>
             <a:r>
-              <a:rPr lang="fr-FR" sz="1900" dirty="0"/>
+              <a:rPr lang="fr-FR" sz="2400" dirty="0"/>
               <a:t>(on peut garder un dé une fois lancé)</a:t>
             </a:r>
           </a:p>
           <a:p>
             <a:r>
-              <a:rPr lang="fr-FR" sz="1900" dirty="0"/>
+              <a:rPr lang="fr-FR" sz="2400" dirty="0"/>
               <a:t>-Remplissage d’une ligne de la feuille de match</a:t>
             </a:r>
           </a:p>
@@ -6906,15 +7225,15 @@
               <a:buFontTx/>
               <a:buChar char="-"/>
             </a:pPr>
-            <a:endParaRPr lang="fr-FR" sz="1900" dirty="0"/>
-          </a:p>
-          <a:p>
-            <a:r>
-              <a:rPr lang="fr-FR" sz="1900" dirty="0"/>
+            <a:endParaRPr lang="fr-FR" sz="2400" dirty="0"/>
+          </a:p>
+          <a:p>
+            <a:r>
+              <a:rPr lang="fr-FR" sz="2400" dirty="0"/>
               <a:t>Pour la partie remplissages des </a:t>
             </a:r>
             <a:r>
-              <a:rPr lang="fr-FR" sz="1900" dirty="0">
+              <a:rPr lang="fr-FR" sz="2400" dirty="0">
                 <a:highlight>
                   <a:srgbClr val="FF00FF"/>
                 </a:highlight>
@@ -6922,26 +7241,26 @@
               <a:t>chiffres de 1 à 6 </a:t>
             </a:r>
             <a:r>
-              <a:rPr lang="fr-FR" sz="1900" dirty="0"/>
-              <a:t>:</a:t>
-            </a:r>
-          </a:p>
-          <a:p>
-            <a:r>
-              <a:rPr lang="fr-FR" sz="1900" dirty="0"/>
-              <a:t>	Score = nb dé de la même face × valeur</a:t>
-            </a:r>
-          </a:p>
-          <a:p>
-            <a:endParaRPr lang="fr-FR" sz="1900" dirty="0"/>
-          </a:p>
-          <a:p>
-            <a:r>
-              <a:rPr lang="fr-FR" sz="1900" dirty="0"/>
+              <a:rPr lang="fr-FR" sz="2400" dirty="0"/>
+              <a:t>: </a:t>
+            </a:r>
+          </a:p>
+          <a:p>
+            <a:r>
+              <a:rPr lang="fr-FR" sz="2400" dirty="0"/>
+              <a:t>Score = nb dé de la même face × valeur</a:t>
+            </a:r>
+          </a:p>
+          <a:p>
+            <a:endParaRPr lang="fr-FR" sz="2400" dirty="0"/>
+          </a:p>
+          <a:p>
+            <a:r>
+              <a:rPr lang="fr-FR" sz="2400" dirty="0"/>
               <a:t>Pour la partie remplissage des </a:t>
             </a:r>
             <a:r>
-              <a:rPr lang="fr-FR" sz="1900" dirty="0">
+              <a:rPr lang="fr-FR" sz="2400" dirty="0">
                 <a:highlight>
                   <a:srgbClr val="FF00FF"/>
                 </a:highlight>
@@ -6949,70 +7268,66 @@
               <a:t>figures</a:t>
             </a:r>
             <a:r>
-              <a:rPr lang="fr-FR" sz="1900" dirty="0"/>
+              <a:rPr lang="fr-FR" sz="2400" dirty="0"/>
               <a:t> : </a:t>
             </a:r>
           </a:p>
           <a:p>
             <a:pPr lvl="1"/>
             <a:r>
-              <a:rPr lang="fr-FR" sz="1900" dirty="0"/>
+              <a:rPr lang="fr-FR" sz="2400" dirty="0"/>
               <a:t>Yam = 50 (5 dés identique) </a:t>
             </a:r>
           </a:p>
           <a:p>
             <a:pPr lvl="1"/>
             <a:r>
-              <a:rPr lang="fr-FR" sz="1900" dirty="0"/>
+              <a:rPr lang="fr-FR" sz="2400" dirty="0"/>
               <a:t>Carré = 40</a:t>
             </a:r>
           </a:p>
           <a:p>
             <a:pPr lvl="1"/>
             <a:r>
-              <a:rPr lang="fr-FR" sz="1900" dirty="0"/>
+              <a:rPr lang="fr-FR" sz="2400" dirty="0"/>
               <a:t>Full = 30 </a:t>
             </a:r>
           </a:p>
           <a:p>
             <a:pPr lvl="1"/>
             <a:r>
-              <a:rPr lang="fr-FR" sz="1900" dirty="0"/>
+              <a:rPr lang="fr-FR" sz="2400" dirty="0"/>
               <a:t>Brelan = somme de tous les dés (3 des identique) </a:t>
             </a:r>
           </a:p>
           <a:p>
             <a:pPr lvl="1"/>
             <a:r>
-              <a:rPr lang="fr-FR" sz="1900" dirty="0"/>
+              <a:rPr lang="fr-FR" sz="2400" dirty="0"/>
               <a:t>Chance = somme de tous les dés</a:t>
             </a:r>
           </a:p>
           <a:p>
-            <a:endParaRPr lang="fr-FR" sz="1900" dirty="0"/>
-          </a:p>
-          <a:p>
-            <a:r>
-              <a:rPr lang="fr-FR" sz="1900" dirty="0">
+            <a:endParaRPr lang="fr-FR" sz="2400" dirty="0"/>
+          </a:p>
+          <a:p>
+            <a:r>
+              <a:rPr lang="fr-FR" sz="2400" dirty="0">
                 <a:highlight>
                   <a:srgbClr val="800000"/>
                 </a:highlight>
               </a:rPr>
-              <a:t>Fin du Jeu quand chaque ligne est remplie</a:t>
-            </a:r>
-            <a:r>
-              <a:rPr lang="fr-FR" sz="1900" dirty="0"/>
-              <a:t>, soit au bout de 11 tours de Jeu</a:t>
-            </a:r>
-          </a:p>
-          <a:p>
-            <a:r>
-              <a:rPr lang="fr-FR" sz="1900" dirty="0"/>
-              <a:t>La somme des points accumulé sur les 11 tours déclarera un vainqueur.</a:t>
-            </a:r>
-          </a:p>
-          <a:p>
-            <a:endParaRPr lang="fr-FR" sz="1900" dirty="0"/>
+              <a:t>Fin du Jeu quand chaque ligne est remplie!</a:t>
+            </a:r>
+          </a:p>
+          <a:p>
+            <a:r>
+              <a:rPr lang="fr-FR" sz="2400" dirty="0"/>
+              <a:t>soit au bout de 11 tours de Jeu</a:t>
+            </a:r>
+          </a:p>
+          <a:p>
+            <a:endParaRPr lang="fr-FR" sz="2000" dirty="0"/>
           </a:p>
         </p:txBody>
       </p:sp>
@@ -7084,86 +7399,7 @@
             </a:pPr>
             <a:r>
               <a:rPr lang="fr-FR" dirty="0"/>
-              <a:t>Game Description</a:t>
-            </a:r>
-          </a:p>
-        </p:txBody>
-      </p:sp>
-      <p:sp>
-        <p:nvSpPr>
-          <p:cNvPr id="3" name="Espace réservé du contenu 2"/>
-          <p:cNvSpPr>
-            <a:spLocks noGrp="1"/>
-          </p:cNvSpPr>
-          <p:nvPr>
-            <p:ph idx="1"/>
-          </p:nvPr>
-        </p:nvSpPr>
-        <p:spPr>
-          <a:xfrm>
-            <a:off x="292290" y="1448648"/>
-            <a:ext cx="4165104" cy="4343400"/>
-          </a:xfrm>
-        </p:spPr>
-        <p:txBody>
-          <a:bodyPr rtlCol="0">
-            <a:normAutofit fontScale="92500" lnSpcReduction="10000"/>
-          </a:bodyPr>
-          <a:lstStyle/>
-          <a:p>
-            <a:pPr lvl="1"/>
-            <a:r>
-              <a:rPr lang="fr-FR" sz="2800" dirty="0"/>
-              <a:t>Game Rules</a:t>
-            </a:r>
-          </a:p>
-          <a:p>
-            <a:pPr lvl="1"/>
-            <a:endParaRPr lang="fr-FR" sz="2800" dirty="0"/>
-          </a:p>
-          <a:p>
-            <a:pPr lvl="1"/>
-            <a:r>
-              <a:rPr lang="fr-FR" sz="2800" dirty="0"/>
-              <a:t>Game </a:t>
-            </a:r>
-            <a:r>
-              <a:rPr lang="fr-FR" sz="2800" dirty="0" err="1"/>
-              <a:t>Functionnality</a:t>
-            </a:r>
-            <a:endParaRPr lang="fr-FR" sz="2800" dirty="0"/>
-          </a:p>
-          <a:p>
-            <a:pPr lvl="1"/>
-            <a:endParaRPr lang="fr-FR" sz="2800" dirty="0"/>
-          </a:p>
-          <a:p>
-            <a:pPr lvl="1"/>
-            <a:r>
-              <a:rPr lang="fr-FR" sz="2800" dirty="0"/>
-              <a:t>Processus List</a:t>
-            </a:r>
-          </a:p>
-          <a:p>
-            <a:pPr lvl="1"/>
-            <a:endParaRPr lang="fr-FR" sz="2800" dirty="0"/>
-          </a:p>
-          <a:p>
-            <a:pPr lvl="1"/>
-            <a:r>
-              <a:rPr lang="fr-FR" sz="2800" dirty="0"/>
-              <a:t>Menu ??? A faire</a:t>
-            </a:r>
-          </a:p>
-          <a:p>
-            <a:pPr lvl="1"/>
-            <a:endParaRPr lang="fr-FR" sz="2800" dirty="0"/>
-          </a:p>
-          <a:p>
-            <a:pPr lvl="1"/>
-            <a:r>
-              <a:rPr lang="fr-FR" sz="2800" dirty="0"/>
-              <a:t>Program Architecture</a:t>
+              <a:t>Description du Jeu</a:t>
             </a:r>
           </a:p>
         </p:txBody>
@@ -7182,8 +7418,8 @@
         </p:nvSpPr>
         <p:spPr>
           <a:xfrm>
-            <a:off x="5418990" y="692696"/>
-            <a:ext cx="6480720" cy="6232475"/>
+            <a:off x="5057936" y="626165"/>
+            <a:ext cx="7148062" cy="7602081"/>
           </a:xfrm>
           <a:prstGeom prst="rect">
             <a:avLst/>
@@ -7197,13 +7433,22 @@
           <a:lstStyle/>
           <a:p>
             <a:r>
-              <a:rPr lang="fr-FR" sz="1900" dirty="0"/>
-              <a:t>GAME FUNCTIONNALITY : </a:t>
-            </a:r>
-          </a:p>
-          <a:p>
-            <a:pPr lvl="0"/>
-            <a:endParaRPr lang="fr-FR" b="1" cap="all" dirty="0"/>
+              <a:rPr lang="fr-FR" sz="2800" dirty="0">
+                <a:highlight>
+                  <a:srgbClr val="00FF00"/>
+                </a:highlight>
+              </a:rPr>
+              <a:t>FUNCTIONNALITES : </a:t>
+            </a:r>
+          </a:p>
+          <a:p>
+            <a:endParaRPr lang="fr-FR" sz="2800" b="1" cap="all" dirty="0"/>
+          </a:p>
+          <a:p>
+            <a:r>
+              <a:rPr lang="fr-FR" sz="2800" dirty="0"/>
+              <a:t>-    Lancer de Dés Aléatoires</a:t>
+            </a:r>
           </a:p>
           <a:p>
             <a:pPr marL="285750" indent="-285750">
@@ -7211,8 +7456,14 @@
               <a:buChar char="-"/>
             </a:pPr>
             <a:r>
-              <a:rPr lang="fr-FR" dirty="0"/>
-              <a:t>Génération aléatoire d’un chiffre lors du lancer de dé</a:t>
+              <a:rPr lang="fr-FR" sz="2800" dirty="0"/>
+              <a:t>Affichage Statistiques  des Dés</a:t>
+            </a:r>
+          </a:p>
+          <a:p>
+            <a:r>
+              <a:rPr lang="fr-FR" sz="2800" dirty="0"/>
+              <a:t>-   Jouer au Yam en multijoueur sur le Réseau</a:t>
             </a:r>
           </a:p>
           <a:p>
@@ -7220,1499 +7471,93 @@
               <a:buFontTx/>
               <a:buChar char="-"/>
             </a:pPr>
-            <a:endParaRPr lang="fr-FR" dirty="0"/>
+            <a:r>
+              <a:rPr lang="fr-FR" sz="2800" dirty="0"/>
+              <a:t>Hotspot</a:t>
+            </a:r>
           </a:p>
           <a:p>
             <a:pPr marL="285750" indent="-285750">
               <a:buFontTx/>
               <a:buChar char="-"/>
             </a:pPr>
-            <a:r>
-              <a:rPr lang="fr-FR" dirty="0"/>
-              <a:t>Affichage des statistiques sur les lancés de dés</a:t>
-            </a:r>
-          </a:p>
-          <a:p>
-            <a:pPr marL="285750" indent="-285750">
-              <a:buFontTx/>
-              <a:buChar char="-"/>
-            </a:pPr>
-            <a:endParaRPr lang="fr-FR" dirty="0"/>
-          </a:p>
-          <a:p>
-            <a:r>
-              <a:rPr lang="fr-FR" dirty="0"/>
-              <a:t>-    Pouvoir Jouer au Yam en multijoueur sur le réseau</a:t>
-            </a:r>
-          </a:p>
-          <a:p>
-            <a:endParaRPr lang="fr-FR" dirty="0"/>
-          </a:p>
-          <a:p>
-            <a:pPr marL="285750" indent="-285750">
-              <a:buFontTx/>
-              <a:buChar char="-"/>
-            </a:pPr>
-            <a:r>
-              <a:rPr lang="fr-FR" dirty="0"/>
-              <a:t>Hotspot</a:t>
-            </a:r>
-          </a:p>
-          <a:p>
-            <a:pPr marL="285750" indent="-285750">
-              <a:buFontTx/>
-              <a:buChar char="-"/>
-            </a:pPr>
-            <a:endParaRPr lang="fr-FR" dirty="0"/>
-          </a:p>
-          <a:p>
-            <a:pPr marL="285750" indent="-285750">
-              <a:buFontTx/>
-              <a:buChar char="-"/>
-            </a:pPr>
-            <a:endParaRPr lang="fr-FR" dirty="0"/>
-          </a:p>
-          <a:p>
-            <a:pPr marL="285750" indent="-285750">
-              <a:buFontTx/>
-              <a:buChar char="-"/>
-            </a:pPr>
-            <a:endParaRPr lang="fr-FR" dirty="0"/>
-          </a:p>
-          <a:p>
-            <a:r>
-              <a:rPr lang="fr-FR" sz="1900" dirty="0"/>
-              <a:t>PROCESSUS LIST :</a:t>
-            </a:r>
-          </a:p>
-          <a:p>
-            <a:endParaRPr lang="fr-FR" sz="1900" dirty="0"/>
-          </a:p>
-          <a:p>
-            <a:r>
-              <a:rPr lang="fr-FR" dirty="0"/>
+            <a:endParaRPr lang="fr-FR" sz="2800" dirty="0"/>
+          </a:p>
+          <a:p>
+            <a:r>
+              <a:rPr lang="fr-FR" sz="2800" dirty="0">
+                <a:highlight>
+                  <a:srgbClr val="FF00FF"/>
+                </a:highlight>
+              </a:rPr>
+              <a:t>PROCESSUS:</a:t>
+            </a:r>
+          </a:p>
+          <a:p>
+            <a:endParaRPr lang="fr-FR" sz="2800" dirty="0"/>
+          </a:p>
+          <a:p>
+            <a:r>
+              <a:rPr lang="fr-FR" sz="2800" dirty="0"/>
               <a:t>Père :</a:t>
             </a:r>
           </a:p>
           <a:p>
             <a:r>
-              <a:rPr lang="fr-FR" dirty="0"/>
+              <a:rPr lang="fr-FR" sz="2800" dirty="0"/>
               <a:t>	Configurations Du Jeu (Menu)</a:t>
             </a:r>
           </a:p>
           <a:p>
             <a:r>
-              <a:rPr lang="fr-FR" dirty="0"/>
+              <a:rPr lang="fr-FR" sz="2800" dirty="0"/>
               <a:t>Fils :</a:t>
             </a:r>
           </a:p>
           <a:p>
             <a:r>
-              <a:rPr lang="fr-FR" dirty="0"/>
-              <a:t>	Lancer de dé/ tour de jeu / </a:t>
-            </a:r>
-            <a:r>
-              <a:rPr lang="fr-FR" dirty="0" err="1"/>
+              <a:rPr lang="fr-FR" sz="2800" dirty="0"/>
+              <a:t>	Lancer de dé/ Tour de Jeu / </a:t>
+            </a:r>
+            <a:r>
+              <a:rPr lang="fr-FR" sz="2800" dirty="0" err="1"/>
               <a:t>Yams</a:t>
             </a:r>
             <a:r>
-              <a:rPr lang="fr-FR" dirty="0"/>
-              <a:t> /Stat (Un fils par Jeu)</a:t>
-            </a:r>
-          </a:p>
-          <a:p>
-            <a:r>
-              <a:rPr lang="fr-FR" dirty="0"/>
+              <a:rPr lang="fr-FR" sz="2800" dirty="0"/>
+              <a:t> /Stat</a:t>
+            </a:r>
+            <a:br>
+              <a:rPr lang="fr-FR" sz="2800" dirty="0"/>
+            </a:br>
+            <a:r>
+              <a:rPr lang="fr-FR" sz="2800" dirty="0"/>
+              <a:t>	 (Un fils par Jeu)</a:t>
+            </a:r>
+          </a:p>
+          <a:p>
+            <a:r>
+              <a:rPr lang="fr-FR" sz="2400" dirty="0"/>
               <a:t>			</a:t>
             </a:r>
-            <a:endParaRPr lang="fr-FR" sz="1900" dirty="0"/>
-          </a:p>
-          <a:p>
-            <a:endParaRPr lang="fr-FR" dirty="0"/>
-          </a:p>
-          <a:p>
-            <a:endParaRPr lang="fr-FR" dirty="0"/>
-          </a:p>
-          <a:p>
-            <a:endParaRPr lang="fr-FR" dirty="0"/>
-          </a:p>
-        </p:txBody>
-      </p:sp>
-    </p:spTree>
-    <p:extLst>
-      <p:ext uri="{BB962C8B-B14F-4D97-AF65-F5344CB8AC3E}">
-        <p14:creationId xmlns:p14="http://schemas.microsoft.com/office/powerpoint/2010/main" val="814205197"/>
-      </p:ext>
-    </p:extLst>
-  </p:cSld>
-  <p:clrMapOvr>
-    <a:masterClrMapping/>
-  </p:clrMapOvr>
-  <mc:AlternateContent xmlns:mc="http://schemas.openxmlformats.org/markup-compatibility/2006" xmlns:p14="http://schemas.microsoft.com/office/powerpoint/2010/main">
-    <mc:Choice Requires="p14">
-      <p:transition spd="med" p14:dur="700">
-        <p:fade/>
-      </p:transition>
-    </mc:Choice>
-    <mc:Fallback xmlns="">
-      <p:transition spd="med">
-        <p:fade/>
-      </p:transition>
-    </mc:Fallback>
-  </mc:AlternateContent>
-</p:sld>
-</file>
-
-<file path=ppt/slides/slide5.xml><?xml version="1.0" encoding="utf-8"?>
-<p:sld xmlns:a="http://schemas.openxmlformats.org/drawingml/2006/main" xmlns:r="http://schemas.openxmlformats.org/officeDocument/2006/relationships" xmlns:p="http://schemas.openxmlformats.org/presentationml/2006/main">
-  <p:cSld>
-    <p:spTree>
-      <p:nvGrpSpPr>
-        <p:cNvPr id="1" name=""/>
-        <p:cNvGrpSpPr/>
-        <p:nvPr/>
-      </p:nvGrpSpPr>
-      <p:grpSpPr>
-        <a:xfrm>
-          <a:off x="0" y="0"/>
-          <a:ext cx="0" cy="0"/>
-          <a:chOff x="0" y="0"/>
-          <a:chExt cx="0" cy="0"/>
-        </a:xfrm>
-      </p:grpSpPr>
-      <p:sp>
-        <p:nvSpPr>
-          <p:cNvPr id="2" name="Titre 1"/>
-          <p:cNvSpPr>
-            <a:spLocks noGrp="1"/>
-          </p:cNvSpPr>
-          <p:nvPr>
-            <p:ph type="title"/>
-          </p:nvPr>
-        </p:nvSpPr>
-        <p:spPr>
-          <a:xfrm>
-            <a:off x="0" y="0"/>
-            <a:ext cx="10058400" cy="1143000"/>
-          </a:xfrm>
-        </p:spPr>
-        <p:txBody>
-          <a:bodyPr rtlCol="0"/>
-          <a:lstStyle/>
-          <a:p>
-            <a:pPr marL="457200" lvl="0" indent="-457200">
-              <a:buFont typeface="+mj-lt"/>
-              <a:buAutoNum type="arabicPeriod"/>
-            </a:pPr>
-            <a:r>
-              <a:rPr lang="fr-FR" dirty="0"/>
-              <a:t>Game Description</a:t>
-            </a:r>
-          </a:p>
-        </p:txBody>
-      </p:sp>
-      <p:sp>
-        <p:nvSpPr>
-          <p:cNvPr id="3" name="Espace réservé du contenu 2"/>
-          <p:cNvSpPr>
-            <a:spLocks noGrp="1"/>
-          </p:cNvSpPr>
-          <p:nvPr>
-            <p:ph idx="1"/>
-          </p:nvPr>
-        </p:nvSpPr>
-        <p:spPr>
-          <a:xfrm>
-            <a:off x="292290" y="1448648"/>
-            <a:ext cx="4165104" cy="4343400"/>
-          </a:xfrm>
-        </p:spPr>
-        <p:txBody>
-          <a:bodyPr rtlCol="0">
-            <a:normAutofit fontScale="92500" lnSpcReduction="10000"/>
-          </a:bodyPr>
-          <a:lstStyle/>
-          <a:p>
-            <a:pPr lvl="1"/>
-            <a:r>
-              <a:rPr lang="fr-FR" sz="2800" dirty="0"/>
-              <a:t>Game Rules</a:t>
-            </a:r>
-          </a:p>
-          <a:p>
-            <a:pPr lvl="1"/>
-            <a:endParaRPr lang="fr-FR" sz="2800" dirty="0"/>
-          </a:p>
-          <a:p>
-            <a:pPr lvl="1"/>
-            <a:r>
-              <a:rPr lang="fr-FR" sz="2800" dirty="0"/>
-              <a:t>Game </a:t>
-            </a:r>
-            <a:r>
-              <a:rPr lang="fr-FR" sz="2800" dirty="0" err="1"/>
-              <a:t>Functionnality</a:t>
-            </a:r>
-            <a:endParaRPr lang="fr-FR" sz="2800" dirty="0"/>
-          </a:p>
-          <a:p>
-            <a:pPr lvl="1"/>
-            <a:endParaRPr lang="fr-FR" sz="2800" dirty="0"/>
-          </a:p>
-          <a:p>
-            <a:pPr lvl="1"/>
-            <a:r>
-              <a:rPr lang="fr-FR" sz="2800" dirty="0"/>
-              <a:t>Processus List</a:t>
-            </a:r>
-          </a:p>
-          <a:p>
-            <a:pPr lvl="1"/>
-            <a:endParaRPr lang="fr-FR" sz="2800" dirty="0"/>
-          </a:p>
-          <a:p>
-            <a:pPr lvl="1"/>
-            <a:r>
-              <a:rPr lang="fr-FR" sz="2800" dirty="0"/>
-              <a:t>Menu</a:t>
-            </a:r>
-          </a:p>
-          <a:p>
-            <a:pPr lvl="1"/>
-            <a:endParaRPr lang="fr-FR" sz="2800" dirty="0"/>
-          </a:p>
-          <a:p>
-            <a:pPr lvl="1"/>
-            <a:r>
-              <a:rPr lang="fr-FR" sz="2800" dirty="0"/>
-              <a:t>Program Architecture</a:t>
-            </a:r>
-          </a:p>
-        </p:txBody>
-      </p:sp>
-      <p:sp>
-        <p:nvSpPr>
-          <p:cNvPr id="4" name="ZoneTexte 3">
+          </a:p>
+          <a:p>
+            <a:endParaRPr lang="fr-FR" sz="2400" dirty="0"/>
+          </a:p>
+          <a:p>
+            <a:endParaRPr lang="fr-FR" sz="2400" dirty="0"/>
+          </a:p>
+          <a:p>
+            <a:endParaRPr lang="fr-FR" sz="2400" dirty="0"/>
+          </a:p>
+        </p:txBody>
+      </p:sp>
+      <p:sp>
+        <p:nvSpPr>
+          <p:cNvPr id="6" name="Espace réservé du contenu 2">
             <a:extLst>
               <a:ext uri="{FF2B5EF4-FFF2-40B4-BE49-F238E27FC236}">
-                <a16:creationId xmlns:a16="http://schemas.microsoft.com/office/drawing/2014/main" id="{59603BE1-9EE8-4F6B-A1DF-B66EF742B159}"/>
-              </a:ext>
-            </a:extLst>
-          </p:cNvPr>
-          <p:cNvSpPr txBox="1"/>
-          <p:nvPr/>
-        </p:nvSpPr>
-        <p:spPr>
-          <a:xfrm>
-            <a:off x="4987036" y="590189"/>
-            <a:ext cx="7056628" cy="384721"/>
-          </a:xfrm>
-          <a:prstGeom prst="rect">
-            <a:avLst/>
-          </a:prstGeom>
-          <a:noFill/>
-        </p:spPr>
-        <p:txBody>
-          <a:bodyPr wrap="square" rtlCol="0">
-            <a:spAutoFit/>
-          </a:bodyPr>
-          <a:lstStyle/>
-          <a:p>
-            <a:r>
-              <a:rPr lang="fr-FR" sz="1900" dirty="0"/>
-              <a:t>PROGRAM ARCHITECTURE </a:t>
-            </a:r>
-            <a:r>
-              <a:rPr lang="fr-FR" sz="1900" dirty="0">
-                <a:sym typeface="Wingdings" panose="05000000000000000000" pitchFamily="2" charset="2"/>
-              </a:rPr>
-              <a:t>: </a:t>
-            </a:r>
-            <a:r>
-              <a:rPr lang="fr-FR" dirty="0"/>
-              <a:t>(schéma a réitéré n fois pour n joueurs)</a:t>
-            </a:r>
-          </a:p>
-        </p:txBody>
-      </p:sp>
-      <p:sp>
-        <p:nvSpPr>
-          <p:cNvPr id="7" name="Rectangle 6">
-            <a:extLst>
-              <a:ext uri="{FF2B5EF4-FFF2-40B4-BE49-F238E27FC236}">
-                <a16:creationId xmlns:a16="http://schemas.microsoft.com/office/drawing/2014/main" id="{3AC7C8ED-6B5B-4B2B-AED8-9765404F0A85}"/>
-              </a:ext>
-            </a:extLst>
-          </p:cNvPr>
-          <p:cNvSpPr/>
-          <p:nvPr/>
-        </p:nvSpPr>
-        <p:spPr>
-          <a:xfrm>
-            <a:off x="9300855" y="1143000"/>
-            <a:ext cx="2505075" cy="1409700"/>
-          </a:xfrm>
-          <a:prstGeom prst="rect">
-            <a:avLst/>
-          </a:prstGeom>
-          <a:solidFill>
-            <a:srgbClr val="002060"/>
-          </a:solidFill>
-        </p:spPr>
-        <p:style>
-          <a:lnRef idx="2">
-            <a:schemeClr val="accent1">
-              <a:shade val="50000"/>
-            </a:schemeClr>
-          </a:lnRef>
-          <a:fillRef idx="1">
-            <a:schemeClr val="accent1"/>
-          </a:fillRef>
-          <a:effectRef idx="0">
-            <a:schemeClr val="accent1"/>
-          </a:effectRef>
-          <a:fontRef idx="minor">
-            <a:schemeClr val="lt1"/>
-          </a:fontRef>
-        </p:style>
-        <p:txBody>
-          <a:bodyPr rot="0" spcFirstLastPara="0" vert="horz" wrap="square" lIns="91440" tIns="45720" rIns="91440" bIns="45720" numCol="1" spcCol="0" rtlCol="0" fromWordArt="0" anchor="ctr" anchorCtr="0" forceAA="0" compatLnSpc="1">
-            <a:prstTxWarp prst="textNoShape">
-              <a:avLst/>
-            </a:prstTxWarp>
-            <a:noAutofit/>
-          </a:bodyPr>
-          <a:lstStyle/>
-          <a:p>
-            <a:pPr algn="ctr">
-              <a:lnSpc>
-                <a:spcPct val="120000"/>
-              </a:lnSpc>
-              <a:spcAft>
-                <a:spcPts val="1000"/>
-              </a:spcAft>
-            </a:pPr>
-            <a:r>
-              <a:rPr lang="fr-FR" sz="1100">
-                <a:effectLst/>
-                <a:ea typeface="Times New Roman" panose="02020603050405020304" pitchFamily="18" charset="0"/>
-                <a:cs typeface="Times New Roman" panose="02020603050405020304" pitchFamily="18" charset="0"/>
-              </a:rPr>
-              <a:t>BDD : </a:t>
-            </a:r>
-          </a:p>
-          <a:p>
-            <a:pPr algn="ctr">
-              <a:lnSpc>
-                <a:spcPct val="120000"/>
-              </a:lnSpc>
-              <a:spcAft>
-                <a:spcPts val="1000"/>
-              </a:spcAft>
-            </a:pPr>
-            <a:r>
-              <a:rPr lang="fr-FR" sz="1100">
-                <a:effectLst/>
-                <a:ea typeface="Times New Roman" panose="02020603050405020304" pitchFamily="18" charset="0"/>
-                <a:cs typeface="Times New Roman" panose="02020603050405020304" pitchFamily="18" charset="0"/>
-              </a:rPr>
-              <a:t>Tableau Joueur (liste lancés de dès d’un joueur)</a:t>
-            </a:r>
-          </a:p>
-          <a:p>
-            <a:pPr algn="ctr">
-              <a:lnSpc>
-                <a:spcPct val="120000"/>
-              </a:lnSpc>
-              <a:spcAft>
-                <a:spcPts val="1000"/>
-              </a:spcAft>
-            </a:pPr>
-            <a:r>
-              <a:rPr lang="fr-FR" sz="1100">
-                <a:effectLst/>
-                <a:ea typeface="Times New Roman" panose="02020603050405020304" pitchFamily="18" charset="0"/>
-                <a:cs typeface="Times New Roman" panose="02020603050405020304" pitchFamily="18" charset="0"/>
-              </a:rPr>
-              <a:t>Tableau Stat : joueur stat</a:t>
-            </a:r>
-          </a:p>
-        </p:txBody>
-      </p:sp>
-      <p:sp>
-        <p:nvSpPr>
-          <p:cNvPr id="8" name="Rectangle 7">
-            <a:extLst>
-              <a:ext uri="{FF2B5EF4-FFF2-40B4-BE49-F238E27FC236}">
-                <a16:creationId xmlns:a16="http://schemas.microsoft.com/office/drawing/2014/main" id="{69E9102D-B9CA-4C9C-934A-0687595062C6}"/>
-              </a:ext>
-            </a:extLst>
-          </p:cNvPr>
-          <p:cNvSpPr/>
-          <p:nvPr/>
-        </p:nvSpPr>
-        <p:spPr>
-          <a:xfrm>
-            <a:off x="4843461" y="1143000"/>
-            <a:ext cx="2505075" cy="1409700"/>
-          </a:xfrm>
-          <a:prstGeom prst="rect">
-            <a:avLst/>
-          </a:prstGeom>
-          <a:solidFill>
-            <a:srgbClr val="002060"/>
-          </a:solidFill>
-        </p:spPr>
-        <p:style>
-          <a:lnRef idx="2">
-            <a:schemeClr val="accent1">
-              <a:shade val="50000"/>
-            </a:schemeClr>
-          </a:lnRef>
-          <a:fillRef idx="1">
-            <a:schemeClr val="accent1"/>
-          </a:fillRef>
-          <a:effectRef idx="0">
-            <a:schemeClr val="accent1"/>
-          </a:effectRef>
-          <a:fontRef idx="minor">
-            <a:schemeClr val="lt1"/>
-          </a:fontRef>
-        </p:style>
-        <p:txBody>
-          <a:bodyPr rot="0" spcFirstLastPara="0" vert="horz" wrap="square" lIns="91440" tIns="45720" rIns="91440" bIns="45720" numCol="1" spcCol="0" rtlCol="0" fromWordArt="0" anchor="ctr" anchorCtr="0" forceAA="0" compatLnSpc="1">
-            <a:prstTxWarp prst="textNoShape">
-              <a:avLst/>
-            </a:prstTxWarp>
-            <a:noAutofit/>
-          </a:bodyPr>
-          <a:lstStyle/>
-          <a:p>
-            <a:pPr algn="ctr">
-              <a:lnSpc>
-                <a:spcPct val="120000"/>
-              </a:lnSpc>
-              <a:spcAft>
-                <a:spcPts val="1000"/>
-              </a:spcAft>
-            </a:pPr>
-            <a:r>
-              <a:rPr lang="fr-FR" sz="1100" dirty="0">
-                <a:effectLst/>
-                <a:ea typeface="Times New Roman" panose="02020603050405020304" pitchFamily="18" charset="0"/>
-                <a:cs typeface="Times New Roman" panose="02020603050405020304" pitchFamily="18" charset="0"/>
-              </a:rPr>
-              <a:t>Stats : </a:t>
-            </a:r>
-          </a:p>
-          <a:p>
-            <a:pPr algn="ctr">
-              <a:lnSpc>
-                <a:spcPct val="120000"/>
-              </a:lnSpc>
-              <a:spcAft>
-                <a:spcPts val="1000"/>
-              </a:spcAft>
-            </a:pPr>
-            <a:r>
-              <a:rPr lang="fr-FR" sz="1100" dirty="0">
-                <a:effectLst/>
-                <a:ea typeface="Times New Roman" panose="02020603050405020304" pitchFamily="18" charset="0"/>
-                <a:cs typeface="Times New Roman" panose="02020603050405020304" pitchFamily="18" charset="0"/>
-              </a:rPr>
-              <a:t>Récupération Stat</a:t>
-            </a:r>
-          </a:p>
-          <a:p>
-            <a:pPr algn="ctr">
-              <a:lnSpc>
-                <a:spcPct val="120000"/>
-              </a:lnSpc>
-              <a:spcAft>
-                <a:spcPts val="1000"/>
-              </a:spcAft>
-            </a:pPr>
-            <a:r>
-              <a:rPr lang="fr-FR" sz="1100" dirty="0">
-                <a:effectLst/>
-                <a:ea typeface="Times New Roman" panose="02020603050405020304" pitchFamily="18" charset="0"/>
-                <a:cs typeface="Times New Roman" panose="02020603050405020304" pitchFamily="18" charset="0"/>
-              </a:rPr>
-              <a:t>Calcul Stat </a:t>
-            </a:r>
-          </a:p>
-          <a:p>
-            <a:pPr algn="ctr">
-              <a:lnSpc>
-                <a:spcPct val="120000"/>
-              </a:lnSpc>
-              <a:spcAft>
-                <a:spcPts val="1000"/>
-              </a:spcAft>
-            </a:pPr>
-            <a:r>
-              <a:rPr lang="fr-FR" sz="1100" dirty="0">
-                <a:effectLst/>
-                <a:ea typeface="Times New Roman" panose="02020603050405020304" pitchFamily="18" charset="0"/>
-                <a:cs typeface="Times New Roman" panose="02020603050405020304" pitchFamily="18" charset="0"/>
-              </a:rPr>
-              <a:t>Renvoie et affichage </a:t>
-            </a:r>
-          </a:p>
-          <a:p>
-            <a:pPr algn="ctr">
-              <a:lnSpc>
-                <a:spcPct val="120000"/>
-              </a:lnSpc>
-              <a:spcAft>
-                <a:spcPts val="1000"/>
-              </a:spcAft>
-            </a:pPr>
-            <a:r>
-              <a:rPr lang="fr-FR" sz="1100" dirty="0">
-                <a:effectLst/>
-                <a:ea typeface="Times New Roman" panose="02020603050405020304" pitchFamily="18" charset="0"/>
-                <a:cs typeface="Times New Roman" panose="02020603050405020304" pitchFamily="18" charset="0"/>
-              </a:rPr>
-              <a:t> </a:t>
-            </a:r>
-          </a:p>
-        </p:txBody>
-      </p:sp>
-      <p:sp>
-        <p:nvSpPr>
-          <p:cNvPr id="9" name="Rectangle : coins arrondis 8">
-            <a:extLst>
-              <a:ext uri="{FF2B5EF4-FFF2-40B4-BE49-F238E27FC236}">
-                <a16:creationId xmlns:a16="http://schemas.microsoft.com/office/drawing/2014/main" id="{DFC0FEF8-30CF-4E6F-AEBD-3DAAC4CDE9BC}"/>
-              </a:ext>
-            </a:extLst>
-          </p:cNvPr>
-          <p:cNvSpPr/>
-          <p:nvPr/>
-        </p:nvSpPr>
-        <p:spPr>
-          <a:xfrm>
-            <a:off x="6591300" y="2773570"/>
-            <a:ext cx="3467100" cy="2047875"/>
-          </a:xfrm>
-          <a:prstGeom prst="roundRect">
-            <a:avLst/>
-          </a:prstGeom>
-        </p:spPr>
-        <p:style>
-          <a:lnRef idx="2">
-            <a:schemeClr val="dk1">
-              <a:shade val="50000"/>
-            </a:schemeClr>
-          </a:lnRef>
-          <a:fillRef idx="1">
-            <a:schemeClr val="dk1"/>
-          </a:fillRef>
-          <a:effectRef idx="0">
-            <a:schemeClr val="dk1"/>
-          </a:effectRef>
-          <a:fontRef idx="minor">
-            <a:schemeClr val="lt1"/>
-          </a:fontRef>
-        </p:style>
-        <p:txBody>
-          <a:bodyPr rot="0" spcFirstLastPara="0" vert="horz" wrap="square" lIns="91440" tIns="45720" rIns="91440" bIns="45720" numCol="1" spcCol="0" rtlCol="0" fromWordArt="0" anchor="ctr" anchorCtr="0" forceAA="0" compatLnSpc="1">
-            <a:prstTxWarp prst="textNoShape">
-              <a:avLst/>
-            </a:prstTxWarp>
-            <a:noAutofit/>
-          </a:bodyPr>
-          <a:lstStyle/>
-          <a:p>
-            <a:pPr algn="ctr">
-              <a:lnSpc>
-                <a:spcPct val="120000"/>
-              </a:lnSpc>
-              <a:spcAft>
-                <a:spcPts val="1000"/>
-              </a:spcAft>
-            </a:pPr>
-            <a:r>
-              <a:rPr lang="fr-FR" sz="1100" dirty="0">
-                <a:effectLst/>
-                <a:ea typeface="Times New Roman" panose="02020603050405020304" pitchFamily="18" charset="0"/>
-                <a:cs typeface="Times New Roman" panose="02020603050405020304" pitchFamily="18" charset="0"/>
-              </a:rPr>
-              <a:t>Serveur : </a:t>
-            </a:r>
-          </a:p>
-          <a:p>
-            <a:pPr algn="ctr">
-              <a:lnSpc>
-                <a:spcPct val="120000"/>
-              </a:lnSpc>
-              <a:spcAft>
-                <a:spcPts val="1000"/>
-              </a:spcAft>
-            </a:pPr>
-            <a:r>
-              <a:rPr lang="fr-FR" sz="1100" dirty="0">
-                <a:effectLst/>
-                <a:ea typeface="Times New Roman" panose="02020603050405020304" pitchFamily="18" charset="0"/>
-                <a:cs typeface="Times New Roman" panose="02020603050405020304" pitchFamily="18" charset="0"/>
-              </a:rPr>
-              <a:t>Monitoring des pipes libres</a:t>
-            </a:r>
-          </a:p>
-          <a:p>
-            <a:pPr algn="ctr">
-              <a:lnSpc>
-                <a:spcPct val="120000"/>
-              </a:lnSpc>
-              <a:spcAft>
-                <a:spcPts val="1000"/>
-              </a:spcAft>
-            </a:pPr>
-            <a:r>
-              <a:rPr lang="fr-FR" sz="1100" dirty="0">
-                <a:effectLst/>
-                <a:ea typeface="Times New Roman" panose="02020603050405020304" pitchFamily="18" charset="0"/>
-                <a:cs typeface="Times New Roman" panose="02020603050405020304" pitchFamily="18" charset="0"/>
-              </a:rPr>
-              <a:t>Gestions des Connections</a:t>
-            </a:r>
-          </a:p>
-          <a:p>
-            <a:pPr algn="ctr">
-              <a:lnSpc>
-                <a:spcPct val="120000"/>
-              </a:lnSpc>
-              <a:spcAft>
-                <a:spcPts val="1000"/>
-              </a:spcAft>
-            </a:pPr>
-            <a:r>
-              <a:rPr lang="fr-FR" sz="1100" dirty="0">
-                <a:effectLst/>
-                <a:ea typeface="Times New Roman" panose="02020603050405020304" pitchFamily="18" charset="0"/>
-                <a:cs typeface="Times New Roman" panose="02020603050405020304" pitchFamily="18" charset="0"/>
-              </a:rPr>
-              <a:t>Gestion des Joueurs : nom, stat </a:t>
-            </a:r>
-          </a:p>
-          <a:p>
-            <a:pPr algn="ctr">
-              <a:lnSpc>
-                <a:spcPct val="120000"/>
-              </a:lnSpc>
-              <a:spcAft>
-                <a:spcPts val="1000"/>
-              </a:spcAft>
-            </a:pPr>
-            <a:r>
-              <a:rPr lang="fr-FR" sz="1100" dirty="0">
-                <a:effectLst/>
-                <a:ea typeface="Times New Roman" panose="02020603050405020304" pitchFamily="18" charset="0"/>
-                <a:cs typeface="Times New Roman" panose="02020603050405020304" pitchFamily="18" charset="0"/>
-              </a:rPr>
-              <a:t>Gestion des stats </a:t>
-            </a:r>
-          </a:p>
-        </p:txBody>
-      </p:sp>
-      <p:sp>
-        <p:nvSpPr>
-          <p:cNvPr id="10" name="Ellipse 9">
-            <a:extLst>
-              <a:ext uri="{FF2B5EF4-FFF2-40B4-BE49-F238E27FC236}">
-                <a16:creationId xmlns:a16="http://schemas.microsoft.com/office/drawing/2014/main" id="{F4E2108E-CEB5-410C-91F8-CC3C6B333249}"/>
-              </a:ext>
-            </a:extLst>
-          </p:cNvPr>
-          <p:cNvSpPr/>
-          <p:nvPr/>
-        </p:nvSpPr>
-        <p:spPr>
-          <a:xfrm>
-            <a:off x="4699082" y="4168288"/>
-            <a:ext cx="2876550" cy="1381125"/>
-          </a:xfrm>
-          <a:prstGeom prst="ellipse">
-            <a:avLst/>
-          </a:prstGeom>
-          <a:solidFill>
-            <a:srgbClr val="FFC000"/>
-          </a:solidFill>
-        </p:spPr>
-        <p:style>
-          <a:lnRef idx="2">
-            <a:schemeClr val="accent1">
-              <a:shade val="50000"/>
-            </a:schemeClr>
-          </a:lnRef>
-          <a:fillRef idx="1">
-            <a:schemeClr val="accent1"/>
-          </a:fillRef>
-          <a:effectRef idx="0">
-            <a:schemeClr val="accent1"/>
-          </a:effectRef>
-          <a:fontRef idx="minor">
-            <a:schemeClr val="lt1"/>
-          </a:fontRef>
-        </p:style>
-        <p:txBody>
-          <a:bodyPr rot="0" spcFirstLastPara="0" vert="horz" wrap="square" lIns="91440" tIns="45720" rIns="91440" bIns="45720" numCol="1" spcCol="0" rtlCol="0" fromWordArt="0" anchor="ctr" anchorCtr="0" forceAA="0" compatLnSpc="1">
-            <a:prstTxWarp prst="textNoShape">
-              <a:avLst/>
-            </a:prstTxWarp>
-            <a:noAutofit/>
-          </a:bodyPr>
-          <a:lstStyle/>
-          <a:p>
-            <a:pPr algn="ctr">
-              <a:lnSpc>
-                <a:spcPct val="120000"/>
-              </a:lnSpc>
-              <a:spcAft>
-                <a:spcPts val="1000"/>
-              </a:spcAft>
-            </a:pPr>
-            <a:r>
-              <a:rPr lang="fr-FR" sz="1100" dirty="0">
-                <a:solidFill>
-                  <a:srgbClr val="FF0000"/>
-                </a:solidFill>
-                <a:effectLst/>
-                <a:ea typeface="Times New Roman" panose="02020603050405020304" pitchFamily="18" charset="0"/>
-                <a:cs typeface="Times New Roman" panose="02020603050405020304" pitchFamily="18" charset="0"/>
-              </a:rPr>
-              <a:t>Transit PIPE : </a:t>
-            </a:r>
-            <a:endParaRPr lang="fr-FR" sz="1100" dirty="0">
-              <a:effectLst/>
-              <a:ea typeface="Times New Roman" panose="02020603050405020304" pitchFamily="18" charset="0"/>
-              <a:cs typeface="Times New Roman" panose="02020603050405020304" pitchFamily="18" charset="0"/>
-            </a:endParaRPr>
-          </a:p>
-          <a:p>
-            <a:pPr algn="ctr">
-              <a:lnSpc>
-                <a:spcPct val="120000"/>
-              </a:lnSpc>
-              <a:spcAft>
-                <a:spcPts val="1000"/>
-              </a:spcAft>
-            </a:pPr>
-            <a:r>
-              <a:rPr lang="fr-FR" sz="1100" dirty="0">
-                <a:solidFill>
-                  <a:srgbClr val="FF0000"/>
-                </a:solidFill>
-                <a:effectLst/>
-                <a:ea typeface="Times New Roman" panose="02020603050405020304" pitchFamily="18" charset="0"/>
-                <a:cs typeface="Times New Roman" panose="02020603050405020304" pitchFamily="18" charset="0"/>
-              </a:rPr>
-              <a:t>Nom/Paramètres du Jeu/ Communication interne entre les joueurs/</a:t>
-            </a:r>
-            <a:r>
-              <a:rPr lang="fr-FR" sz="1100" dirty="0" err="1">
-                <a:solidFill>
-                  <a:srgbClr val="FF0000"/>
-                </a:solidFill>
-                <a:effectLst/>
-                <a:ea typeface="Times New Roman" panose="02020603050405020304" pitchFamily="18" charset="0"/>
-                <a:cs typeface="Times New Roman" panose="02020603050405020304" pitchFamily="18" charset="0"/>
-              </a:rPr>
-              <a:t>Stat&amp;Victoire</a:t>
-            </a:r>
-            <a:r>
-              <a:rPr lang="fr-FR" sz="1100" dirty="0">
-                <a:solidFill>
-                  <a:srgbClr val="FF0000"/>
-                </a:solidFill>
-                <a:effectLst/>
-                <a:ea typeface="Times New Roman" panose="02020603050405020304" pitchFamily="18" charset="0"/>
-                <a:cs typeface="Times New Roman" panose="02020603050405020304" pitchFamily="18" charset="0"/>
-              </a:rPr>
-              <a:t> </a:t>
-            </a:r>
-            <a:endParaRPr lang="fr-FR" sz="1100" dirty="0">
-              <a:effectLst/>
-              <a:ea typeface="Times New Roman" panose="02020603050405020304" pitchFamily="18" charset="0"/>
-              <a:cs typeface="Times New Roman" panose="02020603050405020304" pitchFamily="18" charset="0"/>
-            </a:endParaRPr>
-          </a:p>
-        </p:txBody>
-      </p:sp>
-      <p:sp>
-        <p:nvSpPr>
-          <p:cNvPr id="12" name="Flèche : double flèche verticale 11">
-            <a:extLst>
-              <a:ext uri="{FF2B5EF4-FFF2-40B4-BE49-F238E27FC236}">
-                <a16:creationId xmlns:a16="http://schemas.microsoft.com/office/drawing/2014/main" id="{8B5B1CF7-FFF3-4CFE-826A-4DDE8E068417}"/>
-              </a:ext>
-            </a:extLst>
-          </p:cNvPr>
-          <p:cNvSpPr/>
-          <p:nvPr/>
-        </p:nvSpPr>
-        <p:spPr>
-          <a:xfrm>
-            <a:off x="8134350" y="4821445"/>
-            <a:ext cx="381000" cy="666750"/>
-          </a:xfrm>
-          <a:prstGeom prst="upDownArrow">
-            <a:avLst/>
-          </a:prstGeom>
-          <a:solidFill>
-            <a:srgbClr val="FFC000"/>
-          </a:solidFill>
-        </p:spPr>
-        <p:style>
-          <a:lnRef idx="2">
-            <a:schemeClr val="accent1">
-              <a:shade val="50000"/>
-            </a:schemeClr>
-          </a:lnRef>
-          <a:fillRef idx="1">
-            <a:schemeClr val="accent1"/>
-          </a:fillRef>
-          <a:effectRef idx="0">
-            <a:schemeClr val="accent1"/>
-          </a:effectRef>
-          <a:fontRef idx="minor">
-            <a:schemeClr val="lt1"/>
-          </a:fontRef>
-        </p:style>
-        <p:txBody>
-          <a:bodyPr rot="0" spcFirstLastPara="0" vert="horz" wrap="square" lIns="91440" tIns="45720" rIns="91440" bIns="45720" numCol="1" spcCol="0" rtlCol="0" fromWordArt="0" anchor="ctr" anchorCtr="0" forceAA="0" compatLnSpc="1">
-            <a:prstTxWarp prst="textNoShape">
-              <a:avLst/>
-            </a:prstTxWarp>
-            <a:noAutofit/>
-          </a:bodyPr>
-          <a:lstStyle/>
-          <a:p>
-            <a:endParaRPr lang="fr-FR"/>
-          </a:p>
-        </p:txBody>
-      </p:sp>
-      <p:sp>
-        <p:nvSpPr>
-          <p:cNvPr id="11" name="Zone de texte 21">
-            <a:extLst>
-              <a:ext uri="{FF2B5EF4-FFF2-40B4-BE49-F238E27FC236}">
-                <a16:creationId xmlns:a16="http://schemas.microsoft.com/office/drawing/2014/main" id="{39C1FC02-F923-46CB-8406-D05560AC59A0}"/>
-              </a:ext>
-            </a:extLst>
-          </p:cNvPr>
-          <p:cNvSpPr txBox="1"/>
-          <p:nvPr/>
-        </p:nvSpPr>
-        <p:spPr>
-          <a:xfrm>
-            <a:off x="7590913" y="4874225"/>
-            <a:ext cx="1498435" cy="782955"/>
-          </a:xfrm>
-          <a:prstGeom prst="rect">
-            <a:avLst/>
-          </a:prstGeom>
-          <a:noFill/>
-          <a:ln>
-            <a:noFill/>
-          </a:ln>
-        </p:spPr>
-        <p:txBody>
-          <a:bodyPr rot="0" spcFirstLastPara="0" vert="horz" wrap="square" lIns="91440" tIns="45720" rIns="91440" bIns="45720" numCol="1" spcCol="0" rtlCol="0" fromWordArt="0" anchor="t" anchorCtr="0" forceAA="0" compatLnSpc="1">
-            <a:prstTxWarp prst="textNoShape">
-              <a:avLst/>
-            </a:prstTxWarp>
-            <a:noAutofit/>
-            <a:scene3d>
-              <a:camera prst="orthographicFront"/>
-              <a:lightRig rig="harsh" dir="t"/>
-            </a:scene3d>
-            <a:sp3d extrusionH="57150" prstMaterial="matte">
-              <a:bevelT w="63500" h="12700" prst="angle"/>
-              <a:contourClr>
-                <a:schemeClr val="bg1">
-                  <a:lumMod val="65000"/>
-                </a:schemeClr>
-              </a:contourClr>
-            </a:sp3d>
-          </a:bodyPr>
-          <a:lstStyle/>
-          <a:p>
-            <a:pPr algn="ctr">
-              <a:lnSpc>
-                <a:spcPct val="120000"/>
-              </a:lnSpc>
-              <a:spcAft>
-                <a:spcPts val="1000"/>
-              </a:spcAft>
-            </a:pPr>
-            <a:r>
-              <a:rPr lang="fr-FR" sz="2400" b="1" dirty="0">
-                <a:ln>
-                  <a:noFill/>
-                </a:ln>
-                <a:solidFill>
-                  <a:srgbClr val="FF0000"/>
-                </a:solidFill>
-                <a:effectLst/>
-                <a:latin typeface="Arial" panose="020B0604020202020204" pitchFamily="34" charset="0"/>
-                <a:ea typeface="Times New Roman" panose="02020603050405020304" pitchFamily="18" charset="0"/>
-                <a:cs typeface="Times New Roman" panose="02020603050405020304" pitchFamily="18" charset="0"/>
-              </a:rPr>
-              <a:t>Pipe</a:t>
-            </a:r>
-            <a:endParaRPr lang="fr-FR" sz="1100" dirty="0">
-              <a:effectLst/>
-              <a:latin typeface="Arial" panose="020B0604020202020204" pitchFamily="34" charset="0"/>
-              <a:ea typeface="Times New Roman" panose="02020603050405020304" pitchFamily="18" charset="0"/>
-              <a:cs typeface="Times New Roman" panose="02020603050405020304" pitchFamily="18" charset="0"/>
-            </a:endParaRPr>
-          </a:p>
-        </p:txBody>
-      </p:sp>
-      <p:sp>
-        <p:nvSpPr>
-          <p:cNvPr id="13" name="Rectangle : coins arrondis 12">
-            <a:extLst>
-              <a:ext uri="{FF2B5EF4-FFF2-40B4-BE49-F238E27FC236}">
-                <a16:creationId xmlns:a16="http://schemas.microsoft.com/office/drawing/2014/main" id="{B5DA2B42-BF2C-4109-9A26-E9491F04EE22}"/>
-              </a:ext>
-            </a:extLst>
-          </p:cNvPr>
-          <p:cNvSpPr/>
-          <p:nvPr/>
-        </p:nvSpPr>
-        <p:spPr>
-          <a:xfrm>
-            <a:off x="6824155" y="5498555"/>
-            <a:ext cx="2876550" cy="1242814"/>
-          </a:xfrm>
-          <a:prstGeom prst="roundRect">
-            <a:avLst/>
-          </a:prstGeom>
-        </p:spPr>
-        <p:style>
-          <a:lnRef idx="2">
-            <a:schemeClr val="accent5">
-              <a:shade val="50000"/>
-            </a:schemeClr>
-          </a:lnRef>
-          <a:fillRef idx="1">
-            <a:schemeClr val="accent5"/>
-          </a:fillRef>
-          <a:effectRef idx="0">
-            <a:schemeClr val="accent5"/>
-          </a:effectRef>
-          <a:fontRef idx="minor">
-            <a:schemeClr val="lt1"/>
-          </a:fontRef>
-        </p:style>
-        <p:txBody>
-          <a:bodyPr rot="0" spcFirstLastPara="0" vert="horz" wrap="square" lIns="91440" tIns="45720" rIns="91440" bIns="45720" numCol="1" spcCol="0" rtlCol="0" fromWordArt="0" anchor="ctr" anchorCtr="0" forceAA="0" compatLnSpc="1">
-            <a:prstTxWarp prst="textNoShape">
-              <a:avLst/>
-            </a:prstTxWarp>
-            <a:noAutofit/>
-          </a:bodyPr>
-          <a:lstStyle/>
-          <a:p>
-            <a:pPr algn="ctr">
-              <a:lnSpc>
-                <a:spcPct val="120000"/>
-              </a:lnSpc>
-              <a:spcAft>
-                <a:spcPts val="1000"/>
-              </a:spcAft>
-            </a:pPr>
-            <a:endParaRPr lang="fr-FR" sz="1100" dirty="0">
-              <a:effectLst/>
-              <a:ea typeface="Times New Roman" panose="02020603050405020304" pitchFamily="18" charset="0"/>
-              <a:cs typeface="Times New Roman" panose="02020603050405020304" pitchFamily="18" charset="0"/>
-            </a:endParaRPr>
-          </a:p>
-          <a:p>
-            <a:pPr algn="ctr">
-              <a:lnSpc>
-                <a:spcPct val="120000"/>
-              </a:lnSpc>
-              <a:spcAft>
-                <a:spcPts val="1000"/>
-              </a:spcAft>
-            </a:pPr>
-            <a:r>
-              <a:rPr lang="fr-FR" sz="1100" dirty="0">
-                <a:effectLst/>
-                <a:ea typeface="Times New Roman" panose="02020603050405020304" pitchFamily="18" charset="0"/>
-                <a:cs typeface="Times New Roman" panose="02020603050405020304" pitchFamily="18" charset="0"/>
-              </a:rPr>
-              <a:t>Client : </a:t>
-            </a:r>
-          </a:p>
-          <a:p>
-            <a:pPr algn="ctr">
-              <a:lnSpc>
-                <a:spcPct val="120000"/>
-              </a:lnSpc>
-              <a:spcAft>
-                <a:spcPts val="1000"/>
-              </a:spcAft>
-            </a:pPr>
-            <a:r>
-              <a:rPr lang="fr-FR" sz="1100" dirty="0">
-                <a:effectLst/>
-                <a:ea typeface="Times New Roman" panose="02020603050405020304" pitchFamily="18" charset="0"/>
-                <a:cs typeface="Times New Roman" panose="02020603050405020304" pitchFamily="18" charset="0"/>
-              </a:rPr>
-              <a:t>Connexion à un Pipe Libre </a:t>
-            </a:r>
-          </a:p>
-          <a:p>
-            <a:pPr algn="ctr">
-              <a:lnSpc>
-                <a:spcPct val="120000"/>
-              </a:lnSpc>
-              <a:spcAft>
-                <a:spcPts val="1000"/>
-              </a:spcAft>
-            </a:pPr>
-            <a:r>
-              <a:rPr lang="fr-FR" sz="1100" dirty="0">
-                <a:effectLst/>
-                <a:ea typeface="Times New Roman" panose="02020603050405020304" pitchFamily="18" charset="0"/>
-                <a:cs typeface="Times New Roman" panose="02020603050405020304" pitchFamily="18" charset="0"/>
-              </a:rPr>
-              <a:t>Envoie de nom du joueur</a:t>
-            </a:r>
-          </a:p>
-          <a:p>
-            <a:pPr algn="ctr">
-              <a:lnSpc>
-                <a:spcPct val="120000"/>
-              </a:lnSpc>
-              <a:spcAft>
-                <a:spcPts val="1000"/>
-              </a:spcAft>
-            </a:pPr>
-            <a:r>
-              <a:rPr lang="fr-FR" sz="1100" dirty="0">
-                <a:effectLst/>
-                <a:ea typeface="Times New Roman" panose="02020603050405020304" pitchFamily="18" charset="0"/>
-                <a:cs typeface="Times New Roman" panose="02020603050405020304" pitchFamily="18" charset="0"/>
-              </a:rPr>
-              <a:t>Spécialisation dans le jeux </a:t>
-            </a:r>
-            <a:r>
-              <a:rPr lang="fr-FR" sz="1100" dirty="0" err="1">
-                <a:effectLst/>
-                <a:ea typeface="Times New Roman" panose="02020603050405020304" pitchFamily="18" charset="0"/>
-                <a:cs typeface="Times New Roman" panose="02020603050405020304" pitchFamily="18" charset="0"/>
-              </a:rPr>
-              <a:t>ssh</a:t>
-            </a:r>
-            <a:r>
-              <a:rPr lang="fr-FR" sz="1100" dirty="0">
-                <a:effectLst/>
-                <a:ea typeface="Times New Roman" panose="02020603050405020304" pitchFamily="18" charset="0"/>
-                <a:cs typeface="Times New Roman" panose="02020603050405020304" pitchFamily="18" charset="0"/>
-              </a:rPr>
-              <a:t> puis socket</a:t>
-            </a:r>
-          </a:p>
-          <a:p>
-            <a:pPr algn="ctr">
-              <a:lnSpc>
-                <a:spcPct val="120000"/>
-              </a:lnSpc>
-              <a:spcAft>
-                <a:spcPts val="1000"/>
-              </a:spcAft>
-            </a:pPr>
-            <a:r>
-              <a:rPr lang="fr-FR" sz="1100" dirty="0">
-                <a:effectLst/>
-                <a:ea typeface="Times New Roman" panose="02020603050405020304" pitchFamily="18" charset="0"/>
-                <a:cs typeface="Times New Roman" panose="02020603050405020304" pitchFamily="18" charset="0"/>
-              </a:rPr>
-              <a:t> </a:t>
-            </a:r>
-          </a:p>
-        </p:txBody>
-      </p:sp>
-      <p:cxnSp>
-        <p:nvCxnSpPr>
-          <p:cNvPr id="25" name="Connecteur droit avec flèche 24">
-            <a:extLst>
-              <a:ext uri="{FF2B5EF4-FFF2-40B4-BE49-F238E27FC236}">
-                <a16:creationId xmlns:a16="http://schemas.microsoft.com/office/drawing/2014/main" id="{3179552E-8251-4FF7-8E0C-7B1B73CEBB7B}"/>
-              </a:ext>
-            </a:extLst>
-          </p:cNvPr>
-          <p:cNvCxnSpPr>
-            <a:endCxn id="8" idx="2"/>
-          </p:cNvCxnSpPr>
-          <p:nvPr/>
-        </p:nvCxnSpPr>
-        <p:spPr>
-          <a:xfrm flipH="1" flipV="1">
-            <a:off x="6095999" y="2552700"/>
-            <a:ext cx="864097" cy="205888"/>
-          </a:xfrm>
-          <a:prstGeom prst="straightConnector1">
-            <a:avLst/>
-          </a:prstGeom>
-          <a:ln>
-            <a:solidFill>
-              <a:srgbClr val="FFFF00"/>
-            </a:solidFill>
-            <a:tailEnd type="triangle"/>
-          </a:ln>
-        </p:spPr>
-        <p:style>
-          <a:lnRef idx="1">
-            <a:schemeClr val="accent1"/>
-          </a:lnRef>
-          <a:fillRef idx="0">
-            <a:schemeClr val="accent1"/>
-          </a:fillRef>
-          <a:effectRef idx="0">
-            <a:schemeClr val="accent1"/>
-          </a:effectRef>
-          <a:fontRef idx="minor">
-            <a:schemeClr val="tx1"/>
-          </a:fontRef>
-        </p:style>
-      </p:cxnSp>
-      <p:cxnSp>
-        <p:nvCxnSpPr>
-          <p:cNvPr id="27" name="Connecteur droit avec flèche 26">
-            <a:extLst>
-              <a:ext uri="{FF2B5EF4-FFF2-40B4-BE49-F238E27FC236}">
-                <a16:creationId xmlns:a16="http://schemas.microsoft.com/office/drawing/2014/main" id="{7971D9D9-FE3A-463B-91DC-FB0F23482581}"/>
-              </a:ext>
-            </a:extLst>
-          </p:cNvPr>
-          <p:cNvCxnSpPr>
-            <a:cxnSpLocks/>
-            <a:endCxn id="7" idx="2"/>
-          </p:cNvCxnSpPr>
-          <p:nvPr/>
-        </p:nvCxnSpPr>
-        <p:spPr>
-          <a:xfrm flipV="1">
-            <a:off x="9480376" y="2552700"/>
-            <a:ext cx="1073017" cy="168090"/>
-          </a:xfrm>
-          <a:prstGeom prst="straightConnector1">
-            <a:avLst/>
-          </a:prstGeom>
-          <a:ln>
-            <a:solidFill>
-              <a:srgbClr val="FFFF00"/>
-            </a:solidFill>
-            <a:tailEnd type="triangle"/>
-          </a:ln>
-        </p:spPr>
-        <p:style>
-          <a:lnRef idx="1">
-            <a:schemeClr val="accent1"/>
-          </a:lnRef>
-          <a:fillRef idx="0">
-            <a:schemeClr val="accent1"/>
-          </a:fillRef>
-          <a:effectRef idx="0">
-            <a:schemeClr val="accent1"/>
-          </a:effectRef>
-          <a:fontRef idx="minor">
-            <a:schemeClr val="tx1"/>
-          </a:fontRef>
-        </p:style>
-      </p:cxnSp>
-    </p:spTree>
-    <p:extLst>
-      <p:ext uri="{BB962C8B-B14F-4D97-AF65-F5344CB8AC3E}">
-        <p14:creationId xmlns:p14="http://schemas.microsoft.com/office/powerpoint/2010/main" val="426784136"/>
-      </p:ext>
-    </p:extLst>
-  </p:cSld>
-  <p:clrMapOvr>
-    <a:masterClrMapping/>
-  </p:clrMapOvr>
-  <mc:AlternateContent xmlns:mc="http://schemas.openxmlformats.org/markup-compatibility/2006" xmlns:p14="http://schemas.microsoft.com/office/powerpoint/2010/main">
-    <mc:Choice Requires="p14">
-      <p:transition spd="med" p14:dur="700">
-        <p:fade/>
-      </p:transition>
-    </mc:Choice>
-    <mc:Fallback xmlns="">
-      <p:transition spd="med">
-        <p:fade/>
-      </p:transition>
-    </mc:Fallback>
-  </mc:AlternateContent>
-</p:sld>
-</file>
-
-<file path=ppt/slides/slide6.xml><?xml version="1.0" encoding="utf-8"?>
-<p:sld xmlns:a="http://schemas.openxmlformats.org/drawingml/2006/main" xmlns:r="http://schemas.openxmlformats.org/officeDocument/2006/relationships" xmlns:p="http://schemas.openxmlformats.org/presentationml/2006/main">
-  <p:cSld>
-    <p:spTree>
-      <p:nvGrpSpPr>
-        <p:cNvPr id="1" name=""/>
-        <p:cNvGrpSpPr/>
-        <p:nvPr/>
-      </p:nvGrpSpPr>
-      <p:grpSpPr>
-        <a:xfrm>
-          <a:off x="0" y="0"/>
-          <a:ext cx="0" cy="0"/>
-          <a:chOff x="0" y="0"/>
-          <a:chExt cx="0" cy="0"/>
-        </a:xfrm>
-      </p:grpSpPr>
-      <p:sp>
-        <p:nvSpPr>
-          <p:cNvPr id="2" name="Titre 1"/>
-          <p:cNvSpPr>
-            <a:spLocks noGrp="1"/>
-          </p:cNvSpPr>
-          <p:nvPr>
-            <p:ph type="title"/>
-          </p:nvPr>
-        </p:nvSpPr>
-        <p:spPr/>
-        <p:txBody>
-          <a:bodyPr rtlCol="0"/>
-          <a:lstStyle/>
-          <a:p>
-            <a:r>
-              <a:rPr lang="fr-FR" dirty="0"/>
-              <a:t>2) Road </a:t>
-            </a:r>
-            <a:r>
-              <a:rPr lang="fr-FR" dirty="0" err="1"/>
-              <a:t>Map</a:t>
-            </a:r>
-            <a:r>
-              <a:rPr lang="fr-FR" dirty="0"/>
-              <a:t> Project</a:t>
-            </a:r>
-            <a:br>
-              <a:rPr lang="fr-FR" dirty="0"/>
-            </a:br>
-            <a:endParaRPr lang="fr-FR" dirty="0"/>
-          </a:p>
-        </p:txBody>
-      </p:sp>
-      <p:sp>
-        <p:nvSpPr>
-          <p:cNvPr id="3" name="Espace réservé du texte 2"/>
-          <p:cNvSpPr>
-            <a:spLocks noGrp="1"/>
-          </p:cNvSpPr>
-          <p:nvPr>
-            <p:ph type="body" idx="1"/>
-          </p:nvPr>
-        </p:nvSpPr>
-        <p:spPr>
-          <a:xfrm>
-            <a:off x="476647" y="1276315"/>
-            <a:ext cx="4846320" cy="823912"/>
-          </a:xfrm>
-        </p:spPr>
-        <p:txBody>
-          <a:bodyPr rtlCol="0"/>
-          <a:lstStyle/>
-          <a:p>
-            <a:pPr rtl="0"/>
-            <a:r>
-              <a:rPr lang="fr-FR" dirty="0" err="1"/>
-              <a:t>Iteration</a:t>
-            </a:r>
-            <a:r>
-              <a:rPr lang="fr-FR" dirty="0"/>
-              <a:t> 1 &amp; 2 : 30/11</a:t>
-            </a:r>
-          </a:p>
-        </p:txBody>
-      </p:sp>
-      <p:sp>
-        <p:nvSpPr>
-          <p:cNvPr id="4" name="Espace réservé du contenu 3"/>
-          <p:cNvSpPr>
-            <a:spLocks noGrp="1"/>
-          </p:cNvSpPr>
-          <p:nvPr>
-            <p:ph sz="half" idx="2"/>
-          </p:nvPr>
-        </p:nvSpPr>
-        <p:spPr>
-          <a:xfrm>
-            <a:off x="94220" y="2044949"/>
-            <a:ext cx="5656911" cy="3811309"/>
-          </a:xfrm>
-        </p:spPr>
-        <p:txBody>
-          <a:bodyPr rtlCol="0">
-            <a:noAutofit/>
-          </a:bodyPr>
-          <a:lstStyle/>
-          <a:p>
-            <a:r>
-              <a:rPr lang="fr-FR" sz="2000" dirty="0"/>
-              <a:t>Configuration de la Raspberry, Wifi Direct</a:t>
-            </a:r>
-          </a:p>
-          <a:p>
-            <a:r>
-              <a:rPr lang="fr-FR" sz="2000" dirty="0"/>
-              <a:t>Architecture Produit</a:t>
-            </a:r>
-          </a:p>
-          <a:p>
-            <a:r>
-              <a:rPr lang="fr-FR" sz="2000" dirty="0"/>
-              <a:t>Script pour automatiser le </a:t>
-            </a:r>
-            <a:r>
-              <a:rPr lang="fr-FR" sz="2000" dirty="0" err="1"/>
-              <a:t>Rpi</a:t>
-            </a:r>
-            <a:r>
-              <a:rPr lang="fr-FR" sz="2000" dirty="0"/>
-              <a:t> comme Hotspot</a:t>
-            </a:r>
-          </a:p>
-          <a:p>
-            <a:endParaRPr lang="fr-FR" sz="2000" dirty="0"/>
-          </a:p>
-          <a:p>
-            <a:r>
-              <a:rPr lang="fr-FR" sz="2000" dirty="0"/>
-              <a:t>Processus Père : Configuration du Jeu </a:t>
-            </a:r>
-          </a:p>
-          <a:p>
-            <a:pPr marL="0" indent="0">
-              <a:buNone/>
-            </a:pPr>
-            <a:r>
-              <a:rPr lang="fr-FR" sz="2000" dirty="0"/>
-              <a:t> - lancer un dé aléatoirement</a:t>
-            </a:r>
-          </a:p>
-          <a:p>
-            <a:pPr marL="0" indent="0">
-              <a:buNone/>
-            </a:pPr>
-            <a:r>
-              <a:rPr lang="fr-FR" sz="2000" dirty="0"/>
-              <a:t> -afficher &amp; stocker  son résultat dans un fichier</a:t>
-            </a:r>
-          </a:p>
-          <a:p>
-            <a:pPr rtl="0"/>
-            <a:endParaRPr lang="fr-FR" sz="2000" dirty="0"/>
-          </a:p>
-        </p:txBody>
-      </p:sp>
-      <p:sp>
-        <p:nvSpPr>
-          <p:cNvPr id="5" name="Espace réservé du texte 4"/>
-          <p:cNvSpPr>
-            <a:spLocks noGrp="1"/>
-          </p:cNvSpPr>
-          <p:nvPr>
-            <p:ph type="body" sz="quarter" idx="3"/>
-          </p:nvPr>
-        </p:nvSpPr>
-        <p:spPr>
-          <a:xfrm>
-            <a:off x="6096000" y="2908591"/>
-            <a:ext cx="4846320" cy="823912"/>
-          </a:xfrm>
-        </p:spPr>
-        <p:txBody>
-          <a:bodyPr rtlCol="0"/>
-          <a:lstStyle/>
-          <a:p>
-            <a:pPr rtl="0"/>
-            <a:r>
-              <a:rPr lang="fr-FR" dirty="0" err="1"/>
-              <a:t>Iteration</a:t>
-            </a:r>
-            <a:r>
-              <a:rPr lang="fr-FR" dirty="0"/>
-              <a:t> 4 : 20/12</a:t>
-            </a:r>
-          </a:p>
-        </p:txBody>
-      </p:sp>
-      <p:sp>
-        <p:nvSpPr>
-          <p:cNvPr id="6" name="Espace réservé du contenu 5"/>
-          <p:cNvSpPr>
-            <a:spLocks noGrp="1"/>
-          </p:cNvSpPr>
-          <p:nvPr>
-            <p:ph sz="quarter" idx="4"/>
-          </p:nvPr>
-        </p:nvSpPr>
-        <p:spPr>
-          <a:xfrm>
-            <a:off x="5951984" y="2037947"/>
-            <a:ext cx="4990336" cy="959405"/>
-          </a:xfrm>
-        </p:spPr>
-        <p:txBody>
-          <a:bodyPr rtlCol="0">
-            <a:noAutofit/>
-          </a:bodyPr>
-          <a:lstStyle/>
-          <a:p>
-            <a:r>
-              <a:rPr lang="fr-FR" sz="2000" dirty="0"/>
-              <a:t>Jouer les tour de jeu au </a:t>
-            </a:r>
-            <a:r>
-              <a:rPr lang="fr-FR" sz="2000" dirty="0" err="1"/>
-              <a:t>Yams</a:t>
-            </a:r>
-            <a:r>
-              <a:rPr lang="fr-FR" sz="2000" dirty="0"/>
-              <a:t> fluidement</a:t>
-            </a:r>
-          </a:p>
-          <a:p>
-            <a:r>
-              <a:rPr lang="fr-FR" sz="2000" dirty="0"/>
-              <a:t>2 joueurs fixe</a:t>
-            </a:r>
-          </a:p>
-          <a:p>
-            <a:endParaRPr lang="fr-FR" sz="2000" dirty="0"/>
-          </a:p>
-          <a:p>
-            <a:pPr marL="0" indent="0">
-              <a:buNone/>
-            </a:pPr>
-            <a:r>
-              <a:rPr lang="fr-FR" sz="2000" dirty="0"/>
-              <a:t> </a:t>
-            </a:r>
-          </a:p>
-          <a:p>
-            <a:pPr rtl="0"/>
-            <a:endParaRPr lang="fr-FR" sz="2000" dirty="0"/>
-          </a:p>
-        </p:txBody>
-      </p:sp>
-      <p:sp>
-        <p:nvSpPr>
-          <p:cNvPr id="7" name="Espace réservé du texte 4">
-            <a:extLst>
-              <a:ext uri="{FF2B5EF4-FFF2-40B4-BE49-F238E27FC236}">
-                <a16:creationId xmlns:a16="http://schemas.microsoft.com/office/drawing/2014/main" id="{F357B1C4-5DCE-448E-82F3-5BD3DE338BAA}"/>
+                <a16:creationId xmlns:a16="http://schemas.microsoft.com/office/drawing/2014/main" id="{C098F969-07A1-48BD-8A99-E8CE2E165FAA}"/>
               </a:ext>
             </a:extLst>
           </p:cNvPr>
@@ -8723,222 +7568,16 @@
         </p:nvSpPr>
         <p:spPr>
           <a:xfrm>
-            <a:off x="6096000" y="1220257"/>
-            <a:ext cx="4846320" cy="823912"/>
+            <a:off x="335360" y="1723787"/>
+            <a:ext cx="4165104" cy="4343400"/>
           </a:xfrm>
           <a:prstGeom prst="rect">
             <a:avLst/>
           </a:prstGeom>
         </p:spPr>
         <p:txBody>
-          <a:bodyPr vert="horz" lIns="91440" tIns="45720" rIns="91440" bIns="45720" rtlCol="0" anchor="ctr">
-            <a:normAutofit/>
-          </a:bodyPr>
-          <a:lstStyle>
-            <a:lvl1pPr marL="0" indent="0" algn="l" defTabSz="914400" rtl="0" eaLnBrk="1" latinLnBrk="0" hangingPunct="1">
-              <a:lnSpc>
-                <a:spcPct val="90000"/>
-              </a:lnSpc>
-              <a:spcBef>
-                <a:spcPts val="1800"/>
-              </a:spcBef>
-              <a:buFont typeface="Arial" panose="020B0604020202020204" pitchFamily="34" charset="0"/>
-              <a:buNone/>
-              <a:defRPr sz="2400" b="0" kern="1200">
-                <a:solidFill>
-                  <a:schemeClr val="bg2">
-                    <a:lumMod val="50000"/>
-                    <a:lumOff val="50000"/>
-                  </a:schemeClr>
-                </a:solidFill>
-                <a:latin typeface="+mn-lt"/>
-                <a:ea typeface="+mn-ea"/>
-                <a:cs typeface="+mn-cs"/>
-              </a:defRPr>
-            </a:lvl1pPr>
-            <a:lvl2pPr marL="457200" indent="0" algn="l" defTabSz="914400" rtl="0" eaLnBrk="1" latinLnBrk="0" hangingPunct="1">
-              <a:lnSpc>
-                <a:spcPct val="90000"/>
-              </a:lnSpc>
-              <a:spcBef>
-                <a:spcPts val="1200"/>
-              </a:spcBef>
-              <a:buFont typeface="Arial" panose="020B0604020202020204" pitchFamily="34" charset="0"/>
-              <a:buNone/>
-              <a:defRPr sz="2000" b="1" kern="1200">
-                <a:solidFill>
-                  <a:schemeClr val="tx1"/>
-                </a:solidFill>
-                <a:latin typeface="+mn-lt"/>
-                <a:ea typeface="+mn-ea"/>
-                <a:cs typeface="+mn-cs"/>
-              </a:defRPr>
-            </a:lvl2pPr>
-            <a:lvl3pPr marL="914400" indent="0" algn="l" defTabSz="914400" rtl="0" eaLnBrk="1" latinLnBrk="0" hangingPunct="1">
-              <a:lnSpc>
-                <a:spcPct val="90000"/>
-              </a:lnSpc>
-              <a:spcBef>
-                <a:spcPts val="600"/>
-              </a:spcBef>
-              <a:buFont typeface="Arial" panose="020B0604020202020204" pitchFamily="34" charset="0"/>
-              <a:buNone/>
-              <a:defRPr sz="1800" b="1" kern="1200">
-                <a:solidFill>
-                  <a:schemeClr val="tx1"/>
-                </a:solidFill>
-                <a:latin typeface="+mn-lt"/>
-                <a:ea typeface="+mn-ea"/>
-                <a:cs typeface="+mn-cs"/>
-              </a:defRPr>
-            </a:lvl3pPr>
-            <a:lvl4pPr marL="1371600" indent="0" algn="l" defTabSz="914400" rtl="0" eaLnBrk="1" latinLnBrk="0" hangingPunct="1">
-              <a:lnSpc>
-                <a:spcPct val="90000"/>
-              </a:lnSpc>
-              <a:spcBef>
-                <a:spcPts val="600"/>
-              </a:spcBef>
-              <a:buFont typeface="Arial" panose="020B0604020202020204" pitchFamily="34" charset="0"/>
-              <a:buNone/>
-              <a:defRPr sz="1600" b="1" kern="1200">
-                <a:solidFill>
-                  <a:schemeClr val="tx1"/>
-                </a:solidFill>
-                <a:latin typeface="+mn-lt"/>
-                <a:ea typeface="+mn-ea"/>
-                <a:cs typeface="+mn-cs"/>
-              </a:defRPr>
-            </a:lvl4pPr>
-            <a:lvl5pPr marL="1828800" indent="0" algn="l" defTabSz="914400" rtl="0" eaLnBrk="1" latinLnBrk="0" hangingPunct="1">
-              <a:lnSpc>
-                <a:spcPct val="90000"/>
-              </a:lnSpc>
-              <a:spcBef>
-                <a:spcPts val="600"/>
-              </a:spcBef>
-              <a:buFont typeface="Arial" panose="020B0604020202020204" pitchFamily="34" charset="0"/>
-              <a:buNone/>
-              <a:defRPr sz="1600" b="1" kern="1200">
-                <a:solidFill>
-                  <a:schemeClr val="tx1"/>
-                </a:solidFill>
-                <a:latin typeface="+mn-lt"/>
-                <a:ea typeface="+mn-ea"/>
-                <a:cs typeface="+mn-cs"/>
-              </a:defRPr>
-            </a:lvl5pPr>
-            <a:lvl6pPr marL="2286000" indent="0" algn="l" defTabSz="914400" rtl="0" eaLnBrk="1" latinLnBrk="0" hangingPunct="1">
-              <a:lnSpc>
-                <a:spcPct val="90000"/>
-              </a:lnSpc>
-              <a:spcBef>
-                <a:spcPts val="600"/>
-              </a:spcBef>
-              <a:buFont typeface="Arial" panose="020B0604020202020204" pitchFamily="34" charset="0"/>
-              <a:buNone/>
-              <a:defRPr sz="1600" b="1" kern="1200">
-                <a:solidFill>
-                  <a:schemeClr val="tx1"/>
-                </a:solidFill>
-                <a:latin typeface="+mn-lt"/>
-                <a:ea typeface="+mn-ea"/>
-                <a:cs typeface="+mn-cs"/>
-              </a:defRPr>
-            </a:lvl6pPr>
-            <a:lvl7pPr marL="2743200" indent="0" algn="l" defTabSz="914400" rtl="0" eaLnBrk="1" latinLnBrk="0" hangingPunct="1">
-              <a:lnSpc>
-                <a:spcPct val="90000"/>
-              </a:lnSpc>
-              <a:spcBef>
-                <a:spcPts val="600"/>
-              </a:spcBef>
-              <a:buFont typeface="Arial" panose="020B0604020202020204" pitchFamily="34" charset="0"/>
-              <a:buNone/>
-              <a:defRPr sz="1600" b="1" kern="1200">
-                <a:solidFill>
-                  <a:schemeClr val="tx1"/>
-                </a:solidFill>
-                <a:latin typeface="+mn-lt"/>
-                <a:ea typeface="+mn-ea"/>
-                <a:cs typeface="+mn-cs"/>
-              </a:defRPr>
-            </a:lvl7pPr>
-            <a:lvl8pPr marL="3200400" indent="0" algn="l" defTabSz="914400" rtl="0" eaLnBrk="1" latinLnBrk="0" hangingPunct="1">
-              <a:lnSpc>
-                <a:spcPct val="90000"/>
-              </a:lnSpc>
-              <a:spcBef>
-                <a:spcPts val="600"/>
-              </a:spcBef>
-              <a:buFont typeface="Arial" panose="020B0604020202020204" pitchFamily="34" charset="0"/>
-              <a:buNone/>
-              <a:defRPr sz="1600" b="1" kern="1200">
-                <a:solidFill>
-                  <a:schemeClr val="tx1"/>
-                </a:solidFill>
-                <a:latin typeface="+mn-lt"/>
-                <a:ea typeface="+mn-ea"/>
-                <a:cs typeface="+mn-cs"/>
-              </a:defRPr>
-            </a:lvl8pPr>
-            <a:lvl9pPr marL="3657600" indent="0" algn="l" defTabSz="914400" rtl="0" eaLnBrk="1" latinLnBrk="0" hangingPunct="1">
-              <a:lnSpc>
-                <a:spcPct val="90000"/>
-              </a:lnSpc>
-              <a:spcBef>
-                <a:spcPts val="600"/>
-              </a:spcBef>
-              <a:buFont typeface="Arial" panose="020B0604020202020204" pitchFamily="34" charset="0"/>
-              <a:buNone/>
-              <a:defRPr sz="1600" b="1" kern="1200">
-                <a:solidFill>
-                  <a:schemeClr val="tx1"/>
-                </a:solidFill>
-                <a:latin typeface="+mn-lt"/>
-                <a:ea typeface="+mn-ea"/>
-                <a:cs typeface="+mn-cs"/>
-              </a:defRPr>
-            </a:lvl9pPr>
-          </a:lstStyle>
-          <a:p>
-            <a:r>
-              <a:rPr lang="fr-FR" dirty="0" err="1"/>
-              <a:t>Iteration</a:t>
-            </a:r>
-            <a:r>
-              <a:rPr lang="fr-FR" dirty="0"/>
-              <a:t> 3 : 14/12</a:t>
-            </a:r>
-          </a:p>
-        </p:txBody>
-      </p:sp>
-      <p:sp>
-        <p:nvSpPr>
-          <p:cNvPr id="10" name="Espace réservé du contenu 5">
-            <a:extLst>
-              <a:ext uri="{FF2B5EF4-FFF2-40B4-BE49-F238E27FC236}">
-                <a16:creationId xmlns:a16="http://schemas.microsoft.com/office/drawing/2014/main" id="{07ABBFB7-63B7-4DD2-9817-2350BD8D79EF}"/>
-              </a:ext>
-            </a:extLst>
-          </p:cNvPr>
-          <p:cNvSpPr txBox="1">
-            <a:spLocks/>
-          </p:cNvSpPr>
-          <p:nvPr/>
-        </p:nvSpPr>
-        <p:spPr>
-          <a:xfrm>
-            <a:off x="5953581" y="3320547"/>
-            <a:ext cx="5536095" cy="1656184"/>
-          </a:xfrm>
-          <a:prstGeom prst="rect">
-            <a:avLst/>
-          </a:prstGeom>
-        </p:spPr>
-        <p:txBody>
           <a:bodyPr vert="horz" lIns="91440" tIns="45720" rIns="91440" bIns="45720" rtlCol="0">
-            <a:normAutofit fontScale="85000" lnSpcReduction="20000"/>
+            <a:normAutofit lnSpcReduction="10000"/>
           </a:bodyPr>
           <a:lstStyle>
             <a:lvl1pPr marL="228600" indent="-228600" algn="l" defTabSz="914400" rtl="0" eaLnBrk="1" latinLnBrk="0" hangingPunct="1">
@@ -9105,44 +7744,1358 @@
             </a:lvl9pPr>
           </a:lstStyle>
           <a:p>
-            <a:pPr marL="0" indent="0">
-              <a:buNone/>
+            <a:pPr lvl="1"/>
+            <a:r>
+              <a:rPr lang="fr-FR" sz="3600" dirty="0"/>
+              <a:t>Règle du Jeu</a:t>
+            </a:r>
+          </a:p>
+          <a:p>
+            <a:pPr lvl="1"/>
+            <a:endParaRPr lang="fr-FR" sz="3600" dirty="0"/>
+          </a:p>
+          <a:p>
+            <a:pPr lvl="1"/>
+            <a:r>
+              <a:rPr lang="fr-FR" sz="3600" dirty="0">
+                <a:solidFill>
+                  <a:schemeClr val="bg1"/>
+                </a:solidFill>
+                <a:highlight>
+                  <a:srgbClr val="FFFF00"/>
+                </a:highlight>
+              </a:rPr>
+              <a:t>Fonctionnalités</a:t>
+            </a:r>
+          </a:p>
+          <a:p>
+            <a:pPr lvl="1"/>
+            <a:endParaRPr lang="fr-FR" sz="3600" dirty="0">
+              <a:solidFill>
+                <a:schemeClr val="bg1"/>
+              </a:solidFill>
+              <a:highlight>
+                <a:srgbClr val="FFFF00"/>
+              </a:highlight>
+            </a:endParaRPr>
+          </a:p>
+          <a:p>
+            <a:pPr lvl="1"/>
+            <a:r>
+              <a:rPr lang="fr-FR" sz="3600" dirty="0">
+                <a:solidFill>
+                  <a:schemeClr val="bg1"/>
+                </a:solidFill>
+                <a:highlight>
+                  <a:srgbClr val="FFFF00"/>
+                </a:highlight>
+              </a:rPr>
+              <a:t>Processus</a:t>
+            </a:r>
+          </a:p>
+          <a:p>
+            <a:pPr lvl="1"/>
+            <a:endParaRPr lang="fr-FR" sz="3600" dirty="0">
+              <a:solidFill>
+                <a:schemeClr val="bg1"/>
+              </a:solidFill>
+            </a:endParaRPr>
+          </a:p>
+          <a:p>
+            <a:pPr lvl="1"/>
+            <a:r>
+              <a:rPr lang="fr-FR" sz="3600" dirty="0"/>
+              <a:t> Architecture</a:t>
+            </a:r>
+          </a:p>
+        </p:txBody>
+      </p:sp>
+    </p:spTree>
+    <p:extLst>
+      <p:ext uri="{BB962C8B-B14F-4D97-AF65-F5344CB8AC3E}">
+        <p14:creationId xmlns:p14="http://schemas.microsoft.com/office/powerpoint/2010/main" val="814205197"/>
+      </p:ext>
+    </p:extLst>
+  </p:cSld>
+  <p:clrMapOvr>
+    <a:masterClrMapping/>
+  </p:clrMapOvr>
+  <mc:AlternateContent xmlns:mc="http://schemas.openxmlformats.org/markup-compatibility/2006" xmlns:p14="http://schemas.microsoft.com/office/powerpoint/2010/main">
+    <mc:Choice Requires="p14">
+      <p:transition spd="med" p14:dur="700">
+        <p:fade/>
+      </p:transition>
+    </mc:Choice>
+    <mc:Fallback xmlns="">
+      <p:transition spd="med">
+        <p:fade/>
+      </p:transition>
+    </mc:Fallback>
+  </mc:AlternateContent>
+</p:sld>
+</file>
+
+<file path=ppt/slides/slide5.xml><?xml version="1.0" encoding="utf-8"?>
+<p:sld xmlns:a="http://schemas.openxmlformats.org/drawingml/2006/main" xmlns:r="http://schemas.openxmlformats.org/officeDocument/2006/relationships" xmlns:p="http://schemas.openxmlformats.org/presentationml/2006/main">
+  <p:cSld>
+    <p:spTree>
+      <p:nvGrpSpPr>
+        <p:cNvPr id="1" name=""/>
+        <p:cNvGrpSpPr/>
+        <p:nvPr/>
+      </p:nvGrpSpPr>
+      <p:grpSpPr>
+        <a:xfrm>
+          <a:off x="0" y="0"/>
+          <a:ext cx="0" cy="0"/>
+          <a:chOff x="0" y="0"/>
+          <a:chExt cx="0" cy="0"/>
+        </a:xfrm>
+      </p:grpSpPr>
+      <p:sp>
+        <p:nvSpPr>
+          <p:cNvPr id="2" name="Titre 1"/>
+          <p:cNvSpPr>
+            <a:spLocks noGrp="1"/>
+          </p:cNvSpPr>
+          <p:nvPr>
+            <p:ph type="title"/>
+          </p:nvPr>
+        </p:nvSpPr>
+        <p:spPr>
+          <a:xfrm>
+            <a:off x="0" y="0"/>
+            <a:ext cx="10058400" cy="1143000"/>
+          </a:xfrm>
+        </p:spPr>
+        <p:txBody>
+          <a:bodyPr rtlCol="0"/>
+          <a:lstStyle/>
+          <a:p>
+            <a:pPr marL="457200" lvl="0" indent="-457200">
+              <a:buFont typeface="+mj-lt"/>
+              <a:buAutoNum type="arabicPeriod"/>
             </a:pPr>
-            <a:endParaRPr lang="fr-FR" b="1" dirty="0"/>
-          </a:p>
-          <a:p>
             <a:r>
               <a:rPr lang="fr-FR" dirty="0"/>
-              <a:t>Multijoueur N clients potentiel </a:t>
-            </a:r>
-          </a:p>
-          <a:p>
-            <a:r>
-              <a:rPr lang="fr-FR" dirty="0"/>
-              <a:t>Statistiques </a:t>
-            </a:r>
-          </a:p>
-          <a:p>
-            <a:pPr marL="0" indent="0">
-              <a:buFont typeface="Arial" panose="020B0604020202020204" pitchFamily="34" charset="0"/>
-              <a:buNone/>
-            </a:pPr>
-            <a:r>
-              <a:rPr lang="fr-FR" dirty="0"/>
-              <a:t> </a:t>
-            </a:r>
-          </a:p>
-          <a:p>
-            <a:endParaRPr lang="fr-FR" dirty="0"/>
-          </a:p>
-        </p:txBody>
-      </p:sp>
-      <p:sp>
-        <p:nvSpPr>
-          <p:cNvPr id="11" name="Espace réservé du texte 4">
+              <a:t>Description du Jeu</a:t>
+            </a:r>
+          </a:p>
+        </p:txBody>
+      </p:sp>
+      <p:sp>
+        <p:nvSpPr>
+          <p:cNvPr id="4" name="ZoneTexte 3">
             <a:extLst>
               <a:ext uri="{FF2B5EF4-FFF2-40B4-BE49-F238E27FC236}">
-                <a16:creationId xmlns:a16="http://schemas.microsoft.com/office/drawing/2014/main" id="{56EEE2A9-DC01-437A-8AD7-923F5F3D6B97}"/>
+                <a16:creationId xmlns:a16="http://schemas.microsoft.com/office/drawing/2014/main" id="{59603BE1-9EE8-4F6B-A1DF-B66EF742B159}"/>
+              </a:ext>
+            </a:extLst>
+          </p:cNvPr>
+          <p:cNvSpPr txBox="1"/>
+          <p:nvPr/>
+        </p:nvSpPr>
+        <p:spPr>
+          <a:xfrm>
+            <a:off x="5542919" y="6507992"/>
+            <a:ext cx="5213420" cy="369332"/>
+          </a:xfrm>
+          <a:prstGeom prst="rect">
+            <a:avLst/>
+          </a:prstGeom>
+          <a:noFill/>
+        </p:spPr>
+        <p:txBody>
+          <a:bodyPr wrap="square" rtlCol="0">
+            <a:spAutoFit/>
+          </a:bodyPr>
+          <a:lstStyle/>
+          <a:p>
+            <a:r>
+              <a:rPr lang="fr-FR" dirty="0"/>
+              <a:t>	(schéma a réitéré n fois pour n joueurs)</a:t>
+            </a:r>
+          </a:p>
+        </p:txBody>
+      </p:sp>
+      <p:sp>
+        <p:nvSpPr>
+          <p:cNvPr id="7" name="Rectangle 6">
+            <a:extLst>
+              <a:ext uri="{FF2B5EF4-FFF2-40B4-BE49-F238E27FC236}">
+                <a16:creationId xmlns:a16="http://schemas.microsoft.com/office/drawing/2014/main" id="{3AC7C8ED-6B5B-4B2B-AED8-9765404F0A85}"/>
+              </a:ext>
+            </a:extLst>
+          </p:cNvPr>
+          <p:cNvSpPr/>
+          <p:nvPr/>
+        </p:nvSpPr>
+        <p:spPr>
+          <a:xfrm>
+            <a:off x="8551632" y="70469"/>
+            <a:ext cx="3467100" cy="2025469"/>
+          </a:xfrm>
+          <a:prstGeom prst="rect">
+            <a:avLst/>
+          </a:prstGeom>
+          <a:solidFill>
+            <a:srgbClr val="002060"/>
+          </a:solidFill>
+        </p:spPr>
+        <p:style>
+          <a:lnRef idx="2">
+            <a:schemeClr val="accent1">
+              <a:shade val="50000"/>
+            </a:schemeClr>
+          </a:lnRef>
+          <a:fillRef idx="1">
+            <a:schemeClr val="accent1"/>
+          </a:fillRef>
+          <a:effectRef idx="0">
+            <a:schemeClr val="accent1"/>
+          </a:effectRef>
+          <a:fontRef idx="minor">
+            <a:schemeClr val="lt1"/>
+          </a:fontRef>
+        </p:style>
+        <p:txBody>
+          <a:bodyPr rot="0" spcFirstLastPara="0" vert="horz" wrap="square" lIns="91440" tIns="45720" rIns="91440" bIns="45720" numCol="1" spcCol="0" rtlCol="0" fromWordArt="0" anchor="ctr" anchorCtr="0" forceAA="0" compatLnSpc="1">
+            <a:prstTxWarp prst="textNoShape">
+              <a:avLst/>
+            </a:prstTxWarp>
+            <a:noAutofit/>
+          </a:bodyPr>
+          <a:lstStyle/>
+          <a:p>
+            <a:pPr algn="ctr">
+              <a:lnSpc>
+                <a:spcPct val="120000"/>
+              </a:lnSpc>
+              <a:spcAft>
+                <a:spcPts val="1000"/>
+              </a:spcAft>
+            </a:pPr>
+            <a:r>
+              <a:rPr lang="fr-FR" dirty="0">
+                <a:effectLst/>
+                <a:ea typeface="Times New Roman" panose="02020603050405020304" pitchFamily="18" charset="0"/>
+                <a:cs typeface="Times New Roman" panose="02020603050405020304" pitchFamily="18" charset="0"/>
+              </a:rPr>
+              <a:t>BDD : </a:t>
+            </a:r>
+          </a:p>
+          <a:p>
+            <a:pPr algn="ctr">
+              <a:lnSpc>
+                <a:spcPct val="120000"/>
+              </a:lnSpc>
+              <a:spcAft>
+                <a:spcPts val="1000"/>
+              </a:spcAft>
+            </a:pPr>
+            <a:r>
+              <a:rPr lang="fr-FR" dirty="0">
+                <a:effectLst/>
+                <a:ea typeface="Times New Roman" panose="02020603050405020304" pitchFamily="18" charset="0"/>
+                <a:cs typeface="Times New Roman" panose="02020603050405020304" pitchFamily="18" charset="0"/>
+              </a:rPr>
+              <a:t>Structure  Joueur (Nom, lancé, Feuille de Match)</a:t>
+            </a:r>
+          </a:p>
+          <a:p>
+            <a:pPr algn="ctr">
+              <a:lnSpc>
+                <a:spcPct val="120000"/>
+              </a:lnSpc>
+              <a:spcAft>
+                <a:spcPts val="1000"/>
+              </a:spcAft>
+            </a:pPr>
+            <a:r>
+              <a:rPr lang="fr-FR" dirty="0">
+                <a:ea typeface="Times New Roman" panose="02020603050405020304" pitchFamily="18" charset="0"/>
+                <a:cs typeface="Times New Roman" panose="02020603050405020304" pitchFamily="18" charset="0"/>
+              </a:rPr>
+              <a:t>Fichier</a:t>
+            </a:r>
+            <a:r>
+              <a:rPr lang="fr-FR" dirty="0">
+                <a:effectLst/>
+                <a:ea typeface="Times New Roman" panose="02020603050405020304" pitchFamily="18" charset="0"/>
+                <a:cs typeface="Times New Roman" panose="02020603050405020304" pitchFamily="18" charset="0"/>
+              </a:rPr>
+              <a:t> Stat : stat tout les joueurs</a:t>
+            </a:r>
+          </a:p>
+        </p:txBody>
+      </p:sp>
+      <p:sp>
+        <p:nvSpPr>
+          <p:cNvPr id="8" name="Rectangle 7">
+            <a:extLst>
+              <a:ext uri="{FF2B5EF4-FFF2-40B4-BE49-F238E27FC236}">
+                <a16:creationId xmlns:a16="http://schemas.microsoft.com/office/drawing/2014/main" id="{69E9102D-B9CA-4C9C-934A-0687595062C6}"/>
+              </a:ext>
+            </a:extLst>
+          </p:cNvPr>
+          <p:cNvSpPr/>
+          <p:nvPr/>
+        </p:nvSpPr>
+        <p:spPr>
+          <a:xfrm>
+            <a:off x="4632003" y="70469"/>
+            <a:ext cx="3264197" cy="2025469"/>
+          </a:xfrm>
+          <a:prstGeom prst="rect">
+            <a:avLst/>
+          </a:prstGeom>
+          <a:solidFill>
+            <a:srgbClr val="002060"/>
+          </a:solidFill>
+        </p:spPr>
+        <p:style>
+          <a:lnRef idx="2">
+            <a:schemeClr val="accent1">
+              <a:shade val="50000"/>
+            </a:schemeClr>
+          </a:lnRef>
+          <a:fillRef idx="1">
+            <a:schemeClr val="accent1"/>
+          </a:fillRef>
+          <a:effectRef idx="0">
+            <a:schemeClr val="accent1"/>
+          </a:effectRef>
+          <a:fontRef idx="minor">
+            <a:schemeClr val="lt1"/>
+          </a:fontRef>
+        </p:style>
+        <p:txBody>
+          <a:bodyPr rot="0" spcFirstLastPara="0" vert="horz" wrap="square" lIns="91440" tIns="45720" rIns="91440" bIns="45720" numCol="1" spcCol="0" rtlCol="0" fromWordArt="0" anchor="ctr" anchorCtr="0" forceAA="0" compatLnSpc="1">
+            <a:prstTxWarp prst="textNoShape">
+              <a:avLst/>
+            </a:prstTxWarp>
+            <a:noAutofit/>
+          </a:bodyPr>
+          <a:lstStyle/>
+          <a:p>
+            <a:pPr algn="ctr">
+              <a:lnSpc>
+                <a:spcPct val="120000"/>
+              </a:lnSpc>
+              <a:spcAft>
+                <a:spcPts val="1000"/>
+              </a:spcAft>
+            </a:pPr>
+            <a:endParaRPr lang="fr-FR" dirty="0">
+              <a:effectLst/>
+              <a:ea typeface="Times New Roman" panose="02020603050405020304" pitchFamily="18" charset="0"/>
+              <a:cs typeface="Times New Roman" panose="02020603050405020304" pitchFamily="18" charset="0"/>
+            </a:endParaRPr>
+          </a:p>
+          <a:p>
+            <a:pPr algn="ctr">
+              <a:lnSpc>
+                <a:spcPct val="120000"/>
+              </a:lnSpc>
+              <a:spcAft>
+                <a:spcPts val="1000"/>
+              </a:spcAft>
+            </a:pPr>
+            <a:r>
+              <a:rPr lang="fr-FR" dirty="0">
+                <a:effectLst/>
+                <a:ea typeface="Times New Roman" panose="02020603050405020304" pitchFamily="18" charset="0"/>
+                <a:cs typeface="Times New Roman" panose="02020603050405020304" pitchFamily="18" charset="0"/>
+              </a:rPr>
+              <a:t>Stats : </a:t>
+            </a:r>
+          </a:p>
+          <a:p>
+            <a:pPr algn="ctr">
+              <a:lnSpc>
+                <a:spcPct val="120000"/>
+              </a:lnSpc>
+              <a:spcAft>
+                <a:spcPts val="1000"/>
+              </a:spcAft>
+            </a:pPr>
+            <a:r>
+              <a:rPr lang="fr-FR" dirty="0">
+                <a:effectLst/>
+                <a:ea typeface="Times New Roman" panose="02020603050405020304" pitchFamily="18" charset="0"/>
+                <a:cs typeface="Times New Roman" panose="02020603050405020304" pitchFamily="18" charset="0"/>
+              </a:rPr>
+              <a:t>Récupération D</a:t>
+            </a:r>
+            <a:r>
+              <a:rPr lang="fr-FR" dirty="0">
+                <a:ea typeface="Times New Roman" panose="02020603050405020304" pitchFamily="18" charset="0"/>
+                <a:cs typeface="Times New Roman" panose="02020603050405020304" pitchFamily="18" charset="0"/>
+              </a:rPr>
+              <a:t>onnées Lancés</a:t>
+            </a:r>
+            <a:endParaRPr lang="fr-FR" dirty="0">
+              <a:effectLst/>
+              <a:ea typeface="Times New Roman" panose="02020603050405020304" pitchFamily="18" charset="0"/>
+              <a:cs typeface="Times New Roman" panose="02020603050405020304" pitchFamily="18" charset="0"/>
+            </a:endParaRPr>
+          </a:p>
+          <a:p>
+            <a:pPr algn="ctr">
+              <a:lnSpc>
+                <a:spcPct val="120000"/>
+              </a:lnSpc>
+              <a:spcAft>
+                <a:spcPts val="1000"/>
+              </a:spcAft>
+            </a:pPr>
+            <a:r>
+              <a:rPr lang="fr-FR" strike="sngStrike" dirty="0">
+                <a:effectLst/>
+                <a:ea typeface="Times New Roman" panose="02020603050405020304" pitchFamily="18" charset="0"/>
+                <a:cs typeface="Times New Roman" panose="02020603050405020304" pitchFamily="18" charset="0"/>
+              </a:rPr>
+              <a:t>Calcul Stat </a:t>
+            </a:r>
+          </a:p>
+          <a:p>
+            <a:pPr algn="ctr">
+              <a:lnSpc>
+                <a:spcPct val="120000"/>
+              </a:lnSpc>
+              <a:spcAft>
+                <a:spcPts val="1000"/>
+              </a:spcAft>
+            </a:pPr>
+            <a:r>
+              <a:rPr lang="fr-FR" strike="sngStrike" dirty="0">
+                <a:ea typeface="Times New Roman" panose="02020603050405020304" pitchFamily="18" charset="0"/>
+                <a:cs typeface="Times New Roman" panose="02020603050405020304" pitchFamily="18" charset="0"/>
+              </a:rPr>
+              <a:t>A</a:t>
+            </a:r>
+            <a:r>
+              <a:rPr lang="fr-FR" strike="sngStrike" dirty="0">
+                <a:effectLst/>
+                <a:ea typeface="Times New Roman" panose="02020603050405020304" pitchFamily="18" charset="0"/>
+                <a:cs typeface="Times New Roman" panose="02020603050405020304" pitchFamily="18" charset="0"/>
+              </a:rPr>
+              <a:t>ffichage</a:t>
+            </a:r>
+            <a:r>
+              <a:rPr lang="fr-FR" dirty="0">
+                <a:effectLst/>
+                <a:ea typeface="Times New Roman" panose="02020603050405020304" pitchFamily="18" charset="0"/>
+                <a:cs typeface="Times New Roman" panose="02020603050405020304" pitchFamily="18" charset="0"/>
+              </a:rPr>
+              <a:t> </a:t>
+            </a:r>
+          </a:p>
+          <a:p>
+            <a:pPr algn="ctr">
+              <a:lnSpc>
+                <a:spcPct val="120000"/>
+              </a:lnSpc>
+              <a:spcAft>
+                <a:spcPts val="1000"/>
+              </a:spcAft>
+            </a:pPr>
+            <a:r>
+              <a:rPr lang="fr-FR" sz="1050" dirty="0">
+                <a:effectLst/>
+                <a:ea typeface="Times New Roman" panose="02020603050405020304" pitchFamily="18" charset="0"/>
+                <a:cs typeface="Times New Roman" panose="02020603050405020304" pitchFamily="18" charset="0"/>
+              </a:rPr>
+              <a:t> </a:t>
+            </a:r>
+          </a:p>
+        </p:txBody>
+      </p:sp>
+      <p:sp>
+        <p:nvSpPr>
+          <p:cNvPr id="9" name="Rectangle : coins arrondis 8">
+            <a:extLst>
+              <a:ext uri="{FF2B5EF4-FFF2-40B4-BE49-F238E27FC236}">
+                <a16:creationId xmlns:a16="http://schemas.microsoft.com/office/drawing/2014/main" id="{DFC0FEF8-30CF-4E6F-AEBD-3DAAC4CDE9BC}"/>
+              </a:ext>
+            </a:extLst>
+          </p:cNvPr>
+          <p:cNvSpPr/>
+          <p:nvPr/>
+        </p:nvSpPr>
+        <p:spPr>
+          <a:xfrm>
+            <a:off x="6298855" y="2376457"/>
+            <a:ext cx="3881908" cy="1978340"/>
+          </a:xfrm>
+          <a:prstGeom prst="roundRect">
+            <a:avLst/>
+          </a:prstGeom>
+        </p:spPr>
+        <p:style>
+          <a:lnRef idx="2">
+            <a:schemeClr val="dk1">
+              <a:shade val="50000"/>
+            </a:schemeClr>
+          </a:lnRef>
+          <a:fillRef idx="1">
+            <a:schemeClr val="dk1"/>
+          </a:fillRef>
+          <a:effectRef idx="0">
+            <a:schemeClr val="dk1"/>
+          </a:effectRef>
+          <a:fontRef idx="minor">
+            <a:schemeClr val="lt1"/>
+          </a:fontRef>
+        </p:style>
+        <p:txBody>
+          <a:bodyPr rot="0" spcFirstLastPara="0" vert="horz" wrap="square" lIns="91440" tIns="45720" rIns="91440" bIns="45720" numCol="1" spcCol="0" rtlCol="0" fromWordArt="0" anchor="ctr" anchorCtr="0" forceAA="0" compatLnSpc="1">
+            <a:prstTxWarp prst="textNoShape">
+              <a:avLst/>
+            </a:prstTxWarp>
+            <a:noAutofit/>
+          </a:bodyPr>
+          <a:lstStyle/>
+          <a:p>
+            <a:pPr algn="ctr">
+              <a:lnSpc>
+                <a:spcPct val="120000"/>
+              </a:lnSpc>
+              <a:spcAft>
+                <a:spcPts val="1000"/>
+              </a:spcAft>
+            </a:pPr>
+            <a:r>
+              <a:rPr lang="fr-FR" sz="2000" dirty="0">
+                <a:effectLst/>
+                <a:ea typeface="Times New Roman" panose="02020603050405020304" pitchFamily="18" charset="0"/>
+                <a:cs typeface="Times New Roman" panose="02020603050405020304" pitchFamily="18" charset="0"/>
+              </a:rPr>
+              <a:t>Serveur : </a:t>
+            </a:r>
+          </a:p>
+          <a:p>
+            <a:pPr algn="ctr">
+              <a:lnSpc>
+                <a:spcPct val="120000"/>
+              </a:lnSpc>
+              <a:spcAft>
+                <a:spcPts val="1000"/>
+              </a:spcAft>
+            </a:pPr>
+            <a:r>
+              <a:rPr lang="fr-FR" sz="2000" dirty="0">
+                <a:effectLst/>
+                <a:ea typeface="Times New Roman" panose="02020603050405020304" pitchFamily="18" charset="0"/>
+                <a:cs typeface="Times New Roman" panose="02020603050405020304" pitchFamily="18" charset="0"/>
+              </a:rPr>
+              <a:t>Gestion des Joueurs : nom, stat </a:t>
+            </a:r>
+          </a:p>
+          <a:p>
+            <a:pPr algn="ctr">
+              <a:lnSpc>
+                <a:spcPct val="120000"/>
+              </a:lnSpc>
+              <a:spcAft>
+                <a:spcPts val="1000"/>
+              </a:spcAft>
+            </a:pPr>
+            <a:r>
+              <a:rPr lang="fr-FR" sz="2000" dirty="0">
+                <a:effectLst/>
+                <a:ea typeface="Times New Roman" panose="02020603050405020304" pitchFamily="18" charset="0"/>
+                <a:cs typeface="Times New Roman" panose="02020603050405020304" pitchFamily="18" charset="0"/>
+              </a:rPr>
+              <a:t>Gestion des stats </a:t>
+            </a:r>
+          </a:p>
+        </p:txBody>
+      </p:sp>
+      <p:sp>
+        <p:nvSpPr>
+          <p:cNvPr id="12" name="Flèche : double flèche verticale 11">
+            <a:extLst>
+              <a:ext uri="{FF2B5EF4-FFF2-40B4-BE49-F238E27FC236}">
+                <a16:creationId xmlns:a16="http://schemas.microsoft.com/office/drawing/2014/main" id="{8B5B1CF7-FFF3-4CFE-826A-4DDE8E068417}"/>
+              </a:ext>
+            </a:extLst>
+          </p:cNvPr>
+          <p:cNvSpPr/>
+          <p:nvPr/>
+        </p:nvSpPr>
+        <p:spPr>
+          <a:xfrm>
+            <a:off x="8178720" y="4354797"/>
+            <a:ext cx="345021" cy="497435"/>
+          </a:xfrm>
+          <a:prstGeom prst="upDownArrow">
+            <a:avLst/>
+          </a:prstGeom>
+          <a:solidFill>
+            <a:srgbClr val="FFC000"/>
+          </a:solidFill>
+        </p:spPr>
+        <p:style>
+          <a:lnRef idx="2">
+            <a:schemeClr val="accent1">
+              <a:shade val="50000"/>
+            </a:schemeClr>
+          </a:lnRef>
+          <a:fillRef idx="1">
+            <a:schemeClr val="accent1"/>
+          </a:fillRef>
+          <a:effectRef idx="0">
+            <a:schemeClr val="accent1"/>
+          </a:effectRef>
+          <a:fontRef idx="minor">
+            <a:schemeClr val="lt1"/>
+          </a:fontRef>
+        </p:style>
+        <p:txBody>
+          <a:bodyPr rot="0" spcFirstLastPara="0" vert="horz" wrap="square" lIns="91440" tIns="45720" rIns="91440" bIns="45720" numCol="1" spcCol="0" rtlCol="0" fromWordArt="0" anchor="ctr" anchorCtr="0" forceAA="0" compatLnSpc="1">
+            <a:prstTxWarp prst="textNoShape">
+              <a:avLst/>
+            </a:prstTxWarp>
+            <a:noAutofit/>
+          </a:bodyPr>
+          <a:lstStyle/>
+          <a:p>
+            <a:endParaRPr lang="fr-FR"/>
+          </a:p>
+        </p:txBody>
+      </p:sp>
+      <p:sp>
+        <p:nvSpPr>
+          <p:cNvPr id="11" name="Zone de texte 21">
+            <a:extLst>
+              <a:ext uri="{FF2B5EF4-FFF2-40B4-BE49-F238E27FC236}">
+                <a16:creationId xmlns:a16="http://schemas.microsoft.com/office/drawing/2014/main" id="{39C1FC02-F923-46CB-8406-D05560AC59A0}"/>
+              </a:ext>
+            </a:extLst>
+          </p:cNvPr>
+          <p:cNvSpPr txBox="1"/>
+          <p:nvPr/>
+        </p:nvSpPr>
+        <p:spPr>
+          <a:xfrm>
+            <a:off x="8430524" y="4323850"/>
+            <a:ext cx="1498435" cy="835735"/>
+          </a:xfrm>
+          <a:prstGeom prst="rect">
+            <a:avLst/>
+          </a:prstGeom>
+          <a:noFill/>
+          <a:ln>
+            <a:noFill/>
+          </a:ln>
+        </p:spPr>
+        <p:txBody>
+          <a:bodyPr rot="0" spcFirstLastPara="0" vert="horz" wrap="square" lIns="91440" tIns="45720" rIns="91440" bIns="45720" numCol="1" spcCol="0" rtlCol="0" fromWordArt="0" anchor="t" anchorCtr="0" forceAA="0" compatLnSpc="1">
+            <a:prstTxWarp prst="textNoShape">
+              <a:avLst/>
+            </a:prstTxWarp>
+            <a:noAutofit/>
+            <a:scene3d>
+              <a:camera prst="orthographicFront"/>
+              <a:lightRig rig="harsh" dir="t"/>
+            </a:scene3d>
+            <a:sp3d extrusionH="57150" prstMaterial="matte">
+              <a:bevelT w="63500" h="12700" prst="angle"/>
+              <a:contourClr>
+                <a:schemeClr val="bg1">
+                  <a:lumMod val="65000"/>
+                </a:schemeClr>
+              </a:contourClr>
+            </a:sp3d>
+          </a:bodyPr>
+          <a:lstStyle/>
+          <a:p>
+            <a:pPr algn="ctr">
+              <a:lnSpc>
+                <a:spcPct val="120000"/>
+              </a:lnSpc>
+              <a:spcAft>
+                <a:spcPts val="1000"/>
+              </a:spcAft>
+            </a:pPr>
+            <a:r>
+              <a:rPr lang="fr-FR" sz="2800" b="1" dirty="0">
+                <a:ln>
+                  <a:noFill/>
+                </a:ln>
+                <a:solidFill>
+                  <a:srgbClr val="FF0000"/>
+                </a:solidFill>
+                <a:effectLst/>
+                <a:latin typeface="Arial" panose="020B0604020202020204" pitchFamily="34" charset="0"/>
+                <a:ea typeface="Times New Roman" panose="02020603050405020304" pitchFamily="18" charset="0"/>
+                <a:cs typeface="Times New Roman" panose="02020603050405020304" pitchFamily="18" charset="0"/>
+              </a:rPr>
+              <a:t>Socket</a:t>
+            </a:r>
+            <a:endParaRPr lang="fr-FR" sz="2800" dirty="0">
+              <a:effectLst/>
+              <a:latin typeface="Arial" panose="020B0604020202020204" pitchFamily="34" charset="0"/>
+              <a:ea typeface="Times New Roman" panose="02020603050405020304" pitchFamily="18" charset="0"/>
+              <a:cs typeface="Times New Roman" panose="02020603050405020304" pitchFamily="18" charset="0"/>
+            </a:endParaRPr>
+          </a:p>
+        </p:txBody>
+      </p:sp>
+      <p:sp>
+        <p:nvSpPr>
+          <p:cNvPr id="13" name="Rectangle : coins arrondis 12">
+            <a:extLst>
+              <a:ext uri="{FF2B5EF4-FFF2-40B4-BE49-F238E27FC236}">
+                <a16:creationId xmlns:a16="http://schemas.microsoft.com/office/drawing/2014/main" id="{B5DA2B42-BF2C-4109-9A26-E9491F04EE22}"/>
+              </a:ext>
+            </a:extLst>
+          </p:cNvPr>
+          <p:cNvSpPr/>
+          <p:nvPr/>
+        </p:nvSpPr>
+        <p:spPr>
+          <a:xfrm>
+            <a:off x="6919290" y="4869160"/>
+            <a:ext cx="3065141" cy="1443435"/>
+          </a:xfrm>
+          <a:prstGeom prst="roundRect">
+            <a:avLst/>
+          </a:prstGeom>
+        </p:spPr>
+        <p:style>
+          <a:lnRef idx="2">
+            <a:schemeClr val="accent5">
+              <a:shade val="50000"/>
+            </a:schemeClr>
+          </a:lnRef>
+          <a:fillRef idx="1">
+            <a:schemeClr val="accent5"/>
+          </a:fillRef>
+          <a:effectRef idx="0">
+            <a:schemeClr val="accent5"/>
+          </a:effectRef>
+          <a:fontRef idx="minor">
+            <a:schemeClr val="lt1"/>
+          </a:fontRef>
+        </p:style>
+        <p:txBody>
+          <a:bodyPr rot="0" spcFirstLastPara="0" vert="horz" wrap="square" lIns="91440" tIns="45720" rIns="91440" bIns="45720" numCol="1" spcCol="0" rtlCol="0" fromWordArt="0" anchor="ctr" anchorCtr="0" forceAA="0" compatLnSpc="1">
+            <a:prstTxWarp prst="textNoShape">
+              <a:avLst/>
+            </a:prstTxWarp>
+            <a:noAutofit/>
+          </a:bodyPr>
+          <a:lstStyle/>
+          <a:p>
+            <a:pPr algn="ctr">
+              <a:lnSpc>
+                <a:spcPct val="120000"/>
+              </a:lnSpc>
+              <a:spcAft>
+                <a:spcPts val="1000"/>
+              </a:spcAft>
+            </a:pPr>
+            <a:endParaRPr lang="fr-FR" sz="1100" dirty="0">
+              <a:effectLst/>
+              <a:ea typeface="Times New Roman" panose="02020603050405020304" pitchFamily="18" charset="0"/>
+              <a:cs typeface="Times New Roman" panose="02020603050405020304" pitchFamily="18" charset="0"/>
+            </a:endParaRPr>
+          </a:p>
+          <a:p>
+            <a:pPr algn="ctr">
+              <a:lnSpc>
+                <a:spcPct val="120000"/>
+              </a:lnSpc>
+              <a:spcAft>
+                <a:spcPts val="1000"/>
+              </a:spcAft>
+            </a:pPr>
+            <a:r>
+              <a:rPr lang="fr-FR" dirty="0">
+                <a:effectLst/>
+                <a:ea typeface="Times New Roman" panose="02020603050405020304" pitchFamily="18" charset="0"/>
+                <a:cs typeface="Times New Roman" panose="02020603050405020304" pitchFamily="18" charset="0"/>
+              </a:rPr>
+              <a:t>Client : </a:t>
+            </a:r>
+          </a:p>
+          <a:p>
+            <a:pPr algn="ctr">
+              <a:lnSpc>
+                <a:spcPct val="120000"/>
+              </a:lnSpc>
+              <a:spcAft>
+                <a:spcPts val="1000"/>
+              </a:spcAft>
+            </a:pPr>
+            <a:r>
+              <a:rPr lang="fr-FR" dirty="0">
+                <a:effectLst/>
+                <a:ea typeface="Times New Roman" panose="02020603050405020304" pitchFamily="18" charset="0"/>
+                <a:cs typeface="Times New Roman" panose="02020603050405020304" pitchFamily="18" charset="0"/>
+              </a:rPr>
+              <a:t>Connexion à un Socket Libre </a:t>
+            </a:r>
+          </a:p>
+          <a:p>
+            <a:pPr algn="ctr">
+              <a:lnSpc>
+                <a:spcPct val="120000"/>
+              </a:lnSpc>
+              <a:spcAft>
+                <a:spcPts val="1000"/>
+              </a:spcAft>
+            </a:pPr>
+            <a:r>
+              <a:rPr lang="fr-FR" dirty="0">
+                <a:ea typeface="Times New Roman" panose="02020603050405020304" pitchFamily="18" charset="0"/>
+                <a:cs typeface="Times New Roman" panose="02020603050405020304" pitchFamily="18" charset="0"/>
+              </a:rPr>
+              <a:t>Feuille de Match &amp; </a:t>
+            </a:r>
+            <a:r>
+              <a:rPr lang="fr-FR" dirty="0">
+                <a:effectLst/>
+                <a:ea typeface="Times New Roman" panose="02020603050405020304" pitchFamily="18" charset="0"/>
+                <a:cs typeface="Times New Roman" panose="02020603050405020304" pitchFamily="18" charset="0"/>
+              </a:rPr>
+              <a:t>jeu </a:t>
+            </a:r>
+          </a:p>
+          <a:p>
+            <a:pPr algn="ctr">
+              <a:lnSpc>
+                <a:spcPct val="120000"/>
+              </a:lnSpc>
+              <a:spcAft>
+                <a:spcPts val="1000"/>
+              </a:spcAft>
+            </a:pPr>
+            <a:r>
+              <a:rPr lang="fr-FR" sz="1100" dirty="0">
+                <a:effectLst/>
+                <a:ea typeface="Times New Roman" panose="02020603050405020304" pitchFamily="18" charset="0"/>
+                <a:cs typeface="Times New Roman" panose="02020603050405020304" pitchFamily="18" charset="0"/>
+              </a:rPr>
+              <a:t> </a:t>
+            </a:r>
+          </a:p>
+        </p:txBody>
+      </p:sp>
+      <p:cxnSp>
+        <p:nvCxnSpPr>
+          <p:cNvPr id="25" name="Connecteur droit avec flèche 24">
+            <a:extLst>
+              <a:ext uri="{FF2B5EF4-FFF2-40B4-BE49-F238E27FC236}">
+                <a16:creationId xmlns:a16="http://schemas.microsoft.com/office/drawing/2014/main" id="{3179552E-8251-4FF7-8E0C-7B1B73CEBB7B}"/>
+              </a:ext>
+            </a:extLst>
+          </p:cNvPr>
+          <p:cNvCxnSpPr>
+            <a:cxnSpLocks/>
+            <a:endCxn id="8" idx="2"/>
+          </p:cNvCxnSpPr>
+          <p:nvPr/>
+        </p:nvCxnSpPr>
+        <p:spPr>
+          <a:xfrm flipH="1" flipV="1">
+            <a:off x="6264102" y="2095938"/>
+            <a:ext cx="1108932" cy="445272"/>
+          </a:xfrm>
+          <a:prstGeom prst="straightConnector1">
+            <a:avLst/>
+          </a:prstGeom>
+          <a:ln>
+            <a:solidFill>
+              <a:srgbClr val="FFFF00"/>
+            </a:solidFill>
+            <a:tailEnd type="triangle"/>
+          </a:ln>
+        </p:spPr>
+        <p:style>
+          <a:lnRef idx="1">
+            <a:schemeClr val="accent1"/>
+          </a:lnRef>
+          <a:fillRef idx="0">
+            <a:schemeClr val="accent1"/>
+          </a:fillRef>
+          <a:effectRef idx="0">
+            <a:schemeClr val="accent1"/>
+          </a:effectRef>
+          <a:fontRef idx="minor">
+            <a:schemeClr val="tx1"/>
+          </a:fontRef>
+        </p:style>
+      </p:cxnSp>
+      <p:cxnSp>
+        <p:nvCxnSpPr>
+          <p:cNvPr id="27" name="Connecteur droit avec flèche 26">
+            <a:extLst>
+              <a:ext uri="{FF2B5EF4-FFF2-40B4-BE49-F238E27FC236}">
+                <a16:creationId xmlns:a16="http://schemas.microsoft.com/office/drawing/2014/main" id="{7971D9D9-FE3A-463B-91DC-FB0F23482581}"/>
+              </a:ext>
+            </a:extLst>
+          </p:cNvPr>
+          <p:cNvCxnSpPr>
+            <a:cxnSpLocks/>
+            <a:endCxn id="7" idx="2"/>
+          </p:cNvCxnSpPr>
+          <p:nvPr/>
+        </p:nvCxnSpPr>
+        <p:spPr>
+          <a:xfrm flipV="1">
+            <a:off x="9179742" y="2095938"/>
+            <a:ext cx="1105440" cy="445272"/>
+          </a:xfrm>
+          <a:prstGeom prst="straightConnector1">
+            <a:avLst/>
+          </a:prstGeom>
+          <a:ln>
+            <a:solidFill>
+              <a:srgbClr val="FFFF00"/>
+            </a:solidFill>
+            <a:tailEnd type="triangle"/>
+          </a:ln>
+        </p:spPr>
+        <p:style>
+          <a:lnRef idx="1">
+            <a:schemeClr val="accent1"/>
+          </a:lnRef>
+          <a:fillRef idx="0">
+            <a:schemeClr val="accent1"/>
+          </a:fillRef>
+          <a:effectRef idx="0">
+            <a:schemeClr val="accent1"/>
+          </a:effectRef>
+          <a:fontRef idx="minor">
+            <a:schemeClr val="tx1"/>
+          </a:fontRef>
+        </p:style>
+      </p:cxnSp>
+      <p:sp>
+        <p:nvSpPr>
+          <p:cNvPr id="10" name="Ellipse 9">
+            <a:extLst>
+              <a:ext uri="{FF2B5EF4-FFF2-40B4-BE49-F238E27FC236}">
+                <a16:creationId xmlns:a16="http://schemas.microsoft.com/office/drawing/2014/main" id="{F4E2108E-CEB5-410C-91F8-CC3C6B333249}"/>
+              </a:ext>
+            </a:extLst>
+          </p:cNvPr>
+          <p:cNvSpPr/>
+          <p:nvPr/>
+        </p:nvSpPr>
+        <p:spPr>
+          <a:xfrm>
+            <a:off x="4151784" y="3774667"/>
+            <a:ext cx="3744416" cy="1780387"/>
+          </a:xfrm>
+          <a:prstGeom prst="ellipse">
+            <a:avLst/>
+          </a:prstGeom>
+          <a:solidFill>
+            <a:srgbClr val="FFC000"/>
+          </a:solidFill>
+        </p:spPr>
+        <p:style>
+          <a:lnRef idx="2">
+            <a:schemeClr val="accent1">
+              <a:shade val="50000"/>
+            </a:schemeClr>
+          </a:lnRef>
+          <a:fillRef idx="1">
+            <a:schemeClr val="accent1"/>
+          </a:fillRef>
+          <a:effectRef idx="0">
+            <a:schemeClr val="accent1"/>
+          </a:effectRef>
+          <a:fontRef idx="minor">
+            <a:schemeClr val="lt1"/>
+          </a:fontRef>
+        </p:style>
+        <p:txBody>
+          <a:bodyPr rot="0" spcFirstLastPara="0" vert="horz" wrap="square" lIns="91440" tIns="45720" rIns="91440" bIns="45720" numCol="1" spcCol="0" rtlCol="0" fromWordArt="0" anchor="ctr" anchorCtr="0" forceAA="0" compatLnSpc="1">
+            <a:prstTxWarp prst="textNoShape">
+              <a:avLst/>
+            </a:prstTxWarp>
+            <a:noAutofit/>
+          </a:bodyPr>
+          <a:lstStyle/>
+          <a:p>
+            <a:pPr algn="ctr">
+              <a:lnSpc>
+                <a:spcPct val="120000"/>
+              </a:lnSpc>
+              <a:spcAft>
+                <a:spcPts val="1000"/>
+              </a:spcAft>
+            </a:pPr>
+            <a:r>
+              <a:rPr lang="fr-FR" dirty="0">
+                <a:solidFill>
+                  <a:srgbClr val="FF0000"/>
+                </a:solidFill>
+                <a:effectLst/>
+                <a:ea typeface="Times New Roman" panose="02020603050405020304" pitchFamily="18" charset="0"/>
+                <a:cs typeface="Times New Roman" panose="02020603050405020304" pitchFamily="18" charset="0"/>
+              </a:rPr>
+              <a:t>Transit : </a:t>
+            </a:r>
+            <a:endParaRPr lang="fr-FR" dirty="0">
+              <a:effectLst/>
+              <a:ea typeface="Times New Roman" panose="02020603050405020304" pitchFamily="18" charset="0"/>
+              <a:cs typeface="Times New Roman" panose="02020603050405020304" pitchFamily="18" charset="0"/>
+            </a:endParaRPr>
+          </a:p>
+          <a:p>
+            <a:pPr algn="ctr">
+              <a:lnSpc>
+                <a:spcPct val="120000"/>
+              </a:lnSpc>
+              <a:spcAft>
+                <a:spcPts val="1000"/>
+              </a:spcAft>
+            </a:pPr>
+            <a:r>
+              <a:rPr lang="fr-FR" dirty="0">
+                <a:solidFill>
+                  <a:srgbClr val="FF0000"/>
+                </a:solidFill>
+                <a:effectLst/>
+                <a:ea typeface="Times New Roman" panose="02020603050405020304" pitchFamily="18" charset="0"/>
+                <a:cs typeface="Times New Roman" panose="02020603050405020304" pitchFamily="18" charset="0"/>
+              </a:rPr>
+              <a:t>Nom/Communication interne entre les joueurs/Feuille de Match</a:t>
+            </a:r>
+            <a:endParaRPr lang="fr-FR" dirty="0">
+              <a:effectLst/>
+              <a:ea typeface="Times New Roman" panose="02020603050405020304" pitchFamily="18" charset="0"/>
+              <a:cs typeface="Times New Roman" panose="02020603050405020304" pitchFamily="18" charset="0"/>
+            </a:endParaRPr>
+          </a:p>
+        </p:txBody>
+      </p:sp>
+      <p:sp>
+        <p:nvSpPr>
+          <p:cNvPr id="24" name="Espace réservé du contenu 2">
+            <a:extLst>
+              <a:ext uri="{FF2B5EF4-FFF2-40B4-BE49-F238E27FC236}">
+                <a16:creationId xmlns:a16="http://schemas.microsoft.com/office/drawing/2014/main" id="{5526CA3E-60B0-45FC-A8F1-836A8C2AEF10}"/>
+              </a:ext>
+            </a:extLst>
+          </p:cNvPr>
+          <p:cNvSpPr>
+            <a:spLocks noGrp="1"/>
+          </p:cNvSpPr>
+          <p:nvPr>
+            <p:ph idx="1"/>
+          </p:nvPr>
+        </p:nvSpPr>
+        <p:spPr>
+          <a:xfrm>
+            <a:off x="199737" y="1602967"/>
+            <a:ext cx="4165104" cy="4343400"/>
+          </a:xfrm>
+        </p:spPr>
+        <p:txBody>
+          <a:bodyPr rtlCol="0">
+            <a:normAutofit lnSpcReduction="10000"/>
+          </a:bodyPr>
+          <a:lstStyle/>
+          <a:p>
+            <a:pPr lvl="1"/>
+            <a:r>
+              <a:rPr lang="fr-FR" sz="3600" dirty="0"/>
+              <a:t>Règle du Jeu</a:t>
+            </a:r>
+          </a:p>
+          <a:p>
+            <a:pPr lvl="1"/>
+            <a:endParaRPr lang="fr-FR" sz="3600" dirty="0"/>
+          </a:p>
+          <a:p>
+            <a:pPr lvl="1"/>
+            <a:r>
+              <a:rPr lang="fr-FR" sz="3600" dirty="0"/>
+              <a:t>Fonctionnalités</a:t>
+            </a:r>
+          </a:p>
+          <a:p>
+            <a:pPr lvl="1"/>
+            <a:endParaRPr lang="fr-FR" sz="3600" dirty="0"/>
+          </a:p>
+          <a:p>
+            <a:pPr lvl="1"/>
+            <a:r>
+              <a:rPr lang="fr-FR" sz="3600" dirty="0"/>
+              <a:t>Processus</a:t>
+            </a:r>
+          </a:p>
+          <a:p>
+            <a:pPr lvl="1"/>
+            <a:endParaRPr lang="fr-FR" sz="3600" dirty="0"/>
+          </a:p>
+          <a:p>
+            <a:pPr lvl="1"/>
+            <a:r>
+              <a:rPr lang="fr-FR" sz="3600" dirty="0"/>
+              <a:t> </a:t>
+            </a:r>
+            <a:r>
+              <a:rPr lang="fr-FR" sz="3600" dirty="0">
+                <a:solidFill>
+                  <a:schemeClr val="bg1"/>
+                </a:solidFill>
+                <a:highlight>
+                  <a:srgbClr val="FFFF00"/>
+                </a:highlight>
+              </a:rPr>
+              <a:t>Architecture</a:t>
+            </a:r>
+          </a:p>
+        </p:txBody>
+      </p:sp>
+    </p:spTree>
+    <p:extLst>
+      <p:ext uri="{BB962C8B-B14F-4D97-AF65-F5344CB8AC3E}">
+        <p14:creationId xmlns:p14="http://schemas.microsoft.com/office/powerpoint/2010/main" val="426784136"/>
+      </p:ext>
+    </p:extLst>
+  </p:cSld>
+  <p:clrMapOvr>
+    <a:masterClrMapping/>
+  </p:clrMapOvr>
+  <mc:AlternateContent xmlns:mc="http://schemas.openxmlformats.org/markup-compatibility/2006" xmlns:p14="http://schemas.microsoft.com/office/powerpoint/2010/main">
+    <mc:Choice Requires="p14">
+      <p:transition spd="med" p14:dur="700">
+        <p:fade/>
+      </p:transition>
+    </mc:Choice>
+    <mc:Fallback xmlns="">
+      <p:transition spd="med">
+        <p:fade/>
+      </p:transition>
+    </mc:Fallback>
+  </mc:AlternateContent>
+</p:sld>
+</file>
+
+<file path=ppt/slides/slide6.xml><?xml version="1.0" encoding="utf-8"?>
+<p:sld xmlns:a="http://schemas.openxmlformats.org/drawingml/2006/main" xmlns:r="http://schemas.openxmlformats.org/officeDocument/2006/relationships" xmlns:p="http://schemas.openxmlformats.org/presentationml/2006/main">
+  <p:cSld>
+    <p:spTree>
+      <p:nvGrpSpPr>
+        <p:cNvPr id="1" name=""/>
+        <p:cNvGrpSpPr/>
+        <p:nvPr/>
+      </p:nvGrpSpPr>
+      <p:grpSpPr>
+        <a:xfrm>
+          <a:off x="0" y="0"/>
+          <a:ext cx="0" cy="0"/>
+          <a:chOff x="0" y="0"/>
+          <a:chExt cx="0" cy="0"/>
+        </a:xfrm>
+      </p:grpSpPr>
+      <p:sp>
+        <p:nvSpPr>
+          <p:cNvPr id="2" name="Titre 1"/>
+          <p:cNvSpPr>
+            <a:spLocks noGrp="1"/>
+          </p:cNvSpPr>
+          <p:nvPr>
+            <p:ph type="title"/>
+          </p:nvPr>
+        </p:nvSpPr>
+        <p:spPr/>
+        <p:txBody>
+          <a:bodyPr rtlCol="0"/>
+          <a:lstStyle/>
+          <a:p>
+            <a:r>
+              <a:rPr lang="fr-FR" dirty="0"/>
+              <a:t>2) </a:t>
+            </a:r>
+            <a:r>
+              <a:rPr lang="fr-FR" dirty="0" err="1"/>
+              <a:t>Plannification</a:t>
+            </a:r>
+            <a:r>
+              <a:rPr lang="fr-FR" dirty="0"/>
+              <a:t> du Projet</a:t>
+            </a:r>
+            <a:br>
+              <a:rPr lang="fr-FR" dirty="0"/>
+            </a:br>
+            <a:endParaRPr lang="fr-FR" dirty="0"/>
+          </a:p>
+        </p:txBody>
+      </p:sp>
+      <p:sp>
+        <p:nvSpPr>
+          <p:cNvPr id="3" name="Espace réservé du texte 2"/>
+          <p:cNvSpPr>
+            <a:spLocks noGrp="1"/>
+          </p:cNvSpPr>
+          <p:nvPr>
+            <p:ph type="body" idx="1"/>
+          </p:nvPr>
+        </p:nvSpPr>
+        <p:spPr>
+          <a:xfrm>
+            <a:off x="499515" y="840952"/>
+            <a:ext cx="4846320" cy="823912"/>
+          </a:xfrm>
+        </p:spPr>
+        <p:txBody>
+          <a:bodyPr rtlCol="0">
+            <a:normAutofit/>
+          </a:bodyPr>
+          <a:lstStyle/>
+          <a:p>
+            <a:pPr rtl="0"/>
+            <a:r>
+              <a:rPr lang="fr-FR" dirty="0"/>
+              <a:t>Itération 1 &amp; 2 : 30/11</a:t>
+            </a:r>
+          </a:p>
+        </p:txBody>
+      </p:sp>
+      <p:sp>
+        <p:nvSpPr>
+          <p:cNvPr id="4" name="Espace réservé du contenu 3"/>
+          <p:cNvSpPr>
+            <a:spLocks noGrp="1"/>
+          </p:cNvSpPr>
+          <p:nvPr>
+            <p:ph sz="half" idx="2"/>
+          </p:nvPr>
+        </p:nvSpPr>
+        <p:spPr>
+          <a:xfrm>
+            <a:off x="-65170" y="1699677"/>
+            <a:ext cx="6703887" cy="4396047"/>
+          </a:xfrm>
+        </p:spPr>
+        <p:txBody>
+          <a:bodyPr rtlCol="0">
+            <a:noAutofit/>
+          </a:bodyPr>
+          <a:lstStyle/>
+          <a:p>
+            <a:r>
+              <a:rPr lang="fr-FR" sz="2800" dirty="0"/>
+              <a:t>Configuration Raspberry, Wifi Direct</a:t>
+            </a:r>
+          </a:p>
+          <a:p>
+            <a:r>
+              <a:rPr lang="fr-FR" sz="2800" dirty="0"/>
+              <a:t>Architecture Produit</a:t>
+            </a:r>
+          </a:p>
+          <a:p>
+            <a:r>
+              <a:rPr lang="fr-FR" sz="2800" dirty="0"/>
+              <a:t>Script pour automatiser le </a:t>
+            </a:r>
+            <a:r>
+              <a:rPr lang="fr-FR" sz="2800" dirty="0" err="1"/>
+              <a:t>Rpi</a:t>
+            </a:r>
+            <a:r>
+              <a:rPr lang="fr-FR" sz="2800" dirty="0"/>
+              <a:t> comme Hotspot</a:t>
+            </a:r>
+          </a:p>
+          <a:p>
+            <a:r>
+              <a:rPr lang="fr-FR" sz="2800" dirty="0"/>
+              <a:t>Processus Père : Configuration du Jeu </a:t>
+            </a:r>
+          </a:p>
+          <a:p>
+            <a:pPr marL="0" indent="0">
+              <a:buNone/>
+            </a:pPr>
+            <a:r>
+              <a:rPr lang="fr-FR" sz="2800" dirty="0"/>
+              <a:t> - lancer un dé aléatoirement</a:t>
+            </a:r>
+          </a:p>
+          <a:p>
+            <a:pPr marL="0" indent="0">
+              <a:buNone/>
+            </a:pPr>
+            <a:r>
+              <a:rPr lang="fr-FR" sz="2800" dirty="0"/>
+              <a:t> -afficher &amp; stocker résultat dans un fichier</a:t>
+            </a:r>
+          </a:p>
+          <a:p>
+            <a:pPr rtl="0"/>
+            <a:endParaRPr lang="fr-FR" sz="2000" dirty="0"/>
+          </a:p>
+        </p:txBody>
+      </p:sp>
+      <p:sp>
+        <p:nvSpPr>
+          <p:cNvPr id="6" name="Espace réservé du contenu 5"/>
+          <p:cNvSpPr>
+            <a:spLocks noGrp="1"/>
+          </p:cNvSpPr>
+          <p:nvPr>
+            <p:ph sz="quarter" idx="4"/>
+          </p:nvPr>
+        </p:nvSpPr>
+        <p:spPr>
+          <a:xfrm>
+            <a:off x="6903178" y="1568106"/>
+            <a:ext cx="4990336" cy="1428846"/>
+          </a:xfrm>
+        </p:spPr>
+        <p:txBody>
+          <a:bodyPr rtlCol="0">
+            <a:noAutofit/>
+          </a:bodyPr>
+          <a:lstStyle/>
+          <a:p>
+            <a:r>
+              <a:rPr lang="fr-FR" sz="2800" dirty="0"/>
+              <a:t>Jouer les tour de jeu au Yam fluidement</a:t>
+            </a:r>
+          </a:p>
+          <a:p>
+            <a:r>
+              <a:rPr lang="fr-FR" sz="2800" dirty="0"/>
+              <a:t>2 joueurs fixe</a:t>
+            </a:r>
+          </a:p>
+          <a:p>
+            <a:endParaRPr lang="fr-FR" sz="2000" dirty="0"/>
+          </a:p>
+          <a:p>
+            <a:pPr marL="0" indent="0">
+              <a:buNone/>
+            </a:pPr>
+            <a:r>
+              <a:rPr lang="fr-FR" sz="2000" dirty="0"/>
+              <a:t> </a:t>
+            </a:r>
+          </a:p>
+          <a:p>
+            <a:pPr rtl="0"/>
+            <a:endParaRPr lang="fr-FR" sz="2000" dirty="0"/>
+          </a:p>
+        </p:txBody>
+      </p:sp>
+      <p:sp>
+        <p:nvSpPr>
+          <p:cNvPr id="7" name="Espace réservé du texte 4">
+            <a:extLst>
+              <a:ext uri="{FF2B5EF4-FFF2-40B4-BE49-F238E27FC236}">
+                <a16:creationId xmlns:a16="http://schemas.microsoft.com/office/drawing/2014/main" id="{F357B1C4-5DCE-448E-82F3-5BD3DE338BAA}"/>
               </a:ext>
             </a:extLst>
           </p:cNvPr>
@@ -9153,7 +9106,7 @@
         </p:nvSpPr>
         <p:spPr>
           <a:xfrm>
-            <a:off x="6096000" y="4540867"/>
+            <a:off x="7032104" y="823074"/>
             <a:ext cx="4846320" cy="823912"/>
           </a:xfrm>
           <a:prstGeom prst="rect">
@@ -9333,22 +9286,18 @@
           </a:lstStyle>
           <a:p>
             <a:r>
-              <a:rPr lang="fr-FR" dirty="0" err="1"/>
-              <a:t>Iteration</a:t>
-            </a:r>
-            <a:r>
               <a:rPr lang="fr-FR" dirty="0"/>
-              <a:t> 5 : 21/12</a:t>
-            </a:r>
-          </a:p>
-        </p:txBody>
-      </p:sp>
-      <p:sp>
-        <p:nvSpPr>
-          <p:cNvPr id="12" name="Espace réservé du contenu 5">
+              <a:t>Itération 3 : 14/12</a:t>
+            </a:r>
+          </a:p>
+        </p:txBody>
+      </p:sp>
+      <p:sp>
+        <p:nvSpPr>
+          <p:cNvPr id="10" name="Espace réservé du contenu 5">
             <a:extLst>
               <a:ext uri="{FF2B5EF4-FFF2-40B4-BE49-F238E27FC236}">
-                <a16:creationId xmlns:a16="http://schemas.microsoft.com/office/drawing/2014/main" id="{DFADAF5A-E748-4F7C-9D39-7A6467C64CA7}"/>
+                <a16:creationId xmlns:a16="http://schemas.microsoft.com/office/drawing/2014/main" id="{07ABBFB7-63B7-4DD2-9817-2350BD8D79EF}"/>
               </a:ext>
             </a:extLst>
           </p:cNvPr>
@@ -9359,8 +9308,8 @@
         </p:nvSpPr>
         <p:spPr>
           <a:xfrm>
-            <a:off x="5951984" y="4795663"/>
-            <a:ext cx="5536095" cy="1656184"/>
+            <a:off x="6903177" y="3437722"/>
+            <a:ext cx="5536095" cy="1209509"/>
           </a:xfrm>
           <a:prstGeom prst="rect">
             <a:avLst/>
@@ -9368,7 +9317,7 @@
         </p:spPr>
         <p:txBody>
           <a:bodyPr vert="horz" lIns="91440" tIns="45720" rIns="91440" bIns="45720" rtlCol="0">
-            <a:normAutofit/>
+            <a:normAutofit fontScale="25000" lnSpcReduction="20000"/>
           </a:bodyPr>
           <a:lstStyle>
             <a:lvl1pPr marL="228600" indent="-228600" algn="l" defTabSz="914400" rtl="0" eaLnBrk="1" latinLnBrk="0" hangingPunct="1">
@@ -9542,13 +9491,21 @@
           </a:p>
           <a:p>
             <a:r>
-              <a:rPr lang="fr-FR" dirty="0"/>
-              <a:t>Multijoueur sur Le </a:t>
-            </a:r>
-            <a:r>
-              <a:rPr lang="fr-FR" dirty="0" err="1"/>
-              <a:t>Reseau</a:t>
-            </a:r>
+              <a:rPr lang="fr-FR" sz="11200" dirty="0"/>
+              <a:t>Multijoueur N clients potentiel </a:t>
+            </a:r>
+          </a:p>
+          <a:p>
+            <a:r>
+              <a:rPr lang="fr-FR" sz="11200" dirty="0"/>
+              <a:t>Statistiques </a:t>
+            </a:r>
+          </a:p>
+          <a:p>
+            <a:pPr marL="0" indent="0">
+              <a:buFont typeface="Arial" panose="020B0604020202020204" pitchFamily="34" charset="0"/>
+              <a:buNone/>
+            </a:pPr>
             <a:r>
               <a:rPr lang="fr-FR" dirty="0"/>
               <a:t> </a:t>
@@ -9559,168 +9516,12 @@
           </a:p>
         </p:txBody>
       </p:sp>
-    </p:spTree>
-    <p:extLst>
-      <p:ext uri="{BB962C8B-B14F-4D97-AF65-F5344CB8AC3E}">
-        <p14:creationId xmlns:p14="http://schemas.microsoft.com/office/powerpoint/2010/main" val="4078798235"/>
-      </p:ext>
-    </p:extLst>
-  </p:cSld>
-  <p:clrMapOvr>
-    <a:masterClrMapping/>
-  </p:clrMapOvr>
-  <mc:AlternateContent xmlns:mc="http://schemas.openxmlformats.org/markup-compatibility/2006" xmlns:p14="http://schemas.microsoft.com/office/powerpoint/2010/main">
-    <mc:Choice Requires="p14">
-      <p:transition spd="med" p14:dur="700">
-        <p:fade/>
-      </p:transition>
-    </mc:Choice>
-    <mc:Fallback xmlns="">
-      <p:transition spd="med">
-        <p:fade/>
-      </p:transition>
-    </mc:Fallback>
-  </mc:AlternateContent>
-</p:sld>
-</file>
-
-<file path=ppt/slides/slide7.xml><?xml version="1.0" encoding="utf-8"?>
-<p:sld xmlns:a="http://schemas.openxmlformats.org/drawingml/2006/main" xmlns:r="http://schemas.openxmlformats.org/officeDocument/2006/relationships" xmlns:p="http://schemas.openxmlformats.org/presentationml/2006/main">
-  <p:cSld>
-    <p:spTree>
-      <p:nvGrpSpPr>
-        <p:cNvPr id="1" name=""/>
-        <p:cNvGrpSpPr/>
-        <p:nvPr/>
-      </p:nvGrpSpPr>
-      <p:grpSpPr>
-        <a:xfrm>
-          <a:off x="0" y="0"/>
-          <a:ext cx="0" cy="0"/>
-          <a:chOff x="0" y="0"/>
-          <a:chExt cx="0" cy="0"/>
-        </a:xfrm>
-      </p:grpSpPr>
-      <p:sp>
-        <p:nvSpPr>
-          <p:cNvPr id="2" name="Titre 1"/>
-          <p:cNvSpPr>
-            <a:spLocks noGrp="1"/>
-          </p:cNvSpPr>
-          <p:nvPr>
-            <p:ph type="title"/>
-          </p:nvPr>
-        </p:nvSpPr>
-        <p:spPr/>
-        <p:txBody>
-          <a:bodyPr rtlCol="0"/>
-          <a:lstStyle/>
-          <a:p>
-            <a:r>
-              <a:rPr lang="fr-FR" dirty="0"/>
-              <a:t>3) </a:t>
-            </a:r>
-            <a:r>
-              <a:rPr lang="fr-FR" dirty="0" err="1"/>
-              <a:t>Difficulties</a:t>
-            </a:r>
-            <a:r>
-              <a:rPr lang="fr-FR" dirty="0"/>
-              <a:t> </a:t>
-            </a:r>
-            <a:r>
-              <a:rPr lang="fr-FR" dirty="0" err="1"/>
-              <a:t>encountered</a:t>
-            </a:r>
-            <a:br>
-              <a:rPr lang="fr-FR" dirty="0"/>
-            </a:br>
-            <a:endParaRPr lang="fr-FR" dirty="0"/>
-          </a:p>
-        </p:txBody>
-      </p:sp>
-      <p:sp>
-        <p:nvSpPr>
-          <p:cNvPr id="4" name="Espace réservé du contenu 3"/>
-          <p:cNvSpPr>
-            <a:spLocks noGrp="1"/>
-          </p:cNvSpPr>
-          <p:nvPr>
-            <p:ph sz="half" idx="2"/>
-          </p:nvPr>
-        </p:nvSpPr>
-        <p:spPr>
-          <a:xfrm>
-            <a:off x="182880" y="1951222"/>
-            <a:ext cx="5913120" cy="4102967"/>
-          </a:xfrm>
-        </p:spPr>
-        <p:txBody>
-          <a:bodyPr rtlCol="0">
-            <a:normAutofit/>
-          </a:bodyPr>
-          <a:lstStyle/>
-          <a:p>
-            <a:pPr marL="0" indent="0">
-              <a:buNone/>
-            </a:pPr>
-            <a:r>
-              <a:rPr lang="fr-FR" dirty="0"/>
-              <a:t>Problème </a:t>
-            </a:r>
-            <a:r>
-              <a:rPr lang="fr-FR" dirty="0" err="1"/>
-              <a:t>chris</a:t>
-            </a:r>
-            <a:r>
-              <a:rPr lang="fr-FR" dirty="0"/>
-              <a:t> script RPI hotspot</a:t>
-            </a:r>
-          </a:p>
-        </p:txBody>
-      </p:sp>
-      <p:sp>
-        <p:nvSpPr>
-          <p:cNvPr id="5" name="Espace réservé du texte 4"/>
-          <p:cNvSpPr>
-            <a:spLocks noGrp="1"/>
-          </p:cNvSpPr>
-          <p:nvPr>
-            <p:ph type="body" sz="quarter" idx="3"/>
-          </p:nvPr>
-        </p:nvSpPr>
-        <p:spPr>
-          <a:xfrm>
-            <a:off x="479376" y="1152526"/>
-            <a:ext cx="4846320" cy="823912"/>
-          </a:xfrm>
-        </p:spPr>
-        <p:txBody>
-          <a:bodyPr rtlCol="0"/>
-          <a:lstStyle/>
-          <a:p>
-            <a:pPr algn="just" rtl="0"/>
-            <a:r>
-              <a:rPr lang="fr-FR" dirty="0"/>
-              <a:t>Jour de l’</a:t>
-            </a:r>
-            <a:r>
-              <a:rPr lang="fr-FR" dirty="0" err="1"/>
-              <a:t>Iteration</a:t>
-            </a:r>
-            <a:r>
-              <a:rPr lang="fr-FR" dirty="0"/>
-              <a:t> 1&amp;2 : 30/11</a:t>
-            </a:r>
-          </a:p>
-        </p:txBody>
-      </p:sp>
-      <p:sp>
-        <p:nvSpPr>
-          <p:cNvPr id="7" name="Espace réservé du texte 4">
+      <p:sp>
+        <p:nvSpPr>
+          <p:cNvPr id="11" name="Espace réservé du texte 4">
             <a:extLst>
               <a:ext uri="{FF2B5EF4-FFF2-40B4-BE49-F238E27FC236}">
-                <a16:creationId xmlns:a16="http://schemas.microsoft.com/office/drawing/2014/main" id="{0E40E8CE-C50D-4589-BE56-7A475256CC1D}"/>
+                <a16:creationId xmlns:a16="http://schemas.microsoft.com/office/drawing/2014/main" id="{56EEE2A9-DC01-437A-8AD7-923F5F3D6B97}"/>
               </a:ext>
             </a:extLst>
           </p:cNvPr>
@@ -9731,7 +9532,7 @@
         </p:nvSpPr>
         <p:spPr>
           <a:xfrm>
-            <a:off x="6096000" y="1139918"/>
+            <a:off x="7029062" y="4390164"/>
             <a:ext cx="4846320" cy="823912"/>
           </a:xfrm>
           <a:prstGeom prst="rect">
@@ -9910,21 +9711,19 @@
             </a:lvl9pPr>
           </a:lstStyle>
           <a:p>
-            <a:pPr algn="just"/>
-            <a:r>
-              <a:rPr lang="fr-FR"/>
-              <a:t>Jour de l’Iteration 3 : 14/12</a:t>
-            </a:r>
-            <a:endParaRPr lang="fr-FR" dirty="0"/>
-          </a:p>
-        </p:txBody>
-      </p:sp>
-      <p:sp>
-        <p:nvSpPr>
-          <p:cNvPr id="8" name="Espace réservé du contenu 3">
+            <a:r>
+              <a:rPr lang="fr-FR" dirty="0"/>
+              <a:t>Itération 5 : 21/12</a:t>
+            </a:r>
+          </a:p>
+        </p:txBody>
+      </p:sp>
+      <p:sp>
+        <p:nvSpPr>
+          <p:cNvPr id="12" name="Espace réservé du contenu 5">
             <a:extLst>
               <a:ext uri="{FF2B5EF4-FFF2-40B4-BE49-F238E27FC236}">
-                <a16:creationId xmlns:a16="http://schemas.microsoft.com/office/drawing/2014/main" id="{B12E871E-E25D-4C21-AF5F-C5B99D382762}"/>
+                <a16:creationId xmlns:a16="http://schemas.microsoft.com/office/drawing/2014/main" id="{DFADAF5A-E748-4F7C-9D39-7A6467C64CA7}"/>
               </a:ext>
             </a:extLst>
           </p:cNvPr>
@@ -9935,8 +9734,8 @@
         </p:nvSpPr>
         <p:spPr>
           <a:xfrm>
-            <a:off x="6278880" y="1976438"/>
-            <a:ext cx="5913120" cy="4102967"/>
+            <a:off x="6903176" y="4643005"/>
+            <a:ext cx="5536095" cy="1021543"/>
           </a:xfrm>
           <a:prstGeom prst="rect">
             <a:avLst/>
@@ -9944,7 +9743,7 @@
         </p:spPr>
         <p:txBody>
           <a:bodyPr vert="horz" lIns="91440" tIns="45720" rIns="91440" bIns="45720" rtlCol="0">
-            <a:normAutofit fontScale="92500" lnSpcReduction="20000"/>
+            <a:normAutofit lnSpcReduction="10000"/>
           </a:bodyPr>
           <a:lstStyle>
             <a:lvl1pPr marL="228600" indent="-228600" algn="l" defTabSz="914400" rtl="0" eaLnBrk="1" latinLnBrk="0" hangingPunct="1">
@@ -10112,28 +9911,820 @@
           </a:lstStyle>
           <a:p>
             <a:pPr marL="0" indent="0">
+              <a:buNone/>
+            </a:pPr>
+            <a:endParaRPr lang="fr-FR" b="1" dirty="0"/>
+          </a:p>
+          <a:p>
+            <a:r>
+              <a:rPr lang="fr-FR" sz="2800" dirty="0"/>
+              <a:t>Multijoueur sur Le Réseau </a:t>
+            </a:r>
+          </a:p>
+          <a:p>
+            <a:endParaRPr lang="fr-FR" dirty="0"/>
+          </a:p>
+        </p:txBody>
+      </p:sp>
+      <p:sp>
+        <p:nvSpPr>
+          <p:cNvPr id="13" name="Espace réservé du texte 4">
+            <a:extLst>
+              <a:ext uri="{FF2B5EF4-FFF2-40B4-BE49-F238E27FC236}">
+                <a16:creationId xmlns:a16="http://schemas.microsoft.com/office/drawing/2014/main" id="{C2EDE2E8-0592-4FC5-B548-2669B16287D5}"/>
+              </a:ext>
+            </a:extLst>
+          </p:cNvPr>
+          <p:cNvSpPr txBox="1">
+            <a:spLocks/>
+          </p:cNvSpPr>
+          <p:nvPr/>
+        </p:nvSpPr>
+        <p:spPr>
+          <a:xfrm>
+            <a:off x="6903177" y="3071570"/>
+            <a:ext cx="4846320" cy="823912"/>
+          </a:xfrm>
+          <a:prstGeom prst="rect">
+            <a:avLst/>
+          </a:prstGeom>
+        </p:spPr>
+        <p:txBody>
+          <a:bodyPr vert="horz" lIns="91440" tIns="45720" rIns="91440" bIns="45720" rtlCol="0" anchor="ctr">
+            <a:normAutofit/>
+          </a:bodyPr>
+          <a:lstStyle>
+            <a:lvl1pPr marL="0" indent="0" algn="l" defTabSz="914400" rtl="0" eaLnBrk="1" latinLnBrk="0" hangingPunct="1">
+              <a:lnSpc>
+                <a:spcPct val="90000"/>
+              </a:lnSpc>
+              <a:spcBef>
+                <a:spcPts val="1800"/>
+              </a:spcBef>
               <a:buFont typeface="Arial" panose="020B0604020202020204" pitchFamily="34" charset="0"/>
               <a:buNone/>
+              <a:defRPr sz="2400" b="0" kern="1200">
+                <a:solidFill>
+                  <a:schemeClr val="bg2">
+                    <a:lumMod val="50000"/>
+                    <a:lumOff val="50000"/>
+                  </a:schemeClr>
+                </a:solidFill>
+                <a:latin typeface="+mn-lt"/>
+                <a:ea typeface="+mn-ea"/>
+                <a:cs typeface="+mn-cs"/>
+              </a:defRPr>
+            </a:lvl1pPr>
+            <a:lvl2pPr marL="457200" indent="0" algn="l" defTabSz="914400" rtl="0" eaLnBrk="1" latinLnBrk="0" hangingPunct="1">
+              <a:lnSpc>
+                <a:spcPct val="90000"/>
+              </a:lnSpc>
+              <a:spcBef>
+                <a:spcPts val="1200"/>
+              </a:spcBef>
+              <a:buFont typeface="Arial" panose="020B0604020202020204" pitchFamily="34" charset="0"/>
+              <a:buNone/>
+              <a:defRPr sz="2000" b="1" kern="1200">
+                <a:solidFill>
+                  <a:schemeClr val="tx1"/>
+                </a:solidFill>
+                <a:latin typeface="+mn-lt"/>
+                <a:ea typeface="+mn-ea"/>
+                <a:cs typeface="+mn-cs"/>
+              </a:defRPr>
+            </a:lvl2pPr>
+            <a:lvl3pPr marL="914400" indent="0" algn="l" defTabSz="914400" rtl="0" eaLnBrk="1" latinLnBrk="0" hangingPunct="1">
+              <a:lnSpc>
+                <a:spcPct val="90000"/>
+              </a:lnSpc>
+              <a:spcBef>
+                <a:spcPts val="600"/>
+              </a:spcBef>
+              <a:buFont typeface="Arial" panose="020B0604020202020204" pitchFamily="34" charset="0"/>
+              <a:buNone/>
+              <a:defRPr sz="1800" b="1" kern="1200">
+                <a:solidFill>
+                  <a:schemeClr val="tx1"/>
+                </a:solidFill>
+                <a:latin typeface="+mn-lt"/>
+                <a:ea typeface="+mn-ea"/>
+                <a:cs typeface="+mn-cs"/>
+              </a:defRPr>
+            </a:lvl3pPr>
+            <a:lvl4pPr marL="1371600" indent="0" algn="l" defTabSz="914400" rtl="0" eaLnBrk="1" latinLnBrk="0" hangingPunct="1">
+              <a:lnSpc>
+                <a:spcPct val="90000"/>
+              </a:lnSpc>
+              <a:spcBef>
+                <a:spcPts val="600"/>
+              </a:spcBef>
+              <a:buFont typeface="Arial" panose="020B0604020202020204" pitchFamily="34" charset="0"/>
+              <a:buNone/>
+              <a:defRPr sz="1600" b="1" kern="1200">
+                <a:solidFill>
+                  <a:schemeClr val="tx1"/>
+                </a:solidFill>
+                <a:latin typeface="+mn-lt"/>
+                <a:ea typeface="+mn-ea"/>
+                <a:cs typeface="+mn-cs"/>
+              </a:defRPr>
+            </a:lvl4pPr>
+            <a:lvl5pPr marL="1828800" indent="0" algn="l" defTabSz="914400" rtl="0" eaLnBrk="1" latinLnBrk="0" hangingPunct="1">
+              <a:lnSpc>
+                <a:spcPct val="90000"/>
+              </a:lnSpc>
+              <a:spcBef>
+                <a:spcPts val="600"/>
+              </a:spcBef>
+              <a:buFont typeface="Arial" panose="020B0604020202020204" pitchFamily="34" charset="0"/>
+              <a:buNone/>
+              <a:defRPr sz="1600" b="1" kern="1200">
+                <a:solidFill>
+                  <a:schemeClr val="tx1"/>
+                </a:solidFill>
+                <a:latin typeface="+mn-lt"/>
+                <a:ea typeface="+mn-ea"/>
+                <a:cs typeface="+mn-cs"/>
+              </a:defRPr>
+            </a:lvl5pPr>
+            <a:lvl6pPr marL="2286000" indent="0" algn="l" defTabSz="914400" rtl="0" eaLnBrk="1" latinLnBrk="0" hangingPunct="1">
+              <a:lnSpc>
+                <a:spcPct val="90000"/>
+              </a:lnSpc>
+              <a:spcBef>
+                <a:spcPts val="600"/>
+              </a:spcBef>
+              <a:buFont typeface="Arial" panose="020B0604020202020204" pitchFamily="34" charset="0"/>
+              <a:buNone/>
+              <a:defRPr sz="1600" b="1" kern="1200">
+                <a:solidFill>
+                  <a:schemeClr val="tx1"/>
+                </a:solidFill>
+                <a:latin typeface="+mn-lt"/>
+                <a:ea typeface="+mn-ea"/>
+                <a:cs typeface="+mn-cs"/>
+              </a:defRPr>
+            </a:lvl6pPr>
+            <a:lvl7pPr marL="2743200" indent="0" algn="l" defTabSz="914400" rtl="0" eaLnBrk="1" latinLnBrk="0" hangingPunct="1">
+              <a:lnSpc>
+                <a:spcPct val="90000"/>
+              </a:lnSpc>
+              <a:spcBef>
+                <a:spcPts val="600"/>
+              </a:spcBef>
+              <a:buFont typeface="Arial" panose="020B0604020202020204" pitchFamily="34" charset="0"/>
+              <a:buNone/>
+              <a:defRPr sz="1600" b="1" kern="1200">
+                <a:solidFill>
+                  <a:schemeClr val="tx1"/>
+                </a:solidFill>
+                <a:latin typeface="+mn-lt"/>
+                <a:ea typeface="+mn-ea"/>
+                <a:cs typeface="+mn-cs"/>
+              </a:defRPr>
+            </a:lvl7pPr>
+            <a:lvl8pPr marL="3200400" indent="0" algn="l" defTabSz="914400" rtl="0" eaLnBrk="1" latinLnBrk="0" hangingPunct="1">
+              <a:lnSpc>
+                <a:spcPct val="90000"/>
+              </a:lnSpc>
+              <a:spcBef>
+                <a:spcPts val="600"/>
+              </a:spcBef>
+              <a:buFont typeface="Arial" panose="020B0604020202020204" pitchFamily="34" charset="0"/>
+              <a:buNone/>
+              <a:defRPr sz="1600" b="1" kern="1200">
+                <a:solidFill>
+                  <a:schemeClr val="tx1"/>
+                </a:solidFill>
+                <a:latin typeface="+mn-lt"/>
+                <a:ea typeface="+mn-ea"/>
+                <a:cs typeface="+mn-cs"/>
+              </a:defRPr>
+            </a:lvl8pPr>
+            <a:lvl9pPr marL="3657600" indent="0" algn="l" defTabSz="914400" rtl="0" eaLnBrk="1" latinLnBrk="0" hangingPunct="1">
+              <a:lnSpc>
+                <a:spcPct val="90000"/>
+              </a:lnSpc>
+              <a:spcBef>
+                <a:spcPts val="600"/>
+              </a:spcBef>
+              <a:buFont typeface="Arial" panose="020B0604020202020204" pitchFamily="34" charset="0"/>
+              <a:buNone/>
+              <a:defRPr sz="1600" b="1" kern="1200">
+                <a:solidFill>
+                  <a:schemeClr val="tx1"/>
+                </a:solidFill>
+                <a:latin typeface="+mn-lt"/>
+                <a:ea typeface="+mn-ea"/>
+                <a:cs typeface="+mn-cs"/>
+              </a:defRPr>
+            </a:lvl9pPr>
+          </a:lstStyle>
+          <a:p>
+            <a:r>
+              <a:rPr lang="fr-FR" dirty="0"/>
+              <a:t>Itération 4 : 20/12</a:t>
+            </a:r>
+          </a:p>
+        </p:txBody>
+      </p:sp>
+    </p:spTree>
+    <p:extLst>
+      <p:ext uri="{BB962C8B-B14F-4D97-AF65-F5344CB8AC3E}">
+        <p14:creationId xmlns:p14="http://schemas.microsoft.com/office/powerpoint/2010/main" val="4078798235"/>
+      </p:ext>
+    </p:extLst>
+  </p:cSld>
+  <p:clrMapOvr>
+    <a:masterClrMapping/>
+  </p:clrMapOvr>
+  <mc:AlternateContent xmlns:mc="http://schemas.openxmlformats.org/markup-compatibility/2006" xmlns:p14="http://schemas.microsoft.com/office/powerpoint/2010/main">
+    <mc:Choice Requires="p14">
+      <p:transition spd="med" p14:dur="700">
+        <p:fade/>
+      </p:transition>
+    </mc:Choice>
+    <mc:Fallback xmlns="">
+      <p:transition spd="med">
+        <p:fade/>
+      </p:transition>
+    </mc:Fallback>
+  </mc:AlternateContent>
+</p:sld>
+</file>
+
+<file path=ppt/slides/slide7.xml><?xml version="1.0" encoding="utf-8"?>
+<p:sld xmlns:a="http://schemas.openxmlformats.org/drawingml/2006/main" xmlns:r="http://schemas.openxmlformats.org/officeDocument/2006/relationships" xmlns:p="http://schemas.openxmlformats.org/presentationml/2006/main">
+  <p:cSld>
+    <p:spTree>
+      <p:nvGrpSpPr>
+        <p:cNvPr id="1" name=""/>
+        <p:cNvGrpSpPr/>
+        <p:nvPr/>
+      </p:nvGrpSpPr>
+      <p:grpSpPr>
+        <a:xfrm>
+          <a:off x="0" y="0"/>
+          <a:ext cx="0" cy="0"/>
+          <a:chOff x="0" y="0"/>
+          <a:chExt cx="0" cy="0"/>
+        </a:xfrm>
+      </p:grpSpPr>
+      <p:sp>
+        <p:nvSpPr>
+          <p:cNvPr id="2" name="Titre 1"/>
+          <p:cNvSpPr>
+            <a:spLocks noGrp="1"/>
+          </p:cNvSpPr>
+          <p:nvPr>
+            <p:ph type="title"/>
+          </p:nvPr>
+        </p:nvSpPr>
+        <p:spPr/>
+        <p:txBody>
+          <a:bodyPr rtlCol="0"/>
+          <a:lstStyle/>
+          <a:p>
+            <a:r>
+              <a:rPr lang="fr-FR" dirty="0"/>
+              <a:t>3) Difficultés rencontrées</a:t>
+            </a:r>
+            <a:br>
+              <a:rPr lang="fr-FR" dirty="0"/>
+            </a:br>
+            <a:endParaRPr lang="fr-FR" dirty="0"/>
+          </a:p>
+        </p:txBody>
+      </p:sp>
+      <p:sp>
+        <p:nvSpPr>
+          <p:cNvPr id="4" name="Espace réservé du contenu 3"/>
+          <p:cNvSpPr>
+            <a:spLocks noGrp="1"/>
+          </p:cNvSpPr>
+          <p:nvPr>
+            <p:ph sz="half" idx="2"/>
+          </p:nvPr>
+        </p:nvSpPr>
+        <p:spPr>
+          <a:xfrm>
+            <a:off x="-35092" y="2117005"/>
+            <a:ext cx="5913120" cy="4102967"/>
+          </a:xfrm>
+        </p:spPr>
+        <p:txBody>
+          <a:bodyPr rtlCol="0">
+            <a:normAutofit/>
+          </a:bodyPr>
+          <a:lstStyle/>
+          <a:p>
+            <a:pPr marL="0" indent="0">
+              <a:buNone/>
             </a:pPr>
             <a:r>
-              <a:rPr lang="fr-FR"/>
-              <a:t>Choix de dévellopement des  fonctionnalité :</a:t>
-            </a:r>
-          </a:p>
+              <a:rPr lang="fr-FR" sz="3000" dirty="0">
+                <a:highlight>
+                  <a:srgbClr val="000080"/>
+                </a:highlight>
+              </a:rPr>
+              <a:t>Problème de Connexion </a:t>
+            </a:r>
+            <a:r>
+              <a:rPr lang="fr-FR" sz="3000" dirty="0"/>
+              <a:t>:</a:t>
+            </a:r>
+          </a:p>
+          <a:p>
+            <a:pPr marL="0" indent="0">
+              <a:buNone/>
+            </a:pPr>
+            <a:r>
+              <a:rPr lang="fr-FR" sz="3000" dirty="0">
+                <a:highlight>
+                  <a:srgbClr val="FF00FF"/>
+                </a:highlight>
+              </a:rPr>
+              <a:t>Tâche :  </a:t>
+            </a:r>
+            <a:r>
+              <a:rPr lang="fr-FR" sz="3000" dirty="0"/>
+              <a:t>Script Automatisant le RPI comme Hotspot (AP)</a:t>
+            </a:r>
+          </a:p>
+          <a:p>
+            <a:pPr marL="0" indent="0">
+              <a:buNone/>
+            </a:pPr>
+            <a:r>
+              <a:rPr lang="fr-FR" sz="3000" dirty="0">
+                <a:highlight>
+                  <a:srgbClr val="008000"/>
+                </a:highlight>
+              </a:rPr>
+              <a:t>Résolution : </a:t>
+            </a:r>
+            <a:r>
+              <a:rPr lang="fr-FR" sz="3000" dirty="0"/>
+              <a:t>Utilisation de </a:t>
+            </a:r>
+            <a:r>
+              <a:rPr lang="fr-FR" sz="3000" dirty="0" err="1"/>
+              <a:t>RaspAP</a:t>
+            </a:r>
+            <a:endParaRPr lang="fr-FR" sz="3000" dirty="0"/>
+          </a:p>
+        </p:txBody>
+      </p:sp>
+      <p:sp>
+        <p:nvSpPr>
+          <p:cNvPr id="5" name="Espace réservé du texte 4"/>
+          <p:cNvSpPr>
+            <a:spLocks noGrp="1"/>
+          </p:cNvSpPr>
+          <p:nvPr>
+            <p:ph type="body" sz="quarter" idx="3"/>
+          </p:nvPr>
+        </p:nvSpPr>
+        <p:spPr>
+          <a:xfrm>
+            <a:off x="498308" y="778595"/>
+            <a:ext cx="4846320" cy="823912"/>
+          </a:xfrm>
+        </p:spPr>
+        <p:txBody>
+          <a:bodyPr rtlCol="0"/>
+          <a:lstStyle/>
+          <a:p>
+            <a:pPr algn="just" rtl="0"/>
+            <a:r>
+              <a:rPr lang="fr-FR" dirty="0"/>
+              <a:t>Jour de l’</a:t>
+            </a:r>
+            <a:r>
+              <a:rPr lang="fr-FR" dirty="0" err="1"/>
+              <a:t>Iteration</a:t>
+            </a:r>
+            <a:r>
+              <a:rPr lang="fr-FR" dirty="0"/>
+              <a:t> 1&amp;2 : 30/11</a:t>
+            </a:r>
+          </a:p>
+        </p:txBody>
+      </p:sp>
+      <p:sp>
+        <p:nvSpPr>
+          <p:cNvPr id="7" name="Espace réservé du texte 4">
+            <a:extLst>
+              <a:ext uri="{FF2B5EF4-FFF2-40B4-BE49-F238E27FC236}">
+                <a16:creationId xmlns:a16="http://schemas.microsoft.com/office/drawing/2014/main" id="{0E40E8CE-C50D-4589-BE56-7A475256CC1D}"/>
+              </a:ext>
+            </a:extLst>
+          </p:cNvPr>
+          <p:cNvSpPr txBox="1">
+            <a:spLocks/>
+          </p:cNvSpPr>
+          <p:nvPr/>
+        </p:nvSpPr>
+        <p:spPr>
+          <a:xfrm>
+            <a:off x="6812280" y="778595"/>
+            <a:ext cx="4846320" cy="823912"/>
+          </a:xfrm>
+          <a:prstGeom prst="rect">
+            <a:avLst/>
+          </a:prstGeom>
+        </p:spPr>
+        <p:txBody>
+          <a:bodyPr vert="horz" lIns="91440" tIns="45720" rIns="91440" bIns="45720" rtlCol="0" anchor="ctr">
+            <a:normAutofit/>
+          </a:bodyPr>
+          <a:lstStyle>
+            <a:lvl1pPr marL="0" indent="0" algn="l" defTabSz="914400" rtl="0" eaLnBrk="1" latinLnBrk="0" hangingPunct="1">
+              <a:lnSpc>
+                <a:spcPct val="90000"/>
+              </a:lnSpc>
+              <a:spcBef>
+                <a:spcPts val="1800"/>
+              </a:spcBef>
+              <a:buFont typeface="Arial" panose="020B0604020202020204" pitchFamily="34" charset="0"/>
+              <a:buNone/>
+              <a:defRPr sz="2400" b="0" kern="1200">
+                <a:solidFill>
+                  <a:schemeClr val="bg2">
+                    <a:lumMod val="50000"/>
+                    <a:lumOff val="50000"/>
+                  </a:schemeClr>
+                </a:solidFill>
+                <a:latin typeface="+mn-lt"/>
+                <a:ea typeface="+mn-ea"/>
+                <a:cs typeface="+mn-cs"/>
+              </a:defRPr>
+            </a:lvl1pPr>
+            <a:lvl2pPr marL="457200" indent="0" algn="l" defTabSz="914400" rtl="0" eaLnBrk="1" latinLnBrk="0" hangingPunct="1">
+              <a:lnSpc>
+                <a:spcPct val="90000"/>
+              </a:lnSpc>
+              <a:spcBef>
+                <a:spcPts val="1200"/>
+              </a:spcBef>
+              <a:buFont typeface="Arial" panose="020B0604020202020204" pitchFamily="34" charset="0"/>
+              <a:buNone/>
+              <a:defRPr sz="2000" b="1" kern="1200">
+                <a:solidFill>
+                  <a:schemeClr val="tx1"/>
+                </a:solidFill>
+                <a:latin typeface="+mn-lt"/>
+                <a:ea typeface="+mn-ea"/>
+                <a:cs typeface="+mn-cs"/>
+              </a:defRPr>
+            </a:lvl2pPr>
+            <a:lvl3pPr marL="914400" indent="0" algn="l" defTabSz="914400" rtl="0" eaLnBrk="1" latinLnBrk="0" hangingPunct="1">
+              <a:lnSpc>
+                <a:spcPct val="90000"/>
+              </a:lnSpc>
+              <a:spcBef>
+                <a:spcPts val="600"/>
+              </a:spcBef>
+              <a:buFont typeface="Arial" panose="020B0604020202020204" pitchFamily="34" charset="0"/>
+              <a:buNone/>
+              <a:defRPr sz="1800" b="1" kern="1200">
+                <a:solidFill>
+                  <a:schemeClr val="tx1"/>
+                </a:solidFill>
+                <a:latin typeface="+mn-lt"/>
+                <a:ea typeface="+mn-ea"/>
+                <a:cs typeface="+mn-cs"/>
+              </a:defRPr>
+            </a:lvl3pPr>
+            <a:lvl4pPr marL="1371600" indent="0" algn="l" defTabSz="914400" rtl="0" eaLnBrk="1" latinLnBrk="0" hangingPunct="1">
+              <a:lnSpc>
+                <a:spcPct val="90000"/>
+              </a:lnSpc>
+              <a:spcBef>
+                <a:spcPts val="600"/>
+              </a:spcBef>
+              <a:buFont typeface="Arial" panose="020B0604020202020204" pitchFamily="34" charset="0"/>
+              <a:buNone/>
+              <a:defRPr sz="1600" b="1" kern="1200">
+                <a:solidFill>
+                  <a:schemeClr val="tx1"/>
+                </a:solidFill>
+                <a:latin typeface="+mn-lt"/>
+                <a:ea typeface="+mn-ea"/>
+                <a:cs typeface="+mn-cs"/>
+              </a:defRPr>
+            </a:lvl4pPr>
+            <a:lvl5pPr marL="1828800" indent="0" algn="l" defTabSz="914400" rtl="0" eaLnBrk="1" latinLnBrk="0" hangingPunct="1">
+              <a:lnSpc>
+                <a:spcPct val="90000"/>
+              </a:lnSpc>
+              <a:spcBef>
+                <a:spcPts val="600"/>
+              </a:spcBef>
+              <a:buFont typeface="Arial" panose="020B0604020202020204" pitchFamily="34" charset="0"/>
+              <a:buNone/>
+              <a:defRPr sz="1600" b="1" kern="1200">
+                <a:solidFill>
+                  <a:schemeClr val="tx1"/>
+                </a:solidFill>
+                <a:latin typeface="+mn-lt"/>
+                <a:ea typeface="+mn-ea"/>
+                <a:cs typeface="+mn-cs"/>
+              </a:defRPr>
+            </a:lvl5pPr>
+            <a:lvl6pPr marL="2286000" indent="0" algn="l" defTabSz="914400" rtl="0" eaLnBrk="1" latinLnBrk="0" hangingPunct="1">
+              <a:lnSpc>
+                <a:spcPct val="90000"/>
+              </a:lnSpc>
+              <a:spcBef>
+                <a:spcPts val="600"/>
+              </a:spcBef>
+              <a:buFont typeface="Arial" panose="020B0604020202020204" pitchFamily="34" charset="0"/>
+              <a:buNone/>
+              <a:defRPr sz="1600" b="1" kern="1200">
+                <a:solidFill>
+                  <a:schemeClr val="tx1"/>
+                </a:solidFill>
+                <a:latin typeface="+mn-lt"/>
+                <a:ea typeface="+mn-ea"/>
+                <a:cs typeface="+mn-cs"/>
+              </a:defRPr>
+            </a:lvl6pPr>
+            <a:lvl7pPr marL="2743200" indent="0" algn="l" defTabSz="914400" rtl="0" eaLnBrk="1" latinLnBrk="0" hangingPunct="1">
+              <a:lnSpc>
+                <a:spcPct val="90000"/>
+              </a:lnSpc>
+              <a:spcBef>
+                <a:spcPts val="600"/>
+              </a:spcBef>
+              <a:buFont typeface="Arial" panose="020B0604020202020204" pitchFamily="34" charset="0"/>
+              <a:buNone/>
+              <a:defRPr sz="1600" b="1" kern="1200">
+                <a:solidFill>
+                  <a:schemeClr val="tx1"/>
+                </a:solidFill>
+                <a:latin typeface="+mn-lt"/>
+                <a:ea typeface="+mn-ea"/>
+                <a:cs typeface="+mn-cs"/>
+              </a:defRPr>
+            </a:lvl7pPr>
+            <a:lvl8pPr marL="3200400" indent="0" algn="l" defTabSz="914400" rtl="0" eaLnBrk="1" latinLnBrk="0" hangingPunct="1">
+              <a:lnSpc>
+                <a:spcPct val="90000"/>
+              </a:lnSpc>
+              <a:spcBef>
+                <a:spcPts val="600"/>
+              </a:spcBef>
+              <a:buFont typeface="Arial" panose="020B0604020202020204" pitchFamily="34" charset="0"/>
+              <a:buNone/>
+              <a:defRPr sz="1600" b="1" kern="1200">
+                <a:solidFill>
+                  <a:schemeClr val="tx1"/>
+                </a:solidFill>
+                <a:latin typeface="+mn-lt"/>
+                <a:ea typeface="+mn-ea"/>
+                <a:cs typeface="+mn-cs"/>
+              </a:defRPr>
+            </a:lvl8pPr>
+            <a:lvl9pPr marL="3657600" indent="0" algn="l" defTabSz="914400" rtl="0" eaLnBrk="1" latinLnBrk="0" hangingPunct="1">
+              <a:lnSpc>
+                <a:spcPct val="90000"/>
+              </a:lnSpc>
+              <a:spcBef>
+                <a:spcPts val="600"/>
+              </a:spcBef>
+              <a:buFont typeface="Arial" panose="020B0604020202020204" pitchFamily="34" charset="0"/>
+              <a:buNone/>
+              <a:defRPr sz="1600" b="1" kern="1200">
+                <a:solidFill>
+                  <a:schemeClr val="tx1"/>
+                </a:solidFill>
+                <a:latin typeface="+mn-lt"/>
+                <a:ea typeface="+mn-ea"/>
+                <a:cs typeface="+mn-cs"/>
+              </a:defRPr>
+            </a:lvl9pPr>
+          </a:lstStyle>
+          <a:p>
+            <a:pPr algn="just"/>
+            <a:r>
+              <a:rPr lang="fr-FR" dirty="0"/>
+              <a:t>Jour de l’</a:t>
+            </a:r>
+            <a:r>
+              <a:rPr lang="fr-FR" dirty="0" err="1"/>
+              <a:t>Iteration</a:t>
+            </a:r>
+            <a:r>
+              <a:rPr lang="fr-FR" dirty="0"/>
+              <a:t> 3 : 14/12</a:t>
+            </a:r>
+          </a:p>
+        </p:txBody>
+      </p:sp>
+      <p:sp>
+        <p:nvSpPr>
+          <p:cNvPr id="8" name="Espace réservé du contenu 3">
+            <a:extLst>
+              <a:ext uri="{FF2B5EF4-FFF2-40B4-BE49-F238E27FC236}">
+                <a16:creationId xmlns:a16="http://schemas.microsoft.com/office/drawing/2014/main" id="{B12E871E-E25D-4C21-AF5F-C5B99D382762}"/>
+              </a:ext>
+            </a:extLst>
+          </p:cNvPr>
+          <p:cNvSpPr txBox="1">
+            <a:spLocks/>
+          </p:cNvSpPr>
+          <p:nvPr/>
+        </p:nvSpPr>
+        <p:spPr>
+          <a:xfrm>
+            <a:off x="5807968" y="1447800"/>
+            <a:ext cx="6384032" cy="5221560"/>
+          </a:xfrm>
+          <a:prstGeom prst="rect">
+            <a:avLst/>
+          </a:prstGeom>
+        </p:spPr>
+        <p:txBody>
+          <a:bodyPr vert="horz" lIns="91440" tIns="45720" rIns="91440" bIns="45720" rtlCol="0">
+            <a:normAutofit lnSpcReduction="10000"/>
+          </a:bodyPr>
+          <a:lstStyle>
+            <a:lvl1pPr marL="228600" indent="-228600" algn="l" defTabSz="914400" rtl="0" eaLnBrk="1" latinLnBrk="0" hangingPunct="1">
+              <a:lnSpc>
+                <a:spcPct val="90000"/>
+              </a:lnSpc>
+              <a:spcBef>
+                <a:spcPts val="1800"/>
+              </a:spcBef>
+              <a:buFont typeface="Arial" panose="020B0604020202020204" pitchFamily="34" charset="0"/>
+              <a:buChar char="•"/>
+              <a:defRPr sz="2400" kern="1200">
+                <a:solidFill>
+                  <a:schemeClr val="tx1"/>
+                </a:solidFill>
+                <a:latin typeface="+mn-lt"/>
+                <a:ea typeface="+mn-ea"/>
+                <a:cs typeface="+mn-cs"/>
+              </a:defRPr>
+            </a:lvl1pPr>
+            <a:lvl2pPr marL="502920" indent="-228600" algn="l" defTabSz="914400" rtl="0" eaLnBrk="1" latinLnBrk="0" hangingPunct="1">
+              <a:lnSpc>
+                <a:spcPct val="90000"/>
+              </a:lnSpc>
+              <a:spcBef>
+                <a:spcPts val="1200"/>
+              </a:spcBef>
+              <a:buFont typeface="Arial" panose="020B0604020202020204" pitchFamily="34" charset="0"/>
+              <a:buChar char="•"/>
+              <a:defRPr sz="2000" kern="1200">
+                <a:solidFill>
+                  <a:schemeClr val="tx1"/>
+                </a:solidFill>
+                <a:latin typeface="+mn-lt"/>
+                <a:ea typeface="+mn-ea"/>
+                <a:cs typeface="+mn-cs"/>
+              </a:defRPr>
+            </a:lvl2pPr>
+            <a:lvl3pPr marL="777240" indent="-228600" algn="l" defTabSz="914400" rtl="0" eaLnBrk="1" latinLnBrk="0" hangingPunct="1">
+              <a:lnSpc>
+                <a:spcPct val="90000"/>
+              </a:lnSpc>
+              <a:spcBef>
+                <a:spcPts val="600"/>
+              </a:spcBef>
+              <a:buFont typeface="Arial" panose="020B0604020202020204" pitchFamily="34" charset="0"/>
+              <a:buChar char="•"/>
+              <a:defRPr sz="1800" kern="1200">
+                <a:solidFill>
+                  <a:schemeClr val="tx1"/>
+                </a:solidFill>
+                <a:latin typeface="+mn-lt"/>
+                <a:ea typeface="+mn-ea"/>
+                <a:cs typeface="+mn-cs"/>
+              </a:defRPr>
+            </a:lvl3pPr>
+            <a:lvl4pPr marL="1051560" indent="-228600" algn="l" defTabSz="914400" rtl="0" eaLnBrk="1" latinLnBrk="0" hangingPunct="1">
+              <a:lnSpc>
+                <a:spcPct val="90000"/>
+              </a:lnSpc>
+              <a:spcBef>
+                <a:spcPts val="600"/>
+              </a:spcBef>
+              <a:buFont typeface="Arial" panose="020B0604020202020204" pitchFamily="34" charset="0"/>
+              <a:buChar char="•"/>
+              <a:defRPr sz="1600" kern="1200">
+                <a:solidFill>
+                  <a:schemeClr val="tx1"/>
+                </a:solidFill>
+                <a:latin typeface="+mn-lt"/>
+                <a:ea typeface="+mn-ea"/>
+                <a:cs typeface="+mn-cs"/>
+              </a:defRPr>
+            </a:lvl4pPr>
+            <a:lvl5pPr marL="1325880" indent="-228600" algn="l" defTabSz="914400" rtl="0" eaLnBrk="1" latinLnBrk="0" hangingPunct="1">
+              <a:lnSpc>
+                <a:spcPct val="90000"/>
+              </a:lnSpc>
+              <a:spcBef>
+                <a:spcPts val="600"/>
+              </a:spcBef>
+              <a:buFont typeface="Arial" panose="020B0604020202020204" pitchFamily="34" charset="0"/>
+              <a:buChar char="•"/>
+              <a:defRPr sz="1600" kern="1200">
+                <a:solidFill>
+                  <a:schemeClr val="tx1"/>
+                </a:solidFill>
+                <a:latin typeface="+mn-lt"/>
+                <a:ea typeface="+mn-ea"/>
+                <a:cs typeface="+mn-cs"/>
+              </a:defRPr>
+            </a:lvl5pPr>
+            <a:lvl6pPr marL="1600200" indent="-228600" algn="l" defTabSz="914400" rtl="0" eaLnBrk="1" latinLnBrk="0" hangingPunct="1">
+              <a:lnSpc>
+                <a:spcPct val="90000"/>
+              </a:lnSpc>
+              <a:spcBef>
+                <a:spcPts val="600"/>
+              </a:spcBef>
+              <a:buFont typeface="Arial" panose="020B0604020202020204" pitchFamily="34" charset="0"/>
+              <a:buChar char="•"/>
+              <a:defRPr sz="1600" kern="1200">
+                <a:solidFill>
+                  <a:schemeClr val="tx1"/>
+                </a:solidFill>
+                <a:latin typeface="+mn-lt"/>
+                <a:ea typeface="+mn-ea"/>
+                <a:cs typeface="+mn-cs"/>
+              </a:defRPr>
+            </a:lvl6pPr>
+            <a:lvl7pPr marL="1874520" indent="-228600" algn="l" defTabSz="914400" rtl="0" eaLnBrk="1" latinLnBrk="0" hangingPunct="1">
+              <a:lnSpc>
+                <a:spcPct val="90000"/>
+              </a:lnSpc>
+              <a:spcBef>
+                <a:spcPts val="600"/>
+              </a:spcBef>
+              <a:buFont typeface="Arial" panose="020B0604020202020204" pitchFamily="34" charset="0"/>
+              <a:buChar char="•"/>
+              <a:defRPr sz="1600" kern="1200">
+                <a:solidFill>
+                  <a:schemeClr val="tx1"/>
+                </a:solidFill>
+                <a:latin typeface="+mn-lt"/>
+                <a:ea typeface="+mn-ea"/>
+                <a:cs typeface="+mn-cs"/>
+              </a:defRPr>
+            </a:lvl7pPr>
+            <a:lvl8pPr marL="2148840" indent="-228600" algn="l" defTabSz="914400" rtl="0" eaLnBrk="1" latinLnBrk="0" hangingPunct="1">
+              <a:lnSpc>
+                <a:spcPct val="90000"/>
+              </a:lnSpc>
+              <a:spcBef>
+                <a:spcPts val="600"/>
+              </a:spcBef>
+              <a:buFont typeface="Arial" panose="020B0604020202020204" pitchFamily="34" charset="0"/>
+              <a:buChar char="•"/>
+              <a:defRPr sz="1600" kern="1200">
+                <a:solidFill>
+                  <a:schemeClr val="tx1"/>
+                </a:solidFill>
+                <a:latin typeface="+mn-lt"/>
+                <a:ea typeface="+mn-ea"/>
+                <a:cs typeface="+mn-cs"/>
+              </a:defRPr>
+            </a:lvl8pPr>
+            <a:lvl9pPr marL="2423160" indent="-228600" algn="l" defTabSz="914400" rtl="0" eaLnBrk="1" latinLnBrk="0" hangingPunct="1">
+              <a:lnSpc>
+                <a:spcPct val="90000"/>
+              </a:lnSpc>
+              <a:spcBef>
+                <a:spcPts val="600"/>
+              </a:spcBef>
+              <a:buFont typeface="Arial" panose="020B0604020202020204" pitchFamily="34" charset="0"/>
+              <a:buChar char="•"/>
+              <a:defRPr sz="1600" kern="1200">
+                <a:solidFill>
+                  <a:schemeClr val="tx1"/>
+                </a:solidFill>
+                <a:latin typeface="+mn-lt"/>
+                <a:ea typeface="+mn-ea"/>
+                <a:cs typeface="+mn-cs"/>
+              </a:defRPr>
+            </a:lvl9pPr>
+          </a:lstStyle>
           <a:p>
             <a:pPr marL="0" indent="0">
               <a:buFont typeface="Arial" panose="020B0604020202020204" pitchFamily="34" charset="0"/>
               <a:buNone/>
             </a:pPr>
             <a:r>
-              <a:rPr lang="fr-FR"/>
-              <a:t> Fonctionnalité abandonné vis-à-vis du travail à faire sur les fonctionnalités principales pour l’Iteration 4 : </a:t>
-            </a:r>
-          </a:p>
-          <a:p>
-            <a:r>
-              <a:rPr lang="fr-FR"/>
-              <a:t>Chrono : </a:t>
+              <a:rPr lang="fr-FR" sz="3200" dirty="0">
+                <a:highlight>
+                  <a:srgbClr val="000080"/>
+                </a:highlight>
+              </a:rPr>
+              <a:t>Fonctionnalité abandonné:</a:t>
             </a:r>
           </a:p>
           <a:p>
@@ -10142,8 +10733,22 @@
               <a:buNone/>
             </a:pPr>
             <a:r>
-              <a:rPr lang="fr-FR"/>
-              <a:t>-total du temp de jeu seulement</a:t>
+              <a:rPr lang="fr-FR" sz="3200" dirty="0"/>
+              <a:t>Chrono personnelle</a:t>
+            </a:r>
+            <a:br>
+              <a:rPr lang="fr-FR" sz="3200" dirty="0"/>
+            </a:br>
+            <a:r>
+              <a:rPr lang="fr-FR" sz="3200" dirty="0"/>
+              <a:t>Face résultat dé ( LED)</a:t>
+            </a:r>
+            <a:br>
+              <a:rPr lang="fr-FR" sz="3200" dirty="0"/>
+            </a:br>
+            <a:r>
+              <a:rPr lang="fr-FR" sz="3200" dirty="0"/>
+              <a:t>Personnalisations des Statistiques</a:t>
             </a:r>
           </a:p>
           <a:p>
@@ -10152,22 +10757,35 @@
               <a:buNone/>
             </a:pPr>
             <a:r>
-              <a:rPr lang="fr-FR"/>
-              <a:t>-pas de temps de jeu personnelle, ni d’activation du chrono sur demande</a:t>
-            </a:r>
-          </a:p>
-          <a:p>
-            <a:r>
-              <a:rPr lang="fr-FR"/>
-              <a:t>Pas d’affichage du lancer de dés grâce à des LED (oublié) </a:t>
-            </a:r>
-          </a:p>
-          <a:p>
-            <a:r>
-              <a:rPr lang="fr-FR"/>
-              <a:t>Statistique non personnalisable</a:t>
-            </a:r>
-            <a:endParaRPr lang="fr-FR" dirty="0"/>
+              <a:rPr lang="fr-FR" sz="3200" dirty="0">
+                <a:highlight>
+                  <a:srgbClr val="FF0000"/>
+                </a:highlight>
+              </a:rPr>
+              <a:t>Pourquoi?  </a:t>
+            </a:r>
+          </a:p>
+          <a:p>
+            <a:pPr>
+              <a:buFont typeface="Wingdings" panose="05000000000000000000" pitchFamily="2" charset="2"/>
+              <a:buChar char="à"/>
+            </a:pPr>
+            <a:r>
+              <a:rPr lang="fr-FR" sz="3200" dirty="0">
+                <a:sym typeface="Wingdings" panose="05000000000000000000" pitchFamily="2" charset="2"/>
+              </a:rPr>
+              <a:t> Non Nécessaire au Bon Fonctionnement du Jeu</a:t>
+            </a:r>
+          </a:p>
+          <a:p>
+            <a:pPr>
+              <a:buFont typeface="Wingdings" panose="05000000000000000000" pitchFamily="2" charset="2"/>
+              <a:buChar char="à"/>
+            </a:pPr>
+            <a:r>
+              <a:rPr lang="fr-FR" sz="3200" dirty="0"/>
+              <a:t> Travail à faire sur les Fonctionnalités Principales comme le Multijoueur &amp; les Stats </a:t>
+            </a:r>
           </a:p>
         </p:txBody>
       </p:sp>
@@ -10230,19 +10848,7 @@
           <a:p>
             <a:r>
               <a:rPr lang="fr-FR" dirty="0"/>
-              <a:t>3) </a:t>
-            </a:r>
-            <a:r>
-              <a:rPr lang="fr-FR" dirty="0" err="1"/>
-              <a:t>Difficulties</a:t>
-            </a:r>
-            <a:r>
-              <a:rPr lang="fr-FR" dirty="0"/>
-              <a:t> </a:t>
-            </a:r>
-            <a:r>
-              <a:rPr lang="fr-FR" dirty="0" err="1"/>
-              <a:t>encountered</a:t>
+              <a:t>3) Difficultés rencontrées</a:t>
             </a:r>
             <a:br>
               <a:rPr lang="fr-FR" dirty="0"/>
@@ -10263,36 +10869,161 @@
         </p:nvSpPr>
         <p:spPr>
           <a:xfrm>
-            <a:off x="182880" y="1951222"/>
-            <a:ext cx="5913120" cy="4102967"/>
+            <a:off x="39319" y="1447800"/>
+            <a:ext cx="5913120" cy="5221560"/>
           </a:xfrm>
         </p:spPr>
         <p:txBody>
           <a:bodyPr rtlCol="0">
-            <a:normAutofit/>
+            <a:normAutofit fontScale="25000" lnSpcReduction="20000"/>
           </a:bodyPr>
           <a:lstStyle/>
           <a:p>
             <a:r>
-              <a:rPr lang="fr-FR" dirty="0" err="1"/>
-              <a:t>Problem</a:t>
-            </a:r>
-            <a:r>
-              <a:rPr lang="fr-FR" dirty="0"/>
-              <a:t> de Chris sur les stat et use of fichier</a:t>
-            </a:r>
-          </a:p>
-          <a:p>
-            <a:endParaRPr lang="fr-FR" dirty="0"/>
-          </a:p>
-          <a:p>
-            <a:r>
-              <a:rPr lang="fr-FR" dirty="0" err="1"/>
-              <a:t>Problem</a:t>
-            </a:r>
-            <a:r>
-              <a:rPr lang="fr-FR" dirty="0"/>
-              <a:t> de Lilian avec  ses sockets</a:t>
+              <a:rPr lang="fr-FR" sz="8800" dirty="0">
+                <a:highlight>
+                  <a:srgbClr val="0000FF"/>
+                </a:highlight>
+              </a:rPr>
+              <a:t>Problème Lecture  Fichier :</a:t>
+            </a:r>
+          </a:p>
+          <a:p>
+            <a:pPr marL="0" indent="0">
+              <a:buNone/>
+            </a:pPr>
+            <a:r>
+              <a:rPr lang="fr-FR" sz="8800" dirty="0"/>
+              <a:t>Mauvais formatage Fichier lors de l’Enregistrement, Fichier contient :   </a:t>
+            </a:r>
+            <a:br>
+              <a:rPr lang="fr-FR" sz="8800" dirty="0"/>
+            </a:br>
+            <a:r>
+              <a:rPr lang="fr-FR" sz="8800" dirty="0"/>
+              <a:t>nom + </a:t>
+            </a:r>
+            <a:r>
+              <a:rPr lang="fr-FR" sz="8800" dirty="0">
+                <a:highlight>
+                  <a:srgbClr val="FF0000"/>
+                </a:highlight>
+              </a:rPr>
+              <a:t>0*Nb char restant </a:t>
+            </a:r>
+            <a:r>
+              <a:rPr lang="fr-FR" sz="8800" dirty="0"/>
+              <a:t>+ valeur du dé</a:t>
+            </a:r>
+          </a:p>
+          <a:p>
+            <a:pPr marL="274320" lvl="1" indent="0">
+              <a:buNone/>
+            </a:pPr>
+            <a:r>
+              <a:rPr lang="fr-FR" sz="8800" dirty="0"/>
+              <a:t>	nom</a:t>
+            </a:r>
+            <a:r>
+              <a:rPr lang="fr-FR" sz="8800" dirty="0">
+                <a:highlight>
+                  <a:srgbClr val="FF0000"/>
+                </a:highlight>
+              </a:rPr>
+              <a:t>0000…00</a:t>
+            </a:r>
+            <a:r>
+              <a:rPr lang="fr-FR" sz="8800" dirty="0"/>
+              <a:t>1</a:t>
+            </a:r>
+            <a:r>
+              <a:rPr lang="fr-FR" sz="8800" dirty="0">
+                <a:highlight>
+                  <a:srgbClr val="00FF00"/>
+                </a:highlight>
+              </a:rPr>
+              <a:t> </a:t>
+            </a:r>
+          </a:p>
+          <a:p>
+            <a:pPr marL="0" indent="0">
+              <a:buNone/>
+            </a:pPr>
+            <a:r>
+              <a:rPr lang="fr-FR" sz="8800" dirty="0">
+                <a:highlight>
+                  <a:srgbClr val="FF00FF"/>
+                </a:highlight>
+              </a:rPr>
+              <a:t>Origine</a:t>
+            </a:r>
+            <a:r>
+              <a:rPr lang="fr-FR" sz="8800" dirty="0"/>
+              <a:t> : Write est une fonction binaire, enregistrement de la variable entière qui est un char[50] </a:t>
+            </a:r>
+          </a:p>
+          <a:p>
+            <a:pPr marL="0" indent="0">
+              <a:buNone/>
+            </a:pPr>
+            <a:r>
+              <a:rPr lang="fr-FR" sz="8800" dirty="0">
+                <a:highlight>
+                  <a:srgbClr val="008000"/>
+                </a:highlight>
+              </a:rPr>
+              <a:t>Résolution</a:t>
+            </a:r>
+            <a:r>
+              <a:rPr lang="fr-FR" sz="8800" dirty="0"/>
+              <a:t> : lire jusqu’à 0 , lire après les 0</a:t>
+            </a:r>
+          </a:p>
+          <a:p>
+            <a:r>
+              <a:rPr lang="fr-FR" sz="8800" dirty="0">
+                <a:highlight>
+                  <a:srgbClr val="0000FF"/>
+                </a:highlight>
+              </a:rPr>
+              <a:t>Probleme Sockets : </a:t>
+            </a:r>
+          </a:p>
+          <a:p>
+            <a:pPr marL="274320" lvl="1" indent="0">
+              <a:buNone/>
+            </a:pPr>
+            <a:r>
+              <a:rPr lang="fr-FR" sz="8800" dirty="0"/>
+              <a:t>Serveur doit accepter connexion simultané, mais traite les données l’une après l’autre, client 1 ,2 puis 3…</a:t>
+            </a:r>
+          </a:p>
+          <a:p>
+            <a:pPr marL="274320" lvl="1" indent="0">
+              <a:buNone/>
+            </a:pPr>
+            <a:br>
+              <a:rPr lang="fr-FR" sz="8800" dirty="0"/>
+            </a:br>
+            <a:r>
+              <a:rPr lang="fr-FR" sz="8800" dirty="0">
+                <a:highlight>
+                  <a:srgbClr val="008000"/>
+                </a:highlight>
+              </a:rPr>
+              <a:t>Résolution : </a:t>
+            </a:r>
+            <a:r>
+              <a:rPr lang="fr-FR" sz="8800" dirty="0"/>
+              <a:t>Fonction </a:t>
+            </a:r>
+            <a:r>
+              <a:rPr lang="fr-FR" sz="8800" dirty="0" err="1"/>
+              <a:t>send</a:t>
+            </a:r>
+            <a:r>
+              <a:rPr lang="fr-FR" sz="8800" dirty="0"/>
+              <a:t> configuré Bloquante pour envoyer les données clients</a:t>
             </a:r>
           </a:p>
           <a:p>
@@ -10321,7 +11052,7 @@
         </p:nvSpPr>
         <p:spPr>
           <a:xfrm>
-            <a:off x="479376" y="1152526"/>
+            <a:off x="384736" y="787844"/>
             <a:ext cx="4846320" cy="823912"/>
           </a:xfrm>
         </p:spPr>
@@ -10332,15 +11063,7 @@
             <a:pPr algn="just" rtl="0"/>
             <a:r>
               <a:rPr lang="fr-FR" dirty="0"/>
-              <a:t>Jour de l’</a:t>
-            </a:r>
-            <a:r>
-              <a:rPr lang="fr-FR" dirty="0" err="1"/>
-              <a:t>Iteration</a:t>
-            </a:r>
-            <a:r>
-              <a:rPr lang="fr-FR" dirty="0"/>
-              <a:t> 4 : 20/12</a:t>
+              <a:t>Jour de l’Itération 4 : 20/12</a:t>
             </a:r>
           </a:p>
         </p:txBody>
@@ -10357,13 +11080,13 @@
         </p:nvSpPr>
         <p:spPr>
           <a:xfrm>
-            <a:off x="6278880" y="1916833"/>
-            <a:ext cx="5913120" cy="4941168"/>
+            <a:off x="6096000" y="1196752"/>
+            <a:ext cx="5913120" cy="4689486"/>
           </a:xfrm>
         </p:spPr>
         <p:txBody>
           <a:bodyPr rtlCol="0">
-            <a:normAutofit/>
+            <a:normAutofit fontScale="25000" lnSpcReduction="20000"/>
           </a:bodyPr>
           <a:lstStyle/>
           <a:p>
@@ -10371,13 +11094,130 @@
               <a:buNone/>
             </a:pPr>
             <a:r>
-              <a:rPr lang="fr-FR" dirty="0"/>
+              <a:rPr lang="fr-FR" sz="1200" dirty="0"/>
               <a:t> </a:t>
             </a:r>
           </a:p>
           <a:p>
+            <a:pPr marL="0" indent="0">
+              <a:buNone/>
+            </a:pPr>
+            <a:r>
+              <a:rPr lang="fr-FR" sz="9600" dirty="0">
+                <a:highlight>
+                  <a:srgbClr val="0000FF"/>
+                </a:highlight>
+              </a:rPr>
+              <a:t>Fonctionnalité abandonné:</a:t>
+            </a:r>
+          </a:p>
+          <a:p>
+            <a:pPr marL="0" indent="0">
+              <a:buNone/>
+            </a:pPr>
+            <a:endParaRPr lang="fr-FR" sz="9600" dirty="0">
+              <a:highlight>
+                <a:srgbClr val="0000FF"/>
+              </a:highlight>
+            </a:endParaRPr>
+          </a:p>
+          <a:p>
+            <a:pPr marL="0" indent="0">
+              <a:buNone/>
+            </a:pPr>
+            <a:r>
+              <a:rPr lang="fr-FR" sz="9600" dirty="0"/>
+              <a:t>Chronométrage temps de jeu</a:t>
+            </a:r>
+            <a:br>
+              <a:rPr lang="fr-FR" sz="9600" dirty="0"/>
+            </a:br>
+            <a:endParaRPr lang="fr-FR" sz="9600" dirty="0"/>
+          </a:p>
+          <a:p>
+            <a:pPr marL="0" indent="0">
+              <a:buNone/>
+            </a:pPr>
+            <a:r>
+              <a:rPr lang="fr-FR" sz="9600" dirty="0">
+                <a:highlight>
+                  <a:srgbClr val="FF0000"/>
+                </a:highlight>
+              </a:rPr>
+              <a:t>Pourquoi?  </a:t>
+            </a:r>
+          </a:p>
+          <a:p>
+            <a:pPr marL="0" indent="0">
+              <a:buNone/>
+            </a:pPr>
+            <a:endParaRPr lang="fr-FR" sz="9600" dirty="0">
+              <a:highlight>
+                <a:srgbClr val="FF0000"/>
+              </a:highlight>
+            </a:endParaRPr>
+          </a:p>
+          <a:p>
+            <a:pPr>
+              <a:buFont typeface="Wingdings" panose="05000000000000000000" pitchFamily="2" charset="2"/>
+              <a:buChar char="à"/>
+            </a:pPr>
+            <a:r>
+              <a:rPr lang="fr-FR" sz="9600" dirty="0">
+                <a:sym typeface="Wingdings" panose="05000000000000000000" pitchFamily="2" charset="2"/>
+              </a:rPr>
+              <a:t>Fonctionnalité Non </a:t>
+            </a:r>
+            <a:r>
+              <a:rPr lang="fr-FR" sz="9600">
+                <a:sym typeface="Wingdings" panose="05000000000000000000" pitchFamily="2" charset="2"/>
+              </a:rPr>
+              <a:t>nécessaire au </a:t>
+            </a:r>
+            <a:r>
+              <a:rPr lang="fr-FR" sz="9600" dirty="0">
+                <a:sym typeface="Wingdings" panose="05000000000000000000" pitchFamily="2" charset="2"/>
+              </a:rPr>
+              <a:t>bon fonctionnement du Jeu</a:t>
+            </a:r>
+          </a:p>
+          <a:p>
+            <a:pPr>
+              <a:buFont typeface="Wingdings" panose="05000000000000000000" pitchFamily="2" charset="2"/>
+              <a:buChar char="à"/>
+            </a:pPr>
+            <a:r>
+              <a:rPr lang="fr-FR" sz="9600" dirty="0"/>
+              <a:t> Travail à faire sur les fonctionnalités principales comme le Multijoueur &amp; les Stats </a:t>
+            </a:r>
+          </a:p>
+          <a:p>
             <a:pPr rtl="0"/>
-            <a:endParaRPr lang="fr-FR" dirty="0"/>
+            <a:endParaRPr lang="fr-FR" sz="12800" dirty="0">
+              <a:highlight>
+                <a:srgbClr val="0000FF"/>
+              </a:highlight>
+            </a:endParaRPr>
+          </a:p>
+          <a:p>
+            <a:pPr rtl="0"/>
+            <a:endParaRPr lang="fr-FR" sz="12800" dirty="0">
+              <a:highlight>
+                <a:srgbClr val="0000FF"/>
+              </a:highlight>
+            </a:endParaRPr>
+          </a:p>
+          <a:p>
+            <a:pPr rtl="0"/>
+            <a:endParaRPr lang="fr-FR" sz="12800" dirty="0">
+              <a:highlight>
+                <a:srgbClr val="0000FF"/>
+              </a:highlight>
+            </a:endParaRPr>
+          </a:p>
+          <a:p>
+            <a:pPr rtl="0"/>
+            <a:endParaRPr lang="fr-FR" sz="12800" dirty="0"/>
           </a:p>
         </p:txBody>
       </p:sp>
@@ -10399,7 +11239,7 @@
         </p:nvSpPr>
         <p:spPr>
           <a:xfrm>
-            <a:off x="6262606" y="1447800"/>
+            <a:off x="6254676" y="1092644"/>
             <a:ext cx="4846320" cy="823912"/>
           </a:xfrm>
         </p:spPr>
@@ -10409,15 +11249,7 @@
           <a:p>
             <a:r>
               <a:rPr lang="fr-FR" dirty="0"/>
-              <a:t>Jour de l’</a:t>
-            </a:r>
-            <a:r>
-              <a:rPr lang="fr-FR" dirty="0" err="1"/>
-              <a:t>Iteration</a:t>
-            </a:r>
-            <a:r>
-              <a:rPr lang="fr-FR" dirty="0"/>
-              <a:t> 5 : 21/12</a:t>
+              <a:t>Jour de l’Itération 5 : 21/12</a:t>
             </a:r>
           </a:p>
           <a:p>
@@ -10477,14 +11309,21 @@
             <p:ph type="title"/>
           </p:nvPr>
         </p:nvSpPr>
-        <p:spPr/>
-        <p:txBody>
-          <a:bodyPr rtlCol="0"/>
+        <p:spPr>
+          <a:xfrm>
+            <a:off x="7924800" y="838200"/>
+            <a:ext cx="3657600" cy="2133600"/>
+          </a:xfrm>
+        </p:spPr>
+        <p:txBody>
+          <a:bodyPr rtlCol="0">
+            <a:normAutofit/>
+          </a:bodyPr>
           <a:lstStyle/>
           <a:p>
             <a:pPr rtl="0"/>
             <a:r>
-              <a:rPr lang="fr-FR" dirty="0"/>
+              <a:rPr lang="fr-FR" sz="4800" dirty="0"/>
               <a:t>Statistique d’une partie avec 3 joueur</a:t>
             </a:r>
           </a:p>
@@ -10500,14 +11339,14 @@
             <p:ph idx="1"/>
             <p:extLst>
               <p:ext uri="{D42A27DB-BD31-4B8C-83A1-F6EECF244321}">
-                <p14:modId xmlns:p14="http://schemas.microsoft.com/office/powerpoint/2010/main" val="3270890266"/>
+                <p14:modId xmlns:p14="http://schemas.microsoft.com/office/powerpoint/2010/main" val="4065984078"/>
               </p:ext>
             </p:extLst>
           </p:nvPr>
         </p:nvGraphicFramePr>
         <p:xfrm>
-          <a:off x="609600" y="838200"/>
-          <a:ext cx="6172200" cy="5181600"/>
+          <a:off x="0" y="548680"/>
+          <a:ext cx="7248128" cy="5919936"/>
         </p:xfrm>
         <a:graphic>
           <a:graphicData uri="http://schemas.openxmlformats.org/drawingml/2006/chart">
@@ -10525,15 +11364,29 @@
             <p:ph type="body" sz="half" idx="2"/>
           </p:nvPr>
         </p:nvSpPr>
-        <p:spPr/>
-        <p:txBody>
-          <a:bodyPr rtlCol="0"/>
+        <p:spPr>
+          <a:xfrm>
+            <a:off x="7957625" y="3573016"/>
+            <a:ext cx="4799856" cy="2895600"/>
+          </a:xfrm>
+        </p:spPr>
+        <p:txBody>
+          <a:bodyPr rtlCol="0">
+            <a:normAutofit/>
+          </a:bodyPr>
           <a:lstStyle/>
           <a:p>
             <a:pPr rtl="0"/>
             <a:r>
-              <a:rPr lang="fr-FR" dirty="0"/>
-              <a:t>Proba 1 : la proba pour un joueur de tomber sur un 1 depuis le début de la partie</a:t>
+              <a:rPr lang="fr-FR" sz="3600" dirty="0"/>
+              <a:t>Proba (dé=1) : </a:t>
+            </a:r>
+            <a:br>
+              <a:rPr lang="fr-FR" sz="3600" dirty="0"/>
+            </a:br>
+            <a:r>
+              <a:rPr lang="fr-FR" sz="3600" dirty="0"/>
+              <a:t>nb(dé =1)/nb lancés </a:t>
             </a:r>
           </a:p>
         </p:txBody>
